--- a/1_Dokumentation/Zeichnungen/SW_Doku.pptx
+++ b/1_Dokumentation/Zeichnungen/SW_Doku.pptx
@@ -7,6 +7,7 @@
   <p:sldIdLst>
     <p:sldId id="256" r:id="rId2"/>
     <p:sldId id="257" r:id="rId3"/>
+    <p:sldId id="258" r:id="rId4"/>
   </p:sldIdLst>
   <p:sldSz cx="12192000" cy="6858000"/>
   <p:notesSz cx="6858000" cy="9144000"/>
@@ -105,6 +106,11 @@
       </a:defRPr>
     </a:lvl9pPr>
   </p:defaultTextStyle>
+  <p:extLst>
+    <p:ext uri="{EFAFB233-063F-42B5-8137-9DF3F51BA10A}">
+      <p15:sldGuideLst xmlns:p15="http://schemas.microsoft.com/office/powerpoint/2012/main"/>
+    </p:ext>
+  </p:extLst>
 </p:presentation>
 </file>
 
@@ -239,7 +245,7 @@
           <a:p>
             <a:fld id="{420F3398-8A54-435E-92EE-D7A119CBDC98}" type="datetimeFigureOut">
               <a:rPr lang="de-DE" smtClean="0"/>
-              <a:t>26.09.2016</a:t>
+              <a:t>07.10.2016</a:t>
             </a:fld>
             <a:endParaRPr lang="de-DE"/>
           </a:p>
@@ -409,7 +415,7 @@
           <a:p>
             <a:fld id="{420F3398-8A54-435E-92EE-D7A119CBDC98}" type="datetimeFigureOut">
               <a:rPr lang="de-DE" smtClean="0"/>
-              <a:t>26.09.2016</a:t>
+              <a:t>07.10.2016</a:t>
             </a:fld>
             <a:endParaRPr lang="de-DE"/>
           </a:p>
@@ -589,7 +595,7 @@
           <a:p>
             <a:fld id="{420F3398-8A54-435E-92EE-D7A119CBDC98}" type="datetimeFigureOut">
               <a:rPr lang="de-DE" smtClean="0"/>
-              <a:t>26.09.2016</a:t>
+              <a:t>07.10.2016</a:t>
             </a:fld>
             <a:endParaRPr lang="de-DE"/>
           </a:p>
@@ -759,7 +765,7 @@
           <a:p>
             <a:fld id="{420F3398-8A54-435E-92EE-D7A119CBDC98}" type="datetimeFigureOut">
               <a:rPr lang="de-DE" smtClean="0"/>
-              <a:t>26.09.2016</a:t>
+              <a:t>07.10.2016</a:t>
             </a:fld>
             <a:endParaRPr lang="de-DE"/>
           </a:p>
@@ -1005,7 +1011,7 @@
           <a:p>
             <a:fld id="{420F3398-8A54-435E-92EE-D7A119CBDC98}" type="datetimeFigureOut">
               <a:rPr lang="de-DE" smtClean="0"/>
-              <a:t>26.09.2016</a:t>
+              <a:t>07.10.2016</a:t>
             </a:fld>
             <a:endParaRPr lang="de-DE"/>
           </a:p>
@@ -1237,7 +1243,7 @@
           <a:p>
             <a:fld id="{420F3398-8A54-435E-92EE-D7A119CBDC98}" type="datetimeFigureOut">
               <a:rPr lang="de-DE" smtClean="0"/>
-              <a:t>26.09.2016</a:t>
+              <a:t>07.10.2016</a:t>
             </a:fld>
             <a:endParaRPr lang="de-DE"/>
           </a:p>
@@ -1604,7 +1610,7 @@
           <a:p>
             <a:fld id="{420F3398-8A54-435E-92EE-D7A119CBDC98}" type="datetimeFigureOut">
               <a:rPr lang="de-DE" smtClean="0"/>
-              <a:t>26.09.2016</a:t>
+              <a:t>07.10.2016</a:t>
             </a:fld>
             <a:endParaRPr lang="de-DE"/>
           </a:p>
@@ -1722,7 +1728,7 @@
           <a:p>
             <a:fld id="{420F3398-8A54-435E-92EE-D7A119CBDC98}" type="datetimeFigureOut">
               <a:rPr lang="de-DE" smtClean="0"/>
-              <a:t>26.09.2016</a:t>
+              <a:t>07.10.2016</a:t>
             </a:fld>
             <a:endParaRPr lang="de-DE"/>
           </a:p>
@@ -1817,7 +1823,7 @@
           <a:p>
             <a:fld id="{420F3398-8A54-435E-92EE-D7A119CBDC98}" type="datetimeFigureOut">
               <a:rPr lang="de-DE" smtClean="0"/>
-              <a:t>26.09.2016</a:t>
+              <a:t>07.10.2016</a:t>
             </a:fld>
             <a:endParaRPr lang="de-DE"/>
           </a:p>
@@ -2094,7 +2100,7 @@
           <a:p>
             <a:fld id="{420F3398-8A54-435E-92EE-D7A119CBDC98}" type="datetimeFigureOut">
               <a:rPr lang="de-DE" smtClean="0"/>
-              <a:t>26.09.2016</a:t>
+              <a:t>07.10.2016</a:t>
             </a:fld>
             <a:endParaRPr lang="de-DE"/>
           </a:p>
@@ -2347,7 +2353,7 @@
           <a:p>
             <a:fld id="{420F3398-8A54-435E-92EE-D7A119CBDC98}" type="datetimeFigureOut">
               <a:rPr lang="de-DE" smtClean="0"/>
-              <a:t>26.09.2016</a:t>
+              <a:t>07.10.2016</a:t>
             </a:fld>
             <a:endParaRPr lang="de-DE"/>
           </a:p>
@@ -2560,7 +2566,7 @@
           <a:p>
             <a:fld id="{420F3398-8A54-435E-92EE-D7A119CBDC98}" type="datetimeFigureOut">
               <a:rPr lang="de-DE" smtClean="0"/>
-              <a:t>26.09.2016</a:t>
+              <a:t>07.10.2016</a:t>
             </a:fld>
             <a:endParaRPr lang="de-DE"/>
           </a:p>
@@ -2965,8 +2971,8 @@
           <a:chExt cx="0" cy="0"/>
         </a:xfrm>
       </p:grpSpPr>
-      <mc:AlternateContent xmlns:mc="http://schemas.openxmlformats.org/markup-compatibility/2006">
-        <mc:Choice xmlns:a14="http://schemas.microsoft.com/office/drawing/2010/main" Requires="a14">
+      <mc:AlternateContent xmlns:mc="http://schemas.openxmlformats.org/markup-compatibility/2006" xmlns:a14="http://schemas.microsoft.com/office/drawing/2010/main">
+        <mc:Choice Requires="a14">
           <p:sp>
             <p:nvSpPr>
               <p:cNvPr id="4" name="Rechteck 3"/>
@@ -3629,7 +3635,7 @@
             </p:txBody>
           </p:sp>
         </mc:Choice>
-        <mc:Fallback>
+        <mc:Fallback xmlns="">
           <p:sp>
             <p:nvSpPr>
               <p:cNvPr id="4" name="Rechteck 3"/>
@@ -3673,8 +3679,8 @@
           </p:sp>
         </mc:Fallback>
       </mc:AlternateContent>
-      <mc:AlternateContent xmlns:mc="http://schemas.openxmlformats.org/markup-compatibility/2006">
-        <mc:Choice xmlns:a14="http://schemas.microsoft.com/office/drawing/2010/main" Requires="a14">
+      <mc:AlternateContent xmlns:mc="http://schemas.openxmlformats.org/markup-compatibility/2006" xmlns:a14="http://schemas.microsoft.com/office/drawing/2010/main">
+        <mc:Choice Requires="a14">
           <p:sp>
             <p:nvSpPr>
               <p:cNvPr id="5" name="Rechteck 4"/>
@@ -3925,7 +3931,7 @@
             </p:txBody>
           </p:sp>
         </mc:Choice>
-        <mc:Fallback>
+        <mc:Fallback xmlns="">
           <p:sp>
             <p:nvSpPr>
               <p:cNvPr id="5" name="Rechteck 4"/>
@@ -3969,8 +3975,8 @@
           </p:sp>
         </mc:Fallback>
       </mc:AlternateContent>
-      <mc:AlternateContent xmlns:mc="http://schemas.openxmlformats.org/markup-compatibility/2006">
-        <mc:Choice xmlns:a14="http://schemas.microsoft.com/office/drawing/2010/main" Requires="a14">
+      <mc:AlternateContent xmlns:mc="http://schemas.openxmlformats.org/markup-compatibility/2006" xmlns:a14="http://schemas.microsoft.com/office/drawing/2010/main">
+        <mc:Choice Requires="a14">
           <p:sp>
             <p:nvSpPr>
               <p:cNvPr id="6" name="Rechteck 5"/>
@@ -4207,7 +4213,7 @@
             </p:txBody>
           </p:sp>
         </mc:Choice>
-        <mc:Fallback>
+        <mc:Fallback xmlns="">
           <p:sp>
             <p:nvSpPr>
               <p:cNvPr id="6" name="Rechteck 5"/>
@@ -4251,8 +4257,8 @@
           </p:sp>
         </mc:Fallback>
       </mc:AlternateContent>
-      <mc:AlternateContent xmlns:mc="http://schemas.openxmlformats.org/markup-compatibility/2006">
-        <mc:Choice xmlns:a14="http://schemas.microsoft.com/office/drawing/2010/main" Requires="a14">
+      <mc:AlternateContent xmlns:mc="http://schemas.openxmlformats.org/markup-compatibility/2006" xmlns:a14="http://schemas.microsoft.com/office/drawing/2010/main">
+        <mc:Choice Requires="a14">
           <p:sp>
             <p:nvSpPr>
               <p:cNvPr id="7" name="Rechteck 6"/>
@@ -4482,7 +4488,7 @@
             </p:txBody>
           </p:sp>
         </mc:Choice>
-        <mc:Fallback>
+        <mc:Fallback xmlns="">
           <p:sp>
             <p:nvSpPr>
               <p:cNvPr id="7" name="Rechteck 6"/>
@@ -4526,8 +4532,8 @@
           </p:sp>
         </mc:Fallback>
       </mc:AlternateContent>
-      <mc:AlternateContent xmlns:mc="http://schemas.openxmlformats.org/markup-compatibility/2006">
-        <mc:Choice xmlns:a14="http://schemas.microsoft.com/office/drawing/2010/main" Requires="a14">
+      <mc:AlternateContent xmlns:mc="http://schemas.openxmlformats.org/markup-compatibility/2006" xmlns:a14="http://schemas.microsoft.com/office/drawing/2010/main">
+        <mc:Choice Requires="a14">
           <p:sp>
             <p:nvSpPr>
               <p:cNvPr id="8" name="Rechteck 7"/>
@@ -4928,7 +4934,7 @@
             </p:txBody>
           </p:sp>
         </mc:Choice>
-        <mc:Fallback>
+        <mc:Fallback xmlns="">
           <p:sp>
             <p:nvSpPr>
               <p:cNvPr id="8" name="Rechteck 7"/>
@@ -5126,8 +5132,8 @@
           </a:fontRef>
         </p:style>
       </p:cxnSp>
-      <mc:AlternateContent xmlns:mc="http://schemas.openxmlformats.org/markup-compatibility/2006">
-        <mc:Choice xmlns:a14="http://schemas.microsoft.com/office/drawing/2010/main" Requires="a14">
+      <mc:AlternateContent xmlns:mc="http://schemas.openxmlformats.org/markup-compatibility/2006" xmlns:a14="http://schemas.microsoft.com/office/drawing/2010/main">
+        <mc:Choice Requires="a14">
           <p:sp>
             <p:nvSpPr>
               <p:cNvPr id="25" name="Rechteck 24"/>
@@ -5243,7 +5249,7 @@
             </p:txBody>
           </p:sp>
         </mc:Choice>
-        <mc:Fallback>
+        <mc:Fallback xmlns="">
           <p:sp>
             <p:nvSpPr>
               <p:cNvPr id="25" name="Rechteck 24"/>
@@ -6629,6 +6635,2441 @@
     <p:extLst>
       <p:ext uri="{BB962C8B-B14F-4D97-AF65-F5344CB8AC3E}">
         <p14:creationId xmlns:p14="http://schemas.microsoft.com/office/powerpoint/2010/main" val="1215414150"/>
+      </p:ext>
+    </p:extLst>
+  </p:cSld>
+  <p:clrMapOvr>
+    <a:masterClrMapping/>
+  </p:clrMapOvr>
+</p:sld>
+</file>
+
+<file path=ppt/slides/slide3.xml><?xml version="1.0" encoding="utf-8"?>
+<p:sld xmlns:a="http://schemas.openxmlformats.org/drawingml/2006/main" xmlns:r="http://schemas.openxmlformats.org/officeDocument/2006/relationships" xmlns:p="http://schemas.openxmlformats.org/presentationml/2006/main">
+  <p:cSld>
+    <p:spTree>
+      <p:nvGrpSpPr>
+        <p:cNvPr id="1" name=""/>
+        <p:cNvGrpSpPr/>
+        <p:nvPr/>
+      </p:nvGrpSpPr>
+      <p:grpSpPr>
+        <a:xfrm>
+          <a:off x="0" y="0"/>
+          <a:ext cx="0" cy="0"/>
+          <a:chOff x="0" y="0"/>
+          <a:chExt cx="0" cy="0"/>
+        </a:xfrm>
+      </p:grpSpPr>
+      <p:sp>
+        <p:nvSpPr>
+          <p:cNvPr id="12" name="Abgerundetes Rechteck 11"/>
+          <p:cNvSpPr/>
+          <p:nvPr/>
+        </p:nvSpPr>
+        <p:spPr>
+          <a:xfrm>
+            <a:off x="2451368" y="3764915"/>
+            <a:ext cx="1448144" cy="242236"/>
+          </a:xfrm>
+          <a:prstGeom prst="roundRect">
+            <a:avLst/>
+          </a:prstGeom>
+          <a:solidFill>
+            <a:schemeClr val="bg1"/>
+          </a:solidFill>
+          <a:ln w="19050">
+            <a:solidFill>
+              <a:schemeClr val="tx1"/>
+            </a:solidFill>
+          </a:ln>
+        </p:spPr>
+        <p:style>
+          <a:lnRef idx="2">
+            <a:schemeClr val="accent1">
+              <a:shade val="50000"/>
+            </a:schemeClr>
+          </a:lnRef>
+          <a:fillRef idx="1">
+            <a:schemeClr val="accent1"/>
+          </a:fillRef>
+          <a:effectRef idx="0">
+            <a:schemeClr val="accent1"/>
+          </a:effectRef>
+          <a:fontRef idx="minor">
+            <a:schemeClr val="lt1"/>
+          </a:fontRef>
+        </p:style>
+        <p:txBody>
+          <a:bodyPr rtlCol="0" anchor="ctr"/>
+          <a:lstStyle/>
+          <a:p>
+            <a:pPr algn="ctr"/>
+            <a:endParaRPr lang="de-DE"/>
+          </a:p>
+        </p:txBody>
+      </p:sp>
+      <p:sp>
+        <p:nvSpPr>
+          <p:cNvPr id="13" name="Textfeld 12"/>
+          <p:cNvSpPr txBox="1"/>
+          <p:nvPr/>
+        </p:nvSpPr>
+        <p:spPr>
+          <a:xfrm>
+            <a:off x="2036789" y="3732144"/>
+            <a:ext cx="2277301" cy="307777"/>
+          </a:xfrm>
+          <a:prstGeom prst="rect">
+            <a:avLst/>
+          </a:prstGeom>
+          <a:noFill/>
+        </p:spPr>
+        <p:txBody>
+          <a:bodyPr wrap="square" rtlCol="0">
+            <a:spAutoFit/>
+          </a:bodyPr>
+          <a:lstStyle/>
+          <a:p>
+            <a:pPr algn="ctr"/>
+            <a:r>
+              <a:rPr lang="de-DE" sz="1400" b="1" dirty="0" smtClean="0">
+                <a:solidFill>
+                  <a:srgbClr val="002060"/>
+                </a:solidFill>
+              </a:rPr>
+              <a:t>Standby</a:t>
+            </a:r>
+            <a:endParaRPr lang="de-DE" sz="1400" b="1" dirty="0">
+              <a:solidFill>
+                <a:srgbClr val="002060"/>
+              </a:solidFill>
+            </a:endParaRPr>
+          </a:p>
+        </p:txBody>
+      </p:sp>
+      <p:sp>
+        <p:nvSpPr>
+          <p:cNvPr id="14" name="Abgerundetes Rechteck 13"/>
+          <p:cNvSpPr/>
+          <p:nvPr/>
+        </p:nvSpPr>
+        <p:spPr>
+          <a:xfrm>
+            <a:off x="-12647" y="2105475"/>
+            <a:ext cx="1706542" cy="242236"/>
+          </a:xfrm>
+          <a:prstGeom prst="roundRect">
+            <a:avLst/>
+          </a:prstGeom>
+          <a:solidFill>
+            <a:schemeClr val="bg1"/>
+          </a:solidFill>
+          <a:ln w="19050">
+            <a:solidFill>
+              <a:schemeClr val="tx1"/>
+            </a:solidFill>
+          </a:ln>
+        </p:spPr>
+        <p:style>
+          <a:lnRef idx="2">
+            <a:schemeClr val="accent1">
+              <a:shade val="50000"/>
+            </a:schemeClr>
+          </a:lnRef>
+          <a:fillRef idx="1">
+            <a:schemeClr val="accent1"/>
+          </a:fillRef>
+          <a:effectRef idx="0">
+            <a:schemeClr val="accent1"/>
+          </a:effectRef>
+          <a:fontRef idx="minor">
+            <a:schemeClr val="lt1"/>
+          </a:fontRef>
+        </p:style>
+        <p:txBody>
+          <a:bodyPr rtlCol="0" anchor="ctr"/>
+          <a:lstStyle/>
+          <a:p>
+            <a:pPr algn="ctr"/>
+            <a:endParaRPr lang="de-DE"/>
+          </a:p>
+        </p:txBody>
+      </p:sp>
+      <p:sp>
+        <p:nvSpPr>
+          <p:cNvPr id="15" name="Textfeld 14"/>
+          <p:cNvSpPr txBox="1"/>
+          <p:nvPr/>
+        </p:nvSpPr>
+        <p:spPr>
+          <a:xfrm>
+            <a:off x="-258091" y="2068809"/>
+            <a:ext cx="2197430" cy="307777"/>
+          </a:xfrm>
+          <a:prstGeom prst="rect">
+            <a:avLst/>
+          </a:prstGeom>
+          <a:noFill/>
+        </p:spPr>
+        <p:txBody>
+          <a:bodyPr wrap="square" rtlCol="0">
+            <a:spAutoFit/>
+          </a:bodyPr>
+          <a:lstStyle/>
+          <a:p>
+            <a:pPr algn="ctr"/>
+            <a:r>
+              <a:rPr lang="de-DE" sz="1400" b="1" dirty="0" err="1" smtClean="0">
+                <a:solidFill>
+                  <a:srgbClr val="002060"/>
+                </a:solidFill>
+              </a:rPr>
+              <a:t>SensorMeasurement</a:t>
+            </a:r>
+            <a:endParaRPr lang="de-DE" sz="1400" b="1" dirty="0">
+              <a:solidFill>
+                <a:srgbClr val="002060"/>
+              </a:solidFill>
+            </a:endParaRPr>
+          </a:p>
+        </p:txBody>
+      </p:sp>
+      <p:sp>
+        <p:nvSpPr>
+          <p:cNvPr id="16" name="Abgerundetes Rechteck 15"/>
+          <p:cNvSpPr/>
+          <p:nvPr/>
+        </p:nvSpPr>
+        <p:spPr>
+          <a:xfrm>
+            <a:off x="2282233" y="2105475"/>
+            <a:ext cx="1706542" cy="242236"/>
+          </a:xfrm>
+          <a:prstGeom prst="roundRect">
+            <a:avLst/>
+          </a:prstGeom>
+          <a:solidFill>
+            <a:schemeClr val="bg1"/>
+          </a:solidFill>
+          <a:ln w="19050">
+            <a:solidFill>
+              <a:schemeClr val="tx1"/>
+            </a:solidFill>
+          </a:ln>
+        </p:spPr>
+        <p:style>
+          <a:lnRef idx="2">
+            <a:schemeClr val="accent1">
+              <a:shade val="50000"/>
+            </a:schemeClr>
+          </a:lnRef>
+          <a:fillRef idx="1">
+            <a:schemeClr val="accent1"/>
+          </a:fillRef>
+          <a:effectRef idx="0">
+            <a:schemeClr val="accent1"/>
+          </a:effectRef>
+          <a:fontRef idx="minor">
+            <a:schemeClr val="lt1"/>
+          </a:fontRef>
+        </p:style>
+        <p:txBody>
+          <a:bodyPr rtlCol="0" anchor="ctr"/>
+          <a:lstStyle/>
+          <a:p>
+            <a:pPr algn="ctr"/>
+            <a:endParaRPr lang="de-DE"/>
+          </a:p>
+        </p:txBody>
+      </p:sp>
+      <p:sp>
+        <p:nvSpPr>
+          <p:cNvPr id="17" name="Textfeld 16"/>
+          <p:cNvSpPr txBox="1"/>
+          <p:nvPr/>
+        </p:nvSpPr>
+        <p:spPr>
+          <a:xfrm>
+            <a:off x="2036789" y="2068809"/>
+            <a:ext cx="2197430" cy="307777"/>
+          </a:xfrm>
+          <a:prstGeom prst="rect">
+            <a:avLst/>
+          </a:prstGeom>
+          <a:noFill/>
+        </p:spPr>
+        <p:txBody>
+          <a:bodyPr wrap="square" rtlCol="0">
+            <a:spAutoFit/>
+          </a:bodyPr>
+          <a:lstStyle/>
+          <a:p>
+            <a:pPr algn="ctr"/>
+            <a:r>
+              <a:rPr lang="de-DE" sz="1400" b="1" dirty="0" err="1" smtClean="0">
+                <a:solidFill>
+                  <a:srgbClr val="002060"/>
+                </a:solidFill>
+              </a:rPr>
+              <a:t>ADCMeasurement</a:t>
+            </a:r>
+            <a:endParaRPr lang="de-DE" sz="1400" b="1" dirty="0">
+              <a:solidFill>
+                <a:srgbClr val="002060"/>
+              </a:solidFill>
+            </a:endParaRPr>
+          </a:p>
+        </p:txBody>
+      </p:sp>
+      <p:sp>
+        <p:nvSpPr>
+          <p:cNvPr id="18" name="Abgerundetes Rechteck 17"/>
+          <p:cNvSpPr/>
+          <p:nvPr/>
+        </p:nvSpPr>
+        <p:spPr>
+          <a:xfrm>
+            <a:off x="4479663" y="2105475"/>
+            <a:ext cx="1706542" cy="242236"/>
+          </a:xfrm>
+          <a:prstGeom prst="roundRect">
+            <a:avLst/>
+          </a:prstGeom>
+          <a:solidFill>
+            <a:schemeClr val="bg1"/>
+          </a:solidFill>
+          <a:ln w="19050">
+            <a:solidFill>
+              <a:schemeClr val="tx1"/>
+            </a:solidFill>
+          </a:ln>
+        </p:spPr>
+        <p:style>
+          <a:lnRef idx="2">
+            <a:schemeClr val="accent1">
+              <a:shade val="50000"/>
+            </a:schemeClr>
+          </a:lnRef>
+          <a:fillRef idx="1">
+            <a:schemeClr val="accent1"/>
+          </a:fillRef>
+          <a:effectRef idx="0">
+            <a:schemeClr val="accent1"/>
+          </a:effectRef>
+          <a:fontRef idx="minor">
+            <a:schemeClr val="lt1"/>
+          </a:fontRef>
+        </p:style>
+        <p:txBody>
+          <a:bodyPr rtlCol="0" anchor="ctr"/>
+          <a:lstStyle/>
+          <a:p>
+            <a:pPr algn="ctr"/>
+            <a:endParaRPr lang="de-DE"/>
+          </a:p>
+        </p:txBody>
+      </p:sp>
+      <p:sp>
+        <p:nvSpPr>
+          <p:cNvPr id="19" name="Textfeld 18"/>
+          <p:cNvSpPr txBox="1"/>
+          <p:nvPr/>
+        </p:nvSpPr>
+        <p:spPr>
+          <a:xfrm>
+            <a:off x="4234219" y="2068809"/>
+            <a:ext cx="2197430" cy="307777"/>
+          </a:xfrm>
+          <a:prstGeom prst="rect">
+            <a:avLst/>
+          </a:prstGeom>
+          <a:noFill/>
+        </p:spPr>
+        <p:txBody>
+          <a:bodyPr wrap="square" rtlCol="0">
+            <a:spAutoFit/>
+          </a:bodyPr>
+          <a:lstStyle/>
+          <a:p>
+            <a:pPr algn="ctr"/>
+            <a:r>
+              <a:rPr lang="de-DE" sz="1400" b="1" dirty="0" err="1" smtClean="0">
+                <a:solidFill>
+                  <a:srgbClr val="002060"/>
+                </a:solidFill>
+              </a:rPr>
+              <a:t>CPsiIdentification</a:t>
+            </a:r>
+            <a:endParaRPr lang="de-DE" sz="1400" b="1" dirty="0">
+              <a:solidFill>
+                <a:srgbClr val="002060"/>
+              </a:solidFill>
+            </a:endParaRPr>
+          </a:p>
+        </p:txBody>
+      </p:sp>
+      <p:sp>
+        <p:nvSpPr>
+          <p:cNvPr id="21" name="Abgerundetes Rechteck 20"/>
+          <p:cNvSpPr/>
+          <p:nvPr/>
+        </p:nvSpPr>
+        <p:spPr>
+          <a:xfrm>
+            <a:off x="6677093" y="2105474"/>
+            <a:ext cx="1706542" cy="242236"/>
+          </a:xfrm>
+          <a:prstGeom prst="roundRect">
+            <a:avLst/>
+          </a:prstGeom>
+          <a:solidFill>
+            <a:schemeClr val="bg1"/>
+          </a:solidFill>
+          <a:ln w="19050">
+            <a:solidFill>
+              <a:schemeClr val="tx1"/>
+            </a:solidFill>
+          </a:ln>
+        </p:spPr>
+        <p:style>
+          <a:lnRef idx="2">
+            <a:schemeClr val="accent1">
+              <a:shade val="50000"/>
+            </a:schemeClr>
+          </a:lnRef>
+          <a:fillRef idx="1">
+            <a:schemeClr val="accent1"/>
+          </a:fillRef>
+          <a:effectRef idx="0">
+            <a:schemeClr val="accent1"/>
+          </a:effectRef>
+          <a:fontRef idx="minor">
+            <a:schemeClr val="lt1"/>
+          </a:fontRef>
+        </p:style>
+        <p:txBody>
+          <a:bodyPr rtlCol="0" anchor="ctr"/>
+          <a:lstStyle/>
+          <a:p>
+            <a:pPr algn="ctr"/>
+            <a:endParaRPr lang="de-DE"/>
+          </a:p>
+        </p:txBody>
+      </p:sp>
+      <p:sp>
+        <p:nvSpPr>
+          <p:cNvPr id="22" name="Textfeld 21"/>
+          <p:cNvSpPr txBox="1"/>
+          <p:nvPr/>
+        </p:nvSpPr>
+        <p:spPr>
+          <a:xfrm>
+            <a:off x="6431649" y="2068808"/>
+            <a:ext cx="2197430" cy="307777"/>
+          </a:xfrm>
+          <a:prstGeom prst="rect">
+            <a:avLst/>
+          </a:prstGeom>
+          <a:noFill/>
+        </p:spPr>
+        <p:txBody>
+          <a:bodyPr wrap="square" rtlCol="0">
+            <a:spAutoFit/>
+          </a:bodyPr>
+          <a:lstStyle/>
+          <a:p>
+            <a:pPr algn="ctr"/>
+            <a:r>
+              <a:rPr lang="de-DE" sz="1400" b="1" dirty="0" err="1" smtClean="0">
+                <a:solidFill>
+                  <a:srgbClr val="002060"/>
+                </a:solidFill>
+              </a:rPr>
+              <a:t>CPhiIdentification</a:t>
+            </a:r>
+            <a:endParaRPr lang="de-DE" sz="1400" b="1" dirty="0">
+              <a:solidFill>
+                <a:srgbClr val="002060"/>
+              </a:solidFill>
+            </a:endParaRPr>
+          </a:p>
+        </p:txBody>
+      </p:sp>
+      <p:sp>
+        <p:nvSpPr>
+          <p:cNvPr id="23" name="Abgerundetes Rechteck 22"/>
+          <p:cNvSpPr/>
+          <p:nvPr/>
+        </p:nvSpPr>
+        <p:spPr>
+          <a:xfrm>
+            <a:off x="4790542" y="5104091"/>
+            <a:ext cx="2820779" cy="1149531"/>
+          </a:xfrm>
+          <a:prstGeom prst="roundRect">
+            <a:avLst/>
+          </a:prstGeom>
+          <a:solidFill>
+            <a:schemeClr val="bg1"/>
+          </a:solidFill>
+          <a:ln w="19050">
+            <a:solidFill>
+              <a:schemeClr val="tx1"/>
+            </a:solidFill>
+          </a:ln>
+        </p:spPr>
+        <p:style>
+          <a:lnRef idx="2">
+            <a:schemeClr val="accent1">
+              <a:shade val="50000"/>
+            </a:schemeClr>
+          </a:lnRef>
+          <a:fillRef idx="1">
+            <a:schemeClr val="accent1"/>
+          </a:fillRef>
+          <a:effectRef idx="0">
+            <a:schemeClr val="accent1"/>
+          </a:effectRef>
+          <a:fontRef idx="minor">
+            <a:schemeClr val="lt1"/>
+          </a:fontRef>
+        </p:style>
+        <p:txBody>
+          <a:bodyPr rtlCol="0" anchor="ctr"/>
+          <a:lstStyle/>
+          <a:p>
+            <a:pPr algn="ctr"/>
+            <a:endParaRPr lang="de-DE"/>
+          </a:p>
+        </p:txBody>
+      </p:sp>
+      <p:cxnSp>
+        <p:nvCxnSpPr>
+          <p:cNvPr id="24" name="Gerader Verbinder 23"/>
+          <p:cNvCxnSpPr/>
+          <p:nvPr/>
+        </p:nvCxnSpPr>
+        <p:spPr>
+          <a:xfrm>
+            <a:off x="4790542" y="5338081"/>
+            <a:ext cx="2826736" cy="0"/>
+          </a:xfrm>
+          <a:prstGeom prst="line">
+            <a:avLst/>
+          </a:prstGeom>
+          <a:ln w="19050">
+            <a:solidFill>
+              <a:schemeClr val="tx1"/>
+            </a:solidFill>
+          </a:ln>
+        </p:spPr>
+        <p:style>
+          <a:lnRef idx="1">
+            <a:schemeClr val="accent1"/>
+          </a:lnRef>
+          <a:fillRef idx="0">
+            <a:schemeClr val="accent1"/>
+          </a:fillRef>
+          <a:effectRef idx="0">
+            <a:schemeClr val="accent1"/>
+          </a:effectRef>
+          <a:fontRef idx="minor">
+            <a:schemeClr val="tx1"/>
+          </a:fontRef>
+        </p:style>
+      </p:cxnSp>
+      <p:sp>
+        <p:nvSpPr>
+          <p:cNvPr id="25" name="Textfeld 24"/>
+          <p:cNvSpPr txBox="1"/>
+          <p:nvPr/>
+        </p:nvSpPr>
+        <p:spPr>
+          <a:xfrm>
+            <a:off x="4479663" y="5059179"/>
+            <a:ext cx="3472793" cy="307777"/>
+          </a:xfrm>
+          <a:prstGeom prst="rect">
+            <a:avLst/>
+          </a:prstGeom>
+          <a:noFill/>
+        </p:spPr>
+        <p:txBody>
+          <a:bodyPr wrap="square" rtlCol="0">
+            <a:spAutoFit/>
+          </a:bodyPr>
+          <a:lstStyle/>
+          <a:p>
+            <a:pPr algn="ctr"/>
+            <a:r>
+              <a:rPr lang="de-DE" sz="1400" b="1" dirty="0" err="1" smtClean="0">
+                <a:solidFill>
+                  <a:srgbClr val="002060"/>
+                </a:solidFill>
+              </a:rPr>
+              <a:t>ControlTest</a:t>
+            </a:r>
+            <a:endParaRPr lang="de-DE" sz="1400" b="1" dirty="0">
+              <a:solidFill>
+                <a:srgbClr val="002060"/>
+              </a:solidFill>
+            </a:endParaRPr>
+          </a:p>
+        </p:txBody>
+      </p:sp>
+      <p:grpSp>
+        <p:nvGrpSpPr>
+          <p:cNvPr id="33" name="Gruppieren 32"/>
+          <p:cNvGrpSpPr/>
+          <p:nvPr/>
+        </p:nvGrpSpPr>
+        <p:grpSpPr>
+          <a:xfrm>
+            <a:off x="4894242" y="5652557"/>
+            <a:ext cx="615340" cy="307777"/>
+            <a:chOff x="3604542" y="3842251"/>
+            <a:chExt cx="615340" cy="307777"/>
+          </a:xfrm>
+        </p:grpSpPr>
+        <p:sp>
+          <p:nvSpPr>
+            <p:cNvPr id="27" name="Abgerundetes Rechteck 26"/>
+            <p:cNvSpPr/>
+            <p:nvPr/>
+          </p:nvSpPr>
+          <p:spPr>
+            <a:xfrm>
+              <a:off x="3604542" y="3868551"/>
+              <a:ext cx="615340" cy="242236"/>
+            </a:xfrm>
+            <a:prstGeom prst="roundRect">
+              <a:avLst/>
+            </a:prstGeom>
+            <a:solidFill>
+              <a:schemeClr val="bg1"/>
+            </a:solidFill>
+            <a:ln w="19050">
+              <a:solidFill>
+                <a:schemeClr val="tx1"/>
+              </a:solidFill>
+            </a:ln>
+          </p:spPr>
+          <p:style>
+            <a:lnRef idx="2">
+              <a:schemeClr val="accent1">
+                <a:shade val="50000"/>
+              </a:schemeClr>
+            </a:lnRef>
+            <a:fillRef idx="1">
+              <a:schemeClr val="accent1"/>
+            </a:fillRef>
+            <a:effectRef idx="0">
+              <a:schemeClr val="accent1"/>
+            </a:effectRef>
+            <a:fontRef idx="minor">
+              <a:schemeClr val="lt1"/>
+            </a:fontRef>
+          </p:style>
+          <p:txBody>
+            <a:bodyPr rtlCol="0" anchor="ctr"/>
+            <a:lstStyle/>
+            <a:p>
+              <a:pPr algn="ctr"/>
+              <a:endParaRPr lang="de-DE"/>
+            </a:p>
+          </p:txBody>
+        </p:sp>
+        <p:sp>
+          <p:nvSpPr>
+            <p:cNvPr id="28" name="Textfeld 27"/>
+            <p:cNvSpPr txBox="1"/>
+            <p:nvPr/>
+          </p:nvSpPr>
+          <p:spPr>
+            <a:xfrm>
+              <a:off x="3642987" y="3842251"/>
+              <a:ext cx="538449" cy="307777"/>
+            </a:xfrm>
+            <a:prstGeom prst="rect">
+              <a:avLst/>
+            </a:prstGeom>
+            <a:noFill/>
+          </p:spPr>
+          <p:txBody>
+            <a:bodyPr wrap="square" rtlCol="0">
+              <a:spAutoFit/>
+            </a:bodyPr>
+            <a:lstStyle/>
+            <a:p>
+              <a:pPr algn="ctr"/>
+              <a:r>
+                <a:rPr lang="de-DE" sz="1400" b="1" dirty="0" err="1" smtClean="0">
+                  <a:solidFill>
+                    <a:srgbClr val="002060"/>
+                  </a:solidFill>
+                </a:rPr>
+                <a:t>Idle</a:t>
+              </a:r>
+              <a:endParaRPr lang="de-DE" sz="1400" b="1" dirty="0">
+                <a:solidFill>
+                  <a:srgbClr val="002060"/>
+                </a:solidFill>
+              </a:endParaRPr>
+            </a:p>
+          </p:txBody>
+        </p:sp>
+      </p:grpSp>
+      <p:sp>
+        <p:nvSpPr>
+          <p:cNvPr id="30" name="Abgerundetes Rechteck 29"/>
+          <p:cNvSpPr/>
+          <p:nvPr/>
+        </p:nvSpPr>
+        <p:spPr>
+          <a:xfrm>
+            <a:off x="6598311" y="5684460"/>
+            <a:ext cx="897920" cy="242236"/>
+          </a:xfrm>
+          <a:prstGeom prst="roundRect">
+            <a:avLst/>
+          </a:prstGeom>
+          <a:solidFill>
+            <a:schemeClr val="bg1"/>
+          </a:solidFill>
+          <a:ln w="19050">
+            <a:solidFill>
+              <a:schemeClr val="tx1"/>
+            </a:solidFill>
+          </a:ln>
+        </p:spPr>
+        <p:style>
+          <a:lnRef idx="2">
+            <a:schemeClr val="accent1">
+              <a:shade val="50000"/>
+            </a:schemeClr>
+          </a:lnRef>
+          <a:fillRef idx="1">
+            <a:schemeClr val="accent1"/>
+          </a:fillRef>
+          <a:effectRef idx="0">
+            <a:schemeClr val="accent1"/>
+          </a:effectRef>
+          <a:fontRef idx="minor">
+            <a:schemeClr val="lt1"/>
+          </a:fontRef>
+        </p:style>
+        <p:txBody>
+          <a:bodyPr rtlCol="0" anchor="ctr"/>
+          <a:lstStyle/>
+          <a:p>
+            <a:pPr algn="ctr"/>
+            <a:endParaRPr lang="de-DE"/>
+          </a:p>
+        </p:txBody>
+      </p:sp>
+      <p:sp>
+        <p:nvSpPr>
+          <p:cNvPr id="31" name="Textfeld 30"/>
+          <p:cNvSpPr txBox="1"/>
+          <p:nvPr/>
+        </p:nvSpPr>
+        <p:spPr>
+          <a:xfrm>
+            <a:off x="6475150" y="5651689"/>
+            <a:ext cx="1180573" cy="307777"/>
+          </a:xfrm>
+          <a:prstGeom prst="rect">
+            <a:avLst/>
+          </a:prstGeom>
+          <a:noFill/>
+        </p:spPr>
+        <p:txBody>
+          <a:bodyPr wrap="square" rtlCol="0">
+            <a:spAutoFit/>
+          </a:bodyPr>
+          <a:lstStyle/>
+          <a:p>
+            <a:pPr algn="ctr"/>
+            <a:r>
+              <a:rPr lang="de-DE" sz="1400" b="1" dirty="0" err="1" smtClean="0">
+                <a:solidFill>
+                  <a:srgbClr val="002060"/>
+                </a:solidFill>
+              </a:rPr>
+              <a:t>Balancing</a:t>
+            </a:r>
+            <a:endParaRPr lang="de-DE" sz="1400" b="1" dirty="0">
+              <a:solidFill>
+                <a:srgbClr val="002060"/>
+              </a:solidFill>
+            </a:endParaRPr>
+          </a:p>
+        </p:txBody>
+      </p:sp>
+      <p:cxnSp>
+        <p:nvCxnSpPr>
+          <p:cNvPr id="35" name="Gewinkelte Verbindung 34"/>
+          <p:cNvCxnSpPr>
+            <a:stCxn id="28" idx="0"/>
+            <a:endCxn id="31" idx="0"/>
+          </p:cNvCxnSpPr>
+          <p:nvPr/>
+        </p:nvCxnSpPr>
+        <p:spPr>
+          <a:xfrm rot="5400000" flipH="1" flipV="1">
+            <a:off x="6133240" y="4720361"/>
+            <a:ext cx="868" cy="1863525"/>
+          </a:xfrm>
+          <a:prstGeom prst="bentConnector3">
+            <a:avLst>
+              <a:gd name="adj1" fmla="val 26436406"/>
+            </a:avLst>
+          </a:prstGeom>
+          <a:ln w="19050">
+            <a:solidFill>
+              <a:schemeClr val="tx1"/>
+            </a:solidFill>
+            <a:tailEnd type="triangle" w="med" len="sm"/>
+          </a:ln>
+        </p:spPr>
+        <p:style>
+          <a:lnRef idx="1">
+            <a:schemeClr val="accent1"/>
+          </a:lnRef>
+          <a:fillRef idx="0">
+            <a:schemeClr val="accent1"/>
+          </a:fillRef>
+          <a:effectRef idx="0">
+            <a:schemeClr val="accent1"/>
+          </a:effectRef>
+          <a:fontRef idx="minor">
+            <a:schemeClr val="tx1"/>
+          </a:fontRef>
+        </p:style>
+      </p:cxnSp>
+      <p:sp>
+        <p:nvSpPr>
+          <p:cNvPr id="38" name="Textfeld 37"/>
+          <p:cNvSpPr txBox="1"/>
+          <p:nvPr/>
+        </p:nvSpPr>
+        <p:spPr>
+          <a:xfrm>
+            <a:off x="5417796" y="5384477"/>
+            <a:ext cx="1319592" cy="261610"/>
+          </a:xfrm>
+          <a:prstGeom prst="rect">
+            <a:avLst/>
+          </a:prstGeom>
+          <a:noFill/>
+        </p:spPr>
+        <p:txBody>
+          <a:bodyPr wrap="none" rtlCol="0">
+            <a:spAutoFit/>
+          </a:bodyPr>
+          <a:lstStyle/>
+          <a:p>
+            <a:r>
+              <a:rPr lang="de-DE" sz="1100" b="1" dirty="0" smtClean="0"/>
+              <a:t>IN_BALANCE_AREA</a:t>
+            </a:r>
+            <a:endParaRPr lang="de-DE" sz="1200" b="1" dirty="0"/>
+          </a:p>
+        </p:txBody>
+      </p:sp>
+      <p:cxnSp>
+        <p:nvCxnSpPr>
+          <p:cNvPr id="42" name="Gewinkelte Verbindung 41"/>
+          <p:cNvCxnSpPr>
+            <a:stCxn id="31" idx="2"/>
+            <a:endCxn id="28" idx="2"/>
+          </p:cNvCxnSpPr>
+          <p:nvPr/>
+        </p:nvCxnSpPr>
+        <p:spPr>
+          <a:xfrm rot="5400000">
+            <a:off x="6133241" y="5028138"/>
+            <a:ext cx="868" cy="1863525"/>
+          </a:xfrm>
+          <a:prstGeom prst="bentConnector3">
+            <a:avLst>
+              <a:gd name="adj1" fmla="val 26436406"/>
+            </a:avLst>
+          </a:prstGeom>
+          <a:ln w="19050">
+            <a:solidFill>
+              <a:schemeClr val="tx1"/>
+            </a:solidFill>
+            <a:tailEnd type="triangle" w="med" len="sm"/>
+          </a:ln>
+        </p:spPr>
+        <p:style>
+          <a:lnRef idx="1">
+            <a:schemeClr val="accent1"/>
+          </a:lnRef>
+          <a:fillRef idx="0">
+            <a:schemeClr val="accent1"/>
+          </a:fillRef>
+          <a:effectRef idx="0">
+            <a:schemeClr val="accent1"/>
+          </a:effectRef>
+          <a:fontRef idx="minor">
+            <a:schemeClr val="tx1"/>
+          </a:fontRef>
+        </p:style>
+      </p:cxnSp>
+      <p:sp>
+        <p:nvSpPr>
+          <p:cNvPr id="47" name="Textfeld 46"/>
+          <p:cNvSpPr txBox="1"/>
+          <p:nvPr/>
+        </p:nvSpPr>
+        <p:spPr>
+          <a:xfrm>
+            <a:off x="5563669" y="5960231"/>
+            <a:ext cx="1027845" cy="261610"/>
+          </a:xfrm>
+          <a:prstGeom prst="rect">
+            <a:avLst/>
+          </a:prstGeom>
+          <a:noFill/>
+        </p:spPr>
+        <p:txBody>
+          <a:bodyPr wrap="none" rtlCol="0">
+            <a:spAutoFit/>
+          </a:bodyPr>
+          <a:lstStyle/>
+          <a:p>
+            <a:r>
+              <a:rPr lang="de-DE" sz="1100" b="1" dirty="0" smtClean="0"/>
+              <a:t>IN_IDLE_AREA</a:t>
+            </a:r>
+            <a:endParaRPr lang="de-DE" sz="1200" b="1" dirty="0"/>
+          </a:p>
+        </p:txBody>
+      </p:sp>
+      <p:cxnSp>
+        <p:nvCxnSpPr>
+          <p:cNvPr id="48" name="Gewinkelte Verbindung 47"/>
+          <p:cNvCxnSpPr/>
+          <p:nvPr/>
+        </p:nvCxnSpPr>
+        <p:spPr>
+          <a:xfrm rot="10800000">
+            <a:off x="826350" y="2376586"/>
+            <a:ext cx="1611159" cy="1563939"/>
+          </a:xfrm>
+          <a:prstGeom prst="bentConnector3">
+            <a:avLst>
+              <a:gd name="adj1" fmla="val 100133"/>
+            </a:avLst>
+          </a:prstGeom>
+          <a:ln w="19050">
+            <a:solidFill>
+              <a:schemeClr val="tx1"/>
+            </a:solidFill>
+            <a:tailEnd type="triangle" w="med" len="sm"/>
+          </a:ln>
+        </p:spPr>
+        <p:style>
+          <a:lnRef idx="1">
+            <a:schemeClr val="accent1"/>
+          </a:lnRef>
+          <a:fillRef idx="0">
+            <a:schemeClr val="accent1"/>
+          </a:fillRef>
+          <a:effectRef idx="0">
+            <a:schemeClr val="accent1"/>
+          </a:effectRef>
+          <a:fontRef idx="minor">
+            <a:schemeClr val="tx1"/>
+          </a:fontRef>
+        </p:style>
+      </p:cxnSp>
+      <p:sp>
+        <p:nvSpPr>
+          <p:cNvPr id="51" name="Textfeld 50"/>
+          <p:cNvSpPr txBox="1"/>
+          <p:nvPr/>
+        </p:nvSpPr>
+        <p:spPr>
+          <a:xfrm>
+            <a:off x="609672" y="3934571"/>
+            <a:ext cx="1935145" cy="261610"/>
+          </a:xfrm>
+          <a:prstGeom prst="rect">
+            <a:avLst/>
+          </a:prstGeom>
+          <a:noFill/>
+        </p:spPr>
+        <p:txBody>
+          <a:bodyPr wrap="none" rtlCol="0">
+            <a:spAutoFit/>
+          </a:bodyPr>
+          <a:lstStyle/>
+          <a:p>
+            <a:r>
+              <a:rPr lang="de-DE" sz="1100" b="1" dirty="0" smtClean="0"/>
+              <a:t>RUN_SENSOR_MEASURMENT</a:t>
+            </a:r>
+            <a:endParaRPr lang="de-DE" sz="1200" b="1" dirty="0"/>
+          </a:p>
+        </p:txBody>
+      </p:sp>
+      <p:cxnSp>
+        <p:nvCxnSpPr>
+          <p:cNvPr id="52" name="Gewinkelte Verbindung 51"/>
+          <p:cNvCxnSpPr/>
+          <p:nvPr/>
+        </p:nvCxnSpPr>
+        <p:spPr>
+          <a:xfrm rot="16200000" flipH="1">
+            <a:off x="1114014" y="2459948"/>
+            <a:ext cx="1431735" cy="1235645"/>
+          </a:xfrm>
+          <a:prstGeom prst="bentConnector3">
+            <a:avLst>
+              <a:gd name="adj1" fmla="val 99896"/>
+            </a:avLst>
+          </a:prstGeom>
+          <a:ln w="19050">
+            <a:solidFill>
+              <a:schemeClr val="tx1"/>
+            </a:solidFill>
+            <a:tailEnd type="triangle" w="med" len="sm"/>
+          </a:ln>
+        </p:spPr>
+        <p:style>
+          <a:lnRef idx="1">
+            <a:schemeClr val="accent1"/>
+          </a:lnRef>
+          <a:fillRef idx="0">
+            <a:schemeClr val="accent1"/>
+          </a:fillRef>
+          <a:effectRef idx="0">
+            <a:schemeClr val="accent1"/>
+          </a:effectRef>
+          <a:fontRef idx="minor">
+            <a:schemeClr val="tx1"/>
+          </a:fontRef>
+        </p:style>
+      </p:cxnSp>
+      <p:sp>
+        <p:nvSpPr>
+          <p:cNvPr id="56" name="Textfeld 55"/>
+          <p:cNvSpPr txBox="1"/>
+          <p:nvPr/>
+        </p:nvSpPr>
+        <p:spPr>
+          <a:xfrm>
+            <a:off x="1208391" y="3536251"/>
+            <a:ext cx="822661" cy="261610"/>
+          </a:xfrm>
+          <a:prstGeom prst="rect">
+            <a:avLst/>
+          </a:prstGeom>
+          <a:noFill/>
+        </p:spPr>
+        <p:txBody>
+          <a:bodyPr wrap="none" rtlCol="0">
+            <a:spAutoFit/>
+          </a:bodyPr>
+          <a:lstStyle/>
+          <a:p>
+            <a:r>
+              <a:rPr lang="de-DE" sz="1100" b="1" dirty="0" smtClean="0"/>
+              <a:t>CLIENT_DC</a:t>
+            </a:r>
+            <a:endParaRPr lang="de-DE" sz="1200" b="1" dirty="0"/>
+          </a:p>
+        </p:txBody>
+      </p:sp>
+      <p:cxnSp>
+        <p:nvCxnSpPr>
+          <p:cNvPr id="57" name="Gewinkelte Verbindung 56"/>
+          <p:cNvCxnSpPr/>
+          <p:nvPr/>
+        </p:nvCxnSpPr>
+        <p:spPr>
+          <a:xfrm>
+            <a:off x="2706449" y="2361904"/>
+            <a:ext cx="0" cy="1403012"/>
+          </a:xfrm>
+          <a:prstGeom prst="straightConnector1">
+            <a:avLst/>
+          </a:prstGeom>
+          <a:ln w="19050">
+            <a:solidFill>
+              <a:schemeClr val="tx1"/>
+            </a:solidFill>
+            <a:tailEnd type="triangle" w="med" len="sm"/>
+          </a:ln>
+        </p:spPr>
+        <p:style>
+          <a:lnRef idx="1">
+            <a:schemeClr val="accent1"/>
+          </a:lnRef>
+          <a:fillRef idx="0">
+            <a:schemeClr val="accent1"/>
+          </a:fillRef>
+          <a:effectRef idx="0">
+            <a:schemeClr val="accent1"/>
+          </a:effectRef>
+          <a:fontRef idx="minor">
+            <a:schemeClr val="tx1"/>
+          </a:fontRef>
+        </p:style>
+      </p:cxnSp>
+      <p:sp>
+        <p:nvSpPr>
+          <p:cNvPr id="60" name="Textfeld 59"/>
+          <p:cNvSpPr txBox="1"/>
+          <p:nvPr/>
+        </p:nvSpPr>
+        <p:spPr>
+          <a:xfrm>
+            <a:off x="1946630" y="2827721"/>
+            <a:ext cx="822661" cy="261610"/>
+          </a:xfrm>
+          <a:prstGeom prst="rect">
+            <a:avLst/>
+          </a:prstGeom>
+          <a:noFill/>
+        </p:spPr>
+        <p:txBody>
+          <a:bodyPr wrap="none" rtlCol="0">
+            <a:spAutoFit/>
+          </a:bodyPr>
+          <a:lstStyle/>
+          <a:p>
+            <a:r>
+              <a:rPr lang="de-DE" sz="1100" b="1" dirty="0" smtClean="0"/>
+              <a:t>CLIENT_DC</a:t>
+            </a:r>
+            <a:endParaRPr lang="de-DE" sz="1200" b="1" dirty="0"/>
+          </a:p>
+        </p:txBody>
+      </p:sp>
+      <p:cxnSp>
+        <p:nvCxnSpPr>
+          <p:cNvPr id="61" name="Gewinkelte Verbindung 60"/>
+          <p:cNvCxnSpPr/>
+          <p:nvPr/>
+        </p:nvCxnSpPr>
+        <p:spPr>
+          <a:xfrm flipV="1">
+            <a:off x="2910072" y="2356035"/>
+            <a:ext cx="0" cy="1408881"/>
+          </a:xfrm>
+          <a:prstGeom prst="straightConnector1">
+            <a:avLst/>
+          </a:prstGeom>
+          <a:ln w="19050">
+            <a:solidFill>
+              <a:schemeClr val="tx1"/>
+            </a:solidFill>
+            <a:tailEnd type="triangle" w="med" len="sm"/>
+          </a:ln>
+        </p:spPr>
+        <p:style>
+          <a:lnRef idx="1">
+            <a:schemeClr val="accent1"/>
+          </a:lnRef>
+          <a:fillRef idx="0">
+            <a:schemeClr val="accent1"/>
+          </a:fillRef>
+          <a:effectRef idx="0">
+            <a:schemeClr val="accent1"/>
+          </a:effectRef>
+          <a:fontRef idx="minor">
+            <a:schemeClr val="tx1"/>
+          </a:fontRef>
+        </p:style>
+      </p:cxnSp>
+      <p:sp>
+        <p:nvSpPr>
+          <p:cNvPr id="62" name="Textfeld 61"/>
+          <p:cNvSpPr txBox="1"/>
+          <p:nvPr/>
+        </p:nvSpPr>
+        <p:spPr>
+          <a:xfrm>
+            <a:off x="2910072" y="2827721"/>
+            <a:ext cx="1779654" cy="261610"/>
+          </a:xfrm>
+          <a:prstGeom prst="rect">
+            <a:avLst/>
+          </a:prstGeom>
+          <a:noFill/>
+        </p:spPr>
+        <p:txBody>
+          <a:bodyPr wrap="none" rtlCol="0">
+            <a:spAutoFit/>
+          </a:bodyPr>
+          <a:lstStyle/>
+          <a:p>
+            <a:r>
+              <a:rPr lang="de-DE" sz="1100" b="1" dirty="0" smtClean="0"/>
+              <a:t>RUN_ADC_MEASUREMENT</a:t>
+            </a:r>
+            <a:endParaRPr lang="de-DE" sz="1200" b="1" dirty="0"/>
+          </a:p>
+        </p:txBody>
+      </p:sp>
+      <p:cxnSp>
+        <p:nvCxnSpPr>
+          <p:cNvPr id="67" name="Gewinkelte Verbindung 66"/>
+          <p:cNvCxnSpPr/>
+          <p:nvPr/>
+        </p:nvCxnSpPr>
+        <p:spPr>
+          <a:xfrm flipV="1">
+            <a:off x="3899512" y="2356035"/>
+            <a:ext cx="3375422" cy="1441827"/>
+          </a:xfrm>
+          <a:prstGeom prst="bentConnector3">
+            <a:avLst>
+              <a:gd name="adj1" fmla="val 100022"/>
+            </a:avLst>
+          </a:prstGeom>
+          <a:ln w="19050">
+            <a:solidFill>
+              <a:schemeClr val="tx1"/>
+            </a:solidFill>
+            <a:tailEnd type="triangle" w="med" len="sm"/>
+          </a:ln>
+        </p:spPr>
+        <p:style>
+          <a:lnRef idx="1">
+            <a:schemeClr val="accent1"/>
+          </a:lnRef>
+          <a:fillRef idx="0">
+            <a:schemeClr val="accent1"/>
+          </a:fillRef>
+          <a:effectRef idx="0">
+            <a:schemeClr val="accent1"/>
+          </a:effectRef>
+          <a:fontRef idx="minor">
+            <a:schemeClr val="tx1"/>
+          </a:fontRef>
+        </p:style>
+      </p:cxnSp>
+      <p:sp>
+        <p:nvSpPr>
+          <p:cNvPr id="86" name="Textfeld 85"/>
+          <p:cNvSpPr txBox="1"/>
+          <p:nvPr/>
+        </p:nvSpPr>
+        <p:spPr>
+          <a:xfrm>
+            <a:off x="5468838" y="3544576"/>
+            <a:ext cx="1819729" cy="261610"/>
+          </a:xfrm>
+          <a:prstGeom prst="rect">
+            <a:avLst/>
+          </a:prstGeom>
+          <a:noFill/>
+        </p:spPr>
+        <p:txBody>
+          <a:bodyPr wrap="none" rtlCol="0">
+            <a:spAutoFit/>
+          </a:bodyPr>
+          <a:lstStyle/>
+          <a:p>
+            <a:r>
+              <a:rPr lang="de-DE" sz="1100" b="1" dirty="0" smtClean="0"/>
+              <a:t>RUN_CPHI_IDENTIFICATION</a:t>
+            </a:r>
+            <a:endParaRPr lang="de-DE" sz="1200" b="1" dirty="0"/>
+          </a:p>
+        </p:txBody>
+      </p:sp>
+      <p:cxnSp>
+        <p:nvCxnSpPr>
+          <p:cNvPr id="87" name="Gewinkelte Verbindung 86"/>
+          <p:cNvCxnSpPr/>
+          <p:nvPr/>
+        </p:nvCxnSpPr>
+        <p:spPr>
+          <a:xfrm rot="10800000" flipV="1">
+            <a:off x="3885654" y="2347710"/>
+            <a:ext cx="3919767" cy="1596224"/>
+          </a:xfrm>
+          <a:prstGeom prst="bentConnector3">
+            <a:avLst>
+              <a:gd name="adj1" fmla="val 6843"/>
+            </a:avLst>
+          </a:prstGeom>
+          <a:ln w="19050">
+            <a:solidFill>
+              <a:schemeClr val="tx1"/>
+            </a:solidFill>
+            <a:tailEnd type="triangle" w="med" len="sm"/>
+          </a:ln>
+        </p:spPr>
+        <p:style>
+          <a:lnRef idx="1">
+            <a:schemeClr val="accent1"/>
+          </a:lnRef>
+          <a:fillRef idx="0">
+            <a:schemeClr val="accent1"/>
+          </a:fillRef>
+          <a:effectRef idx="0">
+            <a:schemeClr val="accent1"/>
+          </a:effectRef>
+          <a:fontRef idx="minor">
+            <a:schemeClr val="tx1"/>
+          </a:fontRef>
+        </p:style>
+      </p:cxnSp>
+      <p:sp>
+        <p:nvSpPr>
+          <p:cNvPr id="92" name="Textfeld 91"/>
+          <p:cNvSpPr txBox="1"/>
+          <p:nvPr/>
+        </p:nvSpPr>
+        <p:spPr>
+          <a:xfrm>
+            <a:off x="7478056" y="3567470"/>
+            <a:ext cx="822661" cy="261610"/>
+          </a:xfrm>
+          <a:prstGeom prst="rect">
+            <a:avLst/>
+          </a:prstGeom>
+          <a:noFill/>
+        </p:spPr>
+        <p:txBody>
+          <a:bodyPr wrap="none" rtlCol="0">
+            <a:spAutoFit/>
+          </a:bodyPr>
+          <a:lstStyle/>
+          <a:p>
+            <a:r>
+              <a:rPr lang="de-DE" sz="1100" b="1" dirty="0" smtClean="0"/>
+              <a:t>CLIENT_DC</a:t>
+            </a:r>
+            <a:endParaRPr lang="de-DE" sz="1200" b="1" dirty="0"/>
+          </a:p>
+        </p:txBody>
+      </p:sp>
+      <p:cxnSp>
+        <p:nvCxnSpPr>
+          <p:cNvPr id="94" name="Gewinkelte Verbindung 93"/>
+          <p:cNvCxnSpPr/>
+          <p:nvPr/>
+        </p:nvCxnSpPr>
+        <p:spPr>
+          <a:xfrm rot="5400000" flipH="1" flipV="1">
+            <a:off x="3458620" y="2389915"/>
+            <a:ext cx="1408880" cy="1341120"/>
+          </a:xfrm>
+          <a:prstGeom prst="bentConnector3">
+            <a:avLst>
+              <a:gd name="adj1" fmla="val 22416"/>
+            </a:avLst>
+          </a:prstGeom>
+          <a:ln w="19050">
+            <a:solidFill>
+              <a:schemeClr val="tx1"/>
+            </a:solidFill>
+            <a:tailEnd type="triangle" w="med" len="sm"/>
+          </a:ln>
+        </p:spPr>
+        <p:style>
+          <a:lnRef idx="1">
+            <a:schemeClr val="accent1"/>
+          </a:lnRef>
+          <a:fillRef idx="0">
+            <a:schemeClr val="accent1"/>
+          </a:fillRef>
+          <a:effectRef idx="0">
+            <a:schemeClr val="accent1"/>
+          </a:effectRef>
+          <a:fontRef idx="minor">
+            <a:schemeClr val="tx1"/>
+          </a:fontRef>
+        </p:style>
+      </p:cxnSp>
+      <p:sp>
+        <p:nvSpPr>
+          <p:cNvPr id="97" name="Textfeld 96"/>
+          <p:cNvSpPr txBox="1"/>
+          <p:nvPr/>
+        </p:nvSpPr>
+        <p:spPr>
+          <a:xfrm>
+            <a:off x="3013891" y="3200760"/>
+            <a:ext cx="1797287" cy="261610"/>
+          </a:xfrm>
+          <a:prstGeom prst="rect">
+            <a:avLst/>
+          </a:prstGeom>
+          <a:noFill/>
+        </p:spPr>
+        <p:txBody>
+          <a:bodyPr wrap="none" rtlCol="0">
+            <a:spAutoFit/>
+          </a:bodyPr>
+          <a:lstStyle/>
+          <a:p>
+            <a:r>
+              <a:rPr lang="de-DE" sz="1100" b="1" dirty="0" smtClean="0"/>
+              <a:t>RUN_CPSI_IDENTIFICATION</a:t>
+            </a:r>
+            <a:endParaRPr lang="de-DE" sz="1200" b="1" dirty="0"/>
+          </a:p>
+        </p:txBody>
+      </p:sp>
+      <p:cxnSp>
+        <p:nvCxnSpPr>
+          <p:cNvPr id="98" name="Gewinkelte Verbindung 97"/>
+          <p:cNvCxnSpPr/>
+          <p:nvPr/>
+        </p:nvCxnSpPr>
+        <p:spPr>
+          <a:xfrm rot="5400000">
+            <a:off x="3694715" y="2407251"/>
+            <a:ext cx="1396655" cy="1318677"/>
+          </a:xfrm>
+          <a:prstGeom prst="bentConnector3">
+            <a:avLst>
+              <a:gd name="adj1" fmla="val 87100"/>
+            </a:avLst>
+          </a:prstGeom>
+          <a:ln w="19050">
+            <a:solidFill>
+              <a:schemeClr val="tx1"/>
+            </a:solidFill>
+            <a:tailEnd type="triangle" w="med" len="sm"/>
+          </a:ln>
+        </p:spPr>
+        <p:style>
+          <a:lnRef idx="1">
+            <a:schemeClr val="accent1"/>
+          </a:lnRef>
+          <a:fillRef idx="0">
+            <a:schemeClr val="accent1"/>
+          </a:fillRef>
+          <a:effectRef idx="0">
+            <a:schemeClr val="accent1"/>
+          </a:effectRef>
+          <a:fontRef idx="minor">
+            <a:schemeClr val="tx1"/>
+          </a:fontRef>
+        </p:style>
+      </p:cxnSp>
+      <p:sp>
+        <p:nvSpPr>
+          <p:cNvPr id="106" name="Textfeld 105"/>
+          <p:cNvSpPr txBox="1"/>
+          <p:nvPr/>
+        </p:nvSpPr>
+        <p:spPr>
+          <a:xfrm>
+            <a:off x="5009400" y="3219749"/>
+            <a:ext cx="822661" cy="261610"/>
+          </a:xfrm>
+          <a:prstGeom prst="rect">
+            <a:avLst/>
+          </a:prstGeom>
+          <a:noFill/>
+        </p:spPr>
+        <p:txBody>
+          <a:bodyPr wrap="none" rtlCol="0">
+            <a:spAutoFit/>
+          </a:bodyPr>
+          <a:lstStyle/>
+          <a:p>
+            <a:r>
+              <a:rPr lang="de-DE" sz="1100" b="1" dirty="0" smtClean="0"/>
+              <a:t>CLIENT_DC</a:t>
+            </a:r>
+            <a:endParaRPr lang="de-DE" sz="1200" b="1" dirty="0"/>
+          </a:p>
+        </p:txBody>
+      </p:sp>
+      <p:cxnSp>
+        <p:nvCxnSpPr>
+          <p:cNvPr id="107" name="Gewinkelte Verbindung 106"/>
+          <p:cNvCxnSpPr/>
+          <p:nvPr/>
+        </p:nvCxnSpPr>
+        <p:spPr>
+          <a:xfrm rot="16200000" flipH="1">
+            <a:off x="3569742" y="4216572"/>
+            <a:ext cx="1418832" cy="999988"/>
+          </a:xfrm>
+          <a:prstGeom prst="bentConnector3">
+            <a:avLst>
+              <a:gd name="adj1" fmla="val 99947"/>
+            </a:avLst>
+          </a:prstGeom>
+          <a:ln w="19050">
+            <a:solidFill>
+              <a:schemeClr val="tx1"/>
+            </a:solidFill>
+            <a:tailEnd type="triangle" w="med" len="sm"/>
+          </a:ln>
+        </p:spPr>
+        <p:style>
+          <a:lnRef idx="1">
+            <a:schemeClr val="accent1"/>
+          </a:lnRef>
+          <a:fillRef idx="0">
+            <a:schemeClr val="accent1"/>
+          </a:fillRef>
+          <a:effectRef idx="0">
+            <a:schemeClr val="accent1"/>
+          </a:effectRef>
+          <a:fontRef idx="minor">
+            <a:schemeClr val="tx1"/>
+          </a:fontRef>
+        </p:style>
+      </p:cxnSp>
+      <p:cxnSp>
+        <p:nvCxnSpPr>
+          <p:cNvPr id="111" name="Gewinkelte Verbindung 110"/>
+          <p:cNvCxnSpPr>
+            <a:stCxn id="23" idx="1"/>
+          </p:cNvCxnSpPr>
+          <p:nvPr/>
+        </p:nvCxnSpPr>
+        <p:spPr>
+          <a:xfrm rot="10800000">
+            <a:off x="3524238" y="4007151"/>
+            <a:ext cx="1266305" cy="1671707"/>
+          </a:xfrm>
+          <a:prstGeom prst="bentConnector2">
+            <a:avLst/>
+          </a:prstGeom>
+          <a:ln w="19050">
+            <a:solidFill>
+              <a:schemeClr val="tx1"/>
+            </a:solidFill>
+            <a:tailEnd type="triangle" w="med" len="sm"/>
+          </a:ln>
+        </p:spPr>
+        <p:style>
+          <a:lnRef idx="1">
+            <a:schemeClr val="accent1"/>
+          </a:lnRef>
+          <a:fillRef idx="0">
+            <a:schemeClr val="accent1"/>
+          </a:fillRef>
+          <a:effectRef idx="0">
+            <a:schemeClr val="accent1"/>
+          </a:effectRef>
+          <a:fontRef idx="minor">
+            <a:schemeClr val="tx1"/>
+          </a:fontRef>
+        </p:style>
+      </p:cxnSp>
+      <p:sp>
+        <p:nvSpPr>
+          <p:cNvPr id="114" name="Textfeld 113"/>
+          <p:cNvSpPr txBox="1"/>
+          <p:nvPr/>
+        </p:nvSpPr>
+        <p:spPr>
+          <a:xfrm>
+            <a:off x="3767494" y="4635156"/>
+            <a:ext cx="1438214" cy="261610"/>
+          </a:xfrm>
+          <a:prstGeom prst="rect">
+            <a:avLst/>
+          </a:prstGeom>
+          <a:noFill/>
+        </p:spPr>
+        <p:txBody>
+          <a:bodyPr wrap="none" rtlCol="0">
+            <a:spAutoFit/>
+          </a:bodyPr>
+          <a:lstStyle/>
+          <a:p>
+            <a:r>
+              <a:rPr lang="de-DE" sz="1100" b="1" dirty="0" smtClean="0"/>
+              <a:t>RUN_CONTROL_TEST</a:t>
+            </a:r>
+            <a:endParaRPr lang="de-DE" sz="1200" b="1" dirty="0"/>
+          </a:p>
+        </p:txBody>
+      </p:sp>
+      <p:sp>
+        <p:nvSpPr>
+          <p:cNvPr id="115" name="Textfeld 114"/>
+          <p:cNvSpPr txBox="1"/>
+          <p:nvPr/>
+        </p:nvSpPr>
+        <p:spPr>
+          <a:xfrm>
+            <a:off x="3884737" y="5704816"/>
+            <a:ext cx="822661" cy="261610"/>
+          </a:xfrm>
+          <a:prstGeom prst="rect">
+            <a:avLst/>
+          </a:prstGeom>
+          <a:noFill/>
+        </p:spPr>
+        <p:txBody>
+          <a:bodyPr wrap="none" rtlCol="0">
+            <a:spAutoFit/>
+          </a:bodyPr>
+          <a:lstStyle/>
+          <a:p>
+            <a:r>
+              <a:rPr lang="de-DE" sz="1100" b="1" dirty="0" smtClean="0"/>
+              <a:t>CLIENT_DC</a:t>
+            </a:r>
+            <a:endParaRPr lang="de-DE" sz="1200" b="1" dirty="0"/>
+          </a:p>
+        </p:txBody>
+      </p:sp>
+      <p:sp>
+        <p:nvSpPr>
+          <p:cNvPr id="116" name="Abgerundetes Rechteck 115"/>
+          <p:cNvSpPr/>
+          <p:nvPr/>
+        </p:nvSpPr>
+        <p:spPr>
+          <a:xfrm>
+            <a:off x="449773" y="5059179"/>
+            <a:ext cx="2820779" cy="1725386"/>
+          </a:xfrm>
+          <a:prstGeom prst="roundRect">
+            <a:avLst/>
+          </a:prstGeom>
+          <a:solidFill>
+            <a:schemeClr val="bg1"/>
+          </a:solidFill>
+          <a:ln w="19050">
+            <a:solidFill>
+              <a:schemeClr val="tx1"/>
+            </a:solidFill>
+          </a:ln>
+        </p:spPr>
+        <p:style>
+          <a:lnRef idx="2">
+            <a:schemeClr val="accent1">
+              <a:shade val="50000"/>
+            </a:schemeClr>
+          </a:lnRef>
+          <a:fillRef idx="1">
+            <a:schemeClr val="accent1"/>
+          </a:fillRef>
+          <a:effectRef idx="0">
+            <a:schemeClr val="accent1"/>
+          </a:effectRef>
+          <a:fontRef idx="minor">
+            <a:schemeClr val="lt1"/>
+          </a:fontRef>
+        </p:style>
+        <p:txBody>
+          <a:bodyPr rtlCol="0" anchor="ctr"/>
+          <a:lstStyle/>
+          <a:p>
+            <a:pPr algn="ctr"/>
+            <a:endParaRPr lang="de-DE"/>
+          </a:p>
+        </p:txBody>
+      </p:sp>
+      <p:cxnSp>
+        <p:nvCxnSpPr>
+          <p:cNvPr id="117" name="Gerader Verbinder 116"/>
+          <p:cNvCxnSpPr/>
+          <p:nvPr/>
+        </p:nvCxnSpPr>
+        <p:spPr>
+          <a:xfrm>
+            <a:off x="443816" y="5366604"/>
+            <a:ext cx="2826736" cy="0"/>
+          </a:xfrm>
+          <a:prstGeom prst="line">
+            <a:avLst/>
+          </a:prstGeom>
+          <a:ln w="19050">
+            <a:solidFill>
+              <a:schemeClr val="tx1"/>
+            </a:solidFill>
+          </a:ln>
+        </p:spPr>
+        <p:style>
+          <a:lnRef idx="1">
+            <a:schemeClr val="accent1"/>
+          </a:lnRef>
+          <a:fillRef idx="0">
+            <a:schemeClr val="accent1"/>
+          </a:fillRef>
+          <a:effectRef idx="0">
+            <a:schemeClr val="accent1"/>
+          </a:effectRef>
+          <a:fontRef idx="minor">
+            <a:schemeClr val="tx1"/>
+          </a:fontRef>
+        </p:style>
+      </p:cxnSp>
+      <p:sp>
+        <p:nvSpPr>
+          <p:cNvPr id="118" name="Textfeld 117"/>
+          <p:cNvSpPr txBox="1"/>
+          <p:nvPr/>
+        </p:nvSpPr>
+        <p:spPr>
+          <a:xfrm>
+            <a:off x="132937" y="5087702"/>
+            <a:ext cx="3472793" cy="307777"/>
+          </a:xfrm>
+          <a:prstGeom prst="rect">
+            <a:avLst/>
+          </a:prstGeom>
+          <a:noFill/>
+        </p:spPr>
+        <p:txBody>
+          <a:bodyPr wrap="square" rtlCol="0">
+            <a:spAutoFit/>
+          </a:bodyPr>
+          <a:lstStyle/>
+          <a:p>
+            <a:pPr algn="ctr"/>
+            <a:r>
+              <a:rPr lang="de-DE" sz="1400" b="1" dirty="0" err="1" smtClean="0">
+                <a:solidFill>
+                  <a:srgbClr val="002060"/>
+                </a:solidFill>
+              </a:rPr>
+              <a:t>JumpTest</a:t>
+            </a:r>
+            <a:endParaRPr lang="de-DE" sz="1400" b="1" dirty="0">
+              <a:solidFill>
+                <a:srgbClr val="002060"/>
+              </a:solidFill>
+            </a:endParaRPr>
+          </a:p>
+        </p:txBody>
+      </p:sp>
+      <p:grpSp>
+        <p:nvGrpSpPr>
+          <p:cNvPr id="119" name="Gruppieren 118"/>
+          <p:cNvGrpSpPr/>
+          <p:nvPr/>
+        </p:nvGrpSpPr>
+        <p:grpSpPr>
+          <a:xfrm>
+            <a:off x="547514" y="5681080"/>
+            <a:ext cx="869489" cy="523220"/>
+            <a:chOff x="3604542" y="3842251"/>
+            <a:chExt cx="615340" cy="523220"/>
+          </a:xfrm>
+        </p:grpSpPr>
+        <p:sp>
+          <p:nvSpPr>
+            <p:cNvPr id="120" name="Abgerundetes Rechteck 119"/>
+            <p:cNvSpPr/>
+            <p:nvPr/>
+          </p:nvSpPr>
+          <p:spPr>
+            <a:xfrm>
+              <a:off x="3604542" y="3868551"/>
+              <a:ext cx="615340" cy="242236"/>
+            </a:xfrm>
+            <a:prstGeom prst="roundRect">
+              <a:avLst/>
+            </a:prstGeom>
+            <a:solidFill>
+              <a:schemeClr val="bg1"/>
+            </a:solidFill>
+            <a:ln w="19050">
+              <a:solidFill>
+                <a:schemeClr val="tx1"/>
+              </a:solidFill>
+            </a:ln>
+          </p:spPr>
+          <p:style>
+            <a:lnRef idx="2">
+              <a:schemeClr val="accent1">
+                <a:shade val="50000"/>
+              </a:schemeClr>
+            </a:lnRef>
+            <a:fillRef idx="1">
+              <a:schemeClr val="accent1"/>
+            </a:fillRef>
+            <a:effectRef idx="0">
+              <a:schemeClr val="accent1"/>
+            </a:effectRef>
+            <a:fontRef idx="minor">
+              <a:schemeClr val="lt1"/>
+            </a:fontRef>
+          </p:style>
+          <p:txBody>
+            <a:bodyPr rtlCol="0" anchor="ctr"/>
+            <a:lstStyle/>
+            <a:p>
+              <a:pPr algn="ctr"/>
+              <a:endParaRPr lang="de-DE"/>
+            </a:p>
+          </p:txBody>
+        </p:sp>
+        <p:sp>
+          <p:nvSpPr>
+            <p:cNvPr id="121" name="Textfeld 120"/>
+            <p:cNvSpPr txBox="1"/>
+            <p:nvPr/>
+          </p:nvSpPr>
+          <p:spPr>
+            <a:xfrm>
+              <a:off x="3642987" y="3842251"/>
+              <a:ext cx="538449" cy="523220"/>
+            </a:xfrm>
+            <a:prstGeom prst="rect">
+              <a:avLst/>
+            </a:prstGeom>
+            <a:noFill/>
+          </p:spPr>
+          <p:txBody>
+            <a:bodyPr wrap="square" rtlCol="0">
+              <a:spAutoFit/>
+            </a:bodyPr>
+            <a:lstStyle/>
+            <a:p>
+              <a:pPr algn="ctr"/>
+              <a:r>
+                <a:rPr lang="de-DE" sz="1400" b="1" dirty="0" smtClean="0">
+                  <a:solidFill>
+                    <a:srgbClr val="002060"/>
+                  </a:solidFill>
+                </a:rPr>
+                <a:t>Waiting</a:t>
+              </a:r>
+              <a:endParaRPr lang="de-DE" sz="1400" b="1" dirty="0">
+                <a:solidFill>
+                  <a:srgbClr val="002060"/>
+                </a:solidFill>
+              </a:endParaRPr>
+            </a:p>
+          </p:txBody>
+        </p:sp>
+      </p:grpSp>
+      <p:grpSp>
+        <p:nvGrpSpPr>
+          <p:cNvPr id="133" name="Gruppieren 132"/>
+          <p:cNvGrpSpPr/>
+          <p:nvPr/>
+        </p:nvGrpSpPr>
+        <p:grpSpPr>
+          <a:xfrm>
+            <a:off x="1195181" y="6334780"/>
+            <a:ext cx="1269400" cy="523220"/>
+            <a:chOff x="3604542" y="3842251"/>
+            <a:chExt cx="615340" cy="523220"/>
+          </a:xfrm>
+        </p:grpSpPr>
+        <p:sp>
+          <p:nvSpPr>
+            <p:cNvPr id="134" name="Abgerundetes Rechteck 133"/>
+            <p:cNvSpPr/>
+            <p:nvPr/>
+          </p:nvSpPr>
+          <p:spPr>
+            <a:xfrm>
+              <a:off x="3604542" y="3868551"/>
+              <a:ext cx="615340" cy="242236"/>
+            </a:xfrm>
+            <a:prstGeom prst="roundRect">
+              <a:avLst/>
+            </a:prstGeom>
+            <a:solidFill>
+              <a:schemeClr val="bg1"/>
+            </a:solidFill>
+            <a:ln w="19050">
+              <a:solidFill>
+                <a:schemeClr val="tx1"/>
+              </a:solidFill>
+            </a:ln>
+          </p:spPr>
+          <p:style>
+            <a:lnRef idx="2">
+              <a:schemeClr val="accent1">
+                <a:shade val="50000"/>
+              </a:schemeClr>
+            </a:lnRef>
+            <a:fillRef idx="1">
+              <a:schemeClr val="accent1"/>
+            </a:fillRef>
+            <a:effectRef idx="0">
+              <a:schemeClr val="accent1"/>
+            </a:effectRef>
+            <a:fontRef idx="minor">
+              <a:schemeClr val="lt1"/>
+            </a:fontRef>
+          </p:style>
+          <p:txBody>
+            <a:bodyPr rtlCol="0" anchor="ctr"/>
+            <a:lstStyle/>
+            <a:p>
+              <a:pPr algn="ctr"/>
+              <a:endParaRPr lang="de-DE"/>
+            </a:p>
+          </p:txBody>
+        </p:sp>
+        <p:sp>
+          <p:nvSpPr>
+            <p:cNvPr id="135" name="Textfeld 134"/>
+            <p:cNvSpPr txBox="1"/>
+            <p:nvPr/>
+          </p:nvSpPr>
+          <p:spPr>
+            <a:xfrm>
+              <a:off x="3642987" y="3842251"/>
+              <a:ext cx="538449" cy="523220"/>
+            </a:xfrm>
+            <a:prstGeom prst="rect">
+              <a:avLst/>
+            </a:prstGeom>
+            <a:noFill/>
+          </p:spPr>
+          <p:txBody>
+            <a:bodyPr wrap="square" rtlCol="0">
+              <a:spAutoFit/>
+            </a:bodyPr>
+            <a:lstStyle/>
+            <a:p>
+              <a:pPr algn="ctr"/>
+              <a:r>
+                <a:rPr lang="de-DE" sz="1400" b="1" dirty="0" err="1" smtClean="0">
+                  <a:solidFill>
+                    <a:srgbClr val="002060"/>
+                  </a:solidFill>
+                </a:rPr>
+                <a:t>Accelerating</a:t>
+              </a:r>
+              <a:endParaRPr lang="de-DE" sz="1400" b="1" dirty="0">
+                <a:solidFill>
+                  <a:srgbClr val="002060"/>
+                </a:solidFill>
+              </a:endParaRPr>
+            </a:p>
+          </p:txBody>
+        </p:sp>
+      </p:grpSp>
+      <p:cxnSp>
+        <p:nvCxnSpPr>
+          <p:cNvPr id="136" name="Gewinkelte Verbindung 135"/>
+          <p:cNvCxnSpPr>
+            <a:stCxn id="120" idx="3"/>
+          </p:cNvCxnSpPr>
+          <p:nvPr/>
+        </p:nvCxnSpPr>
+        <p:spPr>
+          <a:xfrm>
+            <a:off x="1417003" y="5828498"/>
+            <a:ext cx="148393" cy="532582"/>
+          </a:xfrm>
+          <a:prstGeom prst="bentConnector2">
+            <a:avLst/>
+          </a:prstGeom>
+          <a:ln w="19050">
+            <a:solidFill>
+              <a:schemeClr val="tx1"/>
+            </a:solidFill>
+            <a:tailEnd type="triangle" w="med" len="sm"/>
+          </a:ln>
+        </p:spPr>
+        <p:style>
+          <a:lnRef idx="1">
+            <a:schemeClr val="accent1"/>
+          </a:lnRef>
+          <a:fillRef idx="0">
+            <a:schemeClr val="accent1"/>
+          </a:fillRef>
+          <a:effectRef idx="0">
+            <a:schemeClr val="accent1"/>
+          </a:effectRef>
+          <a:fontRef idx="minor">
+            <a:schemeClr val="tx1"/>
+          </a:fontRef>
+        </p:style>
+      </p:cxnSp>
+      <p:sp>
+        <p:nvSpPr>
+          <p:cNvPr id="140" name="Textfeld 139"/>
+          <p:cNvSpPr txBox="1"/>
+          <p:nvPr/>
+        </p:nvSpPr>
+        <p:spPr>
+          <a:xfrm>
+            <a:off x="956386" y="5933491"/>
+            <a:ext cx="691215" cy="261610"/>
+          </a:xfrm>
+          <a:prstGeom prst="rect">
+            <a:avLst/>
+          </a:prstGeom>
+          <a:noFill/>
+        </p:spPr>
+        <p:txBody>
+          <a:bodyPr wrap="none" rtlCol="0">
+            <a:spAutoFit/>
+          </a:bodyPr>
+          <a:lstStyle/>
+          <a:p>
+            <a:r>
+              <a:rPr lang="de-DE" sz="1100" b="1" dirty="0" smtClean="0"/>
+              <a:t>RESTING</a:t>
+            </a:r>
+            <a:endParaRPr lang="de-DE" sz="1200" b="1" dirty="0"/>
+          </a:p>
+        </p:txBody>
+      </p:sp>
+      <p:cxnSp>
+        <p:nvCxnSpPr>
+          <p:cNvPr id="144" name="Gewinkelte Verbindung 143"/>
+          <p:cNvCxnSpPr>
+            <a:stCxn id="134" idx="1"/>
+          </p:cNvCxnSpPr>
+          <p:nvPr/>
+        </p:nvCxnSpPr>
+        <p:spPr>
+          <a:xfrm rot="10800000">
+            <a:off x="905473" y="5949620"/>
+            <a:ext cx="289708" cy="532579"/>
+          </a:xfrm>
+          <a:prstGeom prst="bentConnector2">
+            <a:avLst/>
+          </a:prstGeom>
+          <a:ln w="19050">
+            <a:solidFill>
+              <a:schemeClr val="tx1"/>
+            </a:solidFill>
+            <a:tailEnd type="triangle" w="med" len="sm"/>
+          </a:ln>
+        </p:spPr>
+        <p:style>
+          <a:lnRef idx="1">
+            <a:schemeClr val="accent1"/>
+          </a:lnRef>
+          <a:fillRef idx="0">
+            <a:schemeClr val="accent1"/>
+          </a:fillRef>
+          <a:effectRef idx="0">
+            <a:schemeClr val="accent1"/>
+          </a:effectRef>
+          <a:fontRef idx="minor">
+            <a:schemeClr val="tx1"/>
+          </a:fontRef>
+        </p:style>
+      </p:cxnSp>
+      <p:sp>
+        <p:nvSpPr>
+          <p:cNvPr id="147" name="Textfeld 146"/>
+          <p:cNvSpPr txBox="1"/>
+          <p:nvPr/>
+        </p:nvSpPr>
+        <p:spPr>
+          <a:xfrm>
+            <a:off x="559865" y="6446354"/>
+            <a:ext cx="707245" cy="261610"/>
+          </a:xfrm>
+          <a:prstGeom prst="rect">
+            <a:avLst/>
+          </a:prstGeom>
+          <a:noFill/>
+        </p:spPr>
+        <p:txBody>
+          <a:bodyPr wrap="none" rtlCol="0">
+            <a:spAutoFit/>
+          </a:bodyPr>
+          <a:lstStyle/>
+          <a:p>
+            <a:r>
+              <a:rPr lang="de-DE" sz="1100" b="1" dirty="0" smtClean="0"/>
+              <a:t>MOVING</a:t>
+            </a:r>
+            <a:endParaRPr lang="de-DE" sz="1200" b="1" dirty="0"/>
+          </a:p>
+        </p:txBody>
+      </p:sp>
+      <p:cxnSp>
+        <p:nvCxnSpPr>
+          <p:cNvPr id="148" name="Gewinkelte Verbindung 147"/>
+          <p:cNvCxnSpPr>
+            <a:stCxn id="134" idx="3"/>
+          </p:cNvCxnSpPr>
+          <p:nvPr/>
+        </p:nvCxnSpPr>
+        <p:spPr>
+          <a:xfrm flipV="1">
+            <a:off x="2464581" y="5966426"/>
+            <a:ext cx="505475" cy="515772"/>
+          </a:xfrm>
+          <a:prstGeom prst="bentConnector2">
+            <a:avLst/>
+          </a:prstGeom>
+          <a:ln w="19050">
+            <a:solidFill>
+              <a:schemeClr val="tx1"/>
+            </a:solidFill>
+            <a:tailEnd type="triangle" w="med" len="sm"/>
+          </a:ln>
+        </p:spPr>
+        <p:style>
+          <a:lnRef idx="1">
+            <a:schemeClr val="accent1"/>
+          </a:lnRef>
+          <a:fillRef idx="0">
+            <a:schemeClr val="accent1"/>
+          </a:fillRef>
+          <a:effectRef idx="0">
+            <a:schemeClr val="accent1"/>
+          </a:effectRef>
+          <a:fontRef idx="minor">
+            <a:schemeClr val="tx1"/>
+          </a:fontRef>
+        </p:style>
+      </p:cxnSp>
+      <p:grpSp>
+        <p:nvGrpSpPr>
+          <p:cNvPr id="152" name="Gruppieren 151"/>
+          <p:cNvGrpSpPr/>
+          <p:nvPr/>
+        </p:nvGrpSpPr>
+        <p:grpSpPr>
+          <a:xfrm>
+            <a:off x="2279945" y="5685892"/>
+            <a:ext cx="869489" cy="307777"/>
+            <a:chOff x="3604542" y="3842251"/>
+            <a:chExt cx="615340" cy="307777"/>
+          </a:xfrm>
+        </p:grpSpPr>
+        <p:sp>
+          <p:nvSpPr>
+            <p:cNvPr id="153" name="Abgerundetes Rechteck 152"/>
+            <p:cNvSpPr/>
+            <p:nvPr/>
+          </p:nvSpPr>
+          <p:spPr>
+            <a:xfrm>
+              <a:off x="3604542" y="3868551"/>
+              <a:ext cx="615340" cy="242236"/>
+            </a:xfrm>
+            <a:prstGeom prst="roundRect">
+              <a:avLst/>
+            </a:prstGeom>
+            <a:solidFill>
+              <a:schemeClr val="bg1"/>
+            </a:solidFill>
+            <a:ln w="19050">
+              <a:solidFill>
+                <a:schemeClr val="tx1"/>
+              </a:solidFill>
+            </a:ln>
+          </p:spPr>
+          <p:style>
+            <a:lnRef idx="2">
+              <a:schemeClr val="accent1">
+                <a:shade val="50000"/>
+              </a:schemeClr>
+            </a:lnRef>
+            <a:fillRef idx="1">
+              <a:schemeClr val="accent1"/>
+            </a:fillRef>
+            <a:effectRef idx="0">
+              <a:schemeClr val="accent1"/>
+            </a:effectRef>
+            <a:fontRef idx="minor">
+              <a:schemeClr val="lt1"/>
+            </a:fontRef>
+          </p:style>
+          <p:txBody>
+            <a:bodyPr rtlCol="0" anchor="ctr"/>
+            <a:lstStyle/>
+            <a:p>
+              <a:pPr algn="ctr"/>
+              <a:endParaRPr lang="de-DE"/>
+            </a:p>
+          </p:txBody>
+        </p:sp>
+        <p:sp>
+          <p:nvSpPr>
+            <p:cNvPr id="154" name="Textfeld 153"/>
+            <p:cNvSpPr txBox="1"/>
+            <p:nvPr/>
+          </p:nvSpPr>
+          <p:spPr>
+            <a:xfrm>
+              <a:off x="3642987" y="3842251"/>
+              <a:ext cx="538449" cy="307777"/>
+            </a:xfrm>
+            <a:prstGeom prst="rect">
+              <a:avLst/>
+            </a:prstGeom>
+            <a:noFill/>
+          </p:spPr>
+          <p:txBody>
+            <a:bodyPr wrap="square" rtlCol="0">
+              <a:spAutoFit/>
+            </a:bodyPr>
+            <a:lstStyle/>
+            <a:p>
+              <a:pPr algn="ctr"/>
+              <a:r>
+                <a:rPr lang="de-DE" sz="1400" b="1" dirty="0" err="1" smtClean="0">
+                  <a:solidFill>
+                    <a:srgbClr val="002060"/>
+                  </a:solidFill>
+                </a:rPr>
+                <a:t>Braking</a:t>
+              </a:r>
+              <a:endParaRPr lang="de-DE" sz="1400" b="1" dirty="0">
+                <a:solidFill>
+                  <a:srgbClr val="002060"/>
+                </a:solidFill>
+              </a:endParaRPr>
+            </a:p>
+          </p:txBody>
+        </p:sp>
+      </p:grpSp>
+      <p:sp>
+        <p:nvSpPr>
+          <p:cNvPr id="165" name="Textfeld 164"/>
+          <p:cNvSpPr txBox="1"/>
+          <p:nvPr/>
+        </p:nvSpPr>
+        <p:spPr>
+          <a:xfrm>
+            <a:off x="1619721" y="6118002"/>
+            <a:ext cx="1430200" cy="261610"/>
+          </a:xfrm>
+          <a:prstGeom prst="rect">
+            <a:avLst/>
+          </a:prstGeom>
+          <a:noFill/>
+        </p:spPr>
+        <p:txBody>
+          <a:bodyPr wrap="none" rtlCol="0">
+            <a:spAutoFit/>
+          </a:bodyPr>
+          <a:lstStyle/>
+          <a:p>
+            <a:r>
+              <a:rPr lang="de-DE" sz="1100" b="1" dirty="0" smtClean="0"/>
+              <a:t>JUMP_VEL_REACHED</a:t>
+            </a:r>
+            <a:endParaRPr lang="de-DE" sz="1200" b="1" dirty="0"/>
+          </a:p>
+        </p:txBody>
+      </p:sp>
+      <p:cxnSp>
+        <p:nvCxnSpPr>
+          <p:cNvPr id="168" name="Gewinkelte Verbindung 167"/>
+          <p:cNvCxnSpPr>
+            <a:stCxn id="154" idx="0"/>
+            <a:endCxn id="121" idx="0"/>
+          </p:cNvCxnSpPr>
+          <p:nvPr/>
+        </p:nvCxnSpPr>
+        <p:spPr>
+          <a:xfrm rot="16200000" flipV="1">
+            <a:off x="1846068" y="4817270"/>
+            <a:ext cx="4812" cy="1732431"/>
+          </a:xfrm>
+          <a:prstGeom prst="bentConnector3">
+            <a:avLst>
+              <a:gd name="adj1" fmla="val 4850623"/>
+            </a:avLst>
+          </a:prstGeom>
+          <a:ln w="19050">
+            <a:solidFill>
+              <a:schemeClr val="tx1"/>
+            </a:solidFill>
+            <a:tailEnd type="triangle" w="med" len="sm"/>
+          </a:ln>
+        </p:spPr>
+        <p:style>
+          <a:lnRef idx="1">
+            <a:schemeClr val="accent1"/>
+          </a:lnRef>
+          <a:fillRef idx="0">
+            <a:schemeClr val="accent1"/>
+          </a:fillRef>
+          <a:effectRef idx="0">
+            <a:schemeClr val="accent1"/>
+          </a:effectRef>
+          <a:fontRef idx="minor">
+            <a:schemeClr val="tx1"/>
+          </a:fontRef>
+        </p:style>
+      </p:cxnSp>
+      <p:sp>
+        <p:nvSpPr>
+          <p:cNvPr id="171" name="Textfeld 170"/>
+          <p:cNvSpPr txBox="1"/>
+          <p:nvPr/>
+        </p:nvSpPr>
+        <p:spPr>
+          <a:xfrm>
+            <a:off x="1206198" y="5408325"/>
+            <a:ext cx="1340432" cy="261610"/>
+          </a:xfrm>
+          <a:prstGeom prst="rect">
+            <a:avLst/>
+          </a:prstGeom>
+          <a:noFill/>
+        </p:spPr>
+        <p:txBody>
+          <a:bodyPr wrap="none" rtlCol="0">
+            <a:spAutoFit/>
+          </a:bodyPr>
+          <a:lstStyle/>
+          <a:p>
+            <a:r>
+              <a:rPr lang="de-DE" sz="1100" b="1" dirty="0" smtClean="0"/>
+              <a:t>BRAKING_FINISHED</a:t>
+            </a:r>
+            <a:endParaRPr lang="de-DE" sz="1200" b="1" dirty="0"/>
+          </a:p>
+        </p:txBody>
+      </p:sp>
+      <p:cxnSp>
+        <p:nvCxnSpPr>
+          <p:cNvPr id="172" name="Gewinkelte Verbindung 171"/>
+          <p:cNvCxnSpPr/>
+          <p:nvPr/>
+        </p:nvCxnSpPr>
+        <p:spPr>
+          <a:xfrm rot="5400000" flipH="1" flipV="1">
+            <a:off x="2315971" y="4328076"/>
+            <a:ext cx="1048603" cy="406755"/>
+          </a:xfrm>
+          <a:prstGeom prst="bentConnector3">
+            <a:avLst>
+              <a:gd name="adj1" fmla="val 50000"/>
+            </a:avLst>
+          </a:prstGeom>
+          <a:ln w="19050">
+            <a:solidFill>
+              <a:schemeClr val="tx1"/>
+            </a:solidFill>
+            <a:tailEnd type="triangle" w="med" len="sm"/>
+          </a:ln>
+        </p:spPr>
+        <p:style>
+          <a:lnRef idx="1">
+            <a:schemeClr val="accent1"/>
+          </a:lnRef>
+          <a:fillRef idx="0">
+            <a:schemeClr val="accent1"/>
+          </a:fillRef>
+          <a:effectRef idx="0">
+            <a:schemeClr val="accent1"/>
+          </a:effectRef>
+          <a:fontRef idx="minor">
+            <a:schemeClr val="tx1"/>
+          </a:fontRef>
+        </p:style>
+      </p:cxnSp>
+      <p:sp>
+        <p:nvSpPr>
+          <p:cNvPr id="175" name="Textfeld 174"/>
+          <p:cNvSpPr txBox="1"/>
+          <p:nvPr/>
+        </p:nvSpPr>
+        <p:spPr>
+          <a:xfrm>
+            <a:off x="2621786" y="4520513"/>
+            <a:ext cx="822661" cy="261610"/>
+          </a:xfrm>
+          <a:prstGeom prst="rect">
+            <a:avLst/>
+          </a:prstGeom>
+          <a:noFill/>
+        </p:spPr>
+        <p:txBody>
+          <a:bodyPr wrap="none" rtlCol="0">
+            <a:spAutoFit/>
+          </a:bodyPr>
+          <a:lstStyle/>
+          <a:p>
+            <a:r>
+              <a:rPr lang="de-DE" sz="1100" b="1" dirty="0" smtClean="0"/>
+              <a:t>CLIENT_DC</a:t>
+            </a:r>
+            <a:endParaRPr lang="de-DE" sz="1200" b="1" dirty="0"/>
+          </a:p>
+        </p:txBody>
+      </p:sp>
+      <p:cxnSp>
+        <p:nvCxnSpPr>
+          <p:cNvPr id="176" name="Gewinkelte Verbindung 175"/>
+          <p:cNvCxnSpPr>
+            <a:endCxn id="116" idx="0"/>
+          </p:cNvCxnSpPr>
+          <p:nvPr/>
+        </p:nvCxnSpPr>
+        <p:spPr>
+          <a:xfrm rot="5400000">
+            <a:off x="1829077" y="4034816"/>
+            <a:ext cx="1055449" cy="993276"/>
+          </a:xfrm>
+          <a:prstGeom prst="bentConnector3">
+            <a:avLst>
+              <a:gd name="adj1" fmla="val 32552"/>
+            </a:avLst>
+          </a:prstGeom>
+          <a:ln w="19050">
+            <a:solidFill>
+              <a:schemeClr val="tx1"/>
+            </a:solidFill>
+            <a:tailEnd type="triangle" w="med" len="sm"/>
+          </a:ln>
+        </p:spPr>
+        <p:style>
+          <a:lnRef idx="1">
+            <a:schemeClr val="accent1"/>
+          </a:lnRef>
+          <a:fillRef idx="0">
+            <a:schemeClr val="accent1"/>
+          </a:fillRef>
+          <a:effectRef idx="0">
+            <a:schemeClr val="accent1"/>
+          </a:effectRef>
+          <a:fontRef idx="minor">
+            <a:schemeClr val="tx1"/>
+          </a:fontRef>
+        </p:style>
+      </p:cxnSp>
+      <p:sp>
+        <p:nvSpPr>
+          <p:cNvPr id="184" name="Textfeld 183"/>
+          <p:cNvSpPr txBox="1"/>
+          <p:nvPr/>
+        </p:nvSpPr>
+        <p:spPr>
+          <a:xfrm>
+            <a:off x="735163" y="4385706"/>
+            <a:ext cx="1204176" cy="261610"/>
+          </a:xfrm>
+          <a:prstGeom prst="rect">
+            <a:avLst/>
+          </a:prstGeom>
+          <a:noFill/>
+        </p:spPr>
+        <p:txBody>
+          <a:bodyPr wrap="none" rtlCol="0">
+            <a:spAutoFit/>
+          </a:bodyPr>
+          <a:lstStyle/>
+          <a:p>
+            <a:r>
+              <a:rPr lang="de-DE" sz="1100" b="1" dirty="0" smtClean="0"/>
+              <a:t>RUN_JUMP_TEST</a:t>
+            </a:r>
+            <a:endParaRPr lang="de-DE" sz="1200" b="1" dirty="0"/>
+          </a:p>
+        </p:txBody>
+      </p:sp>
+    </p:spTree>
+    <p:extLst>
+      <p:ext uri="{BB962C8B-B14F-4D97-AF65-F5344CB8AC3E}">
+        <p14:creationId xmlns:p14="http://schemas.microsoft.com/office/powerpoint/2010/main" val="252393015"/>
       </p:ext>
     </p:extLst>
   </p:cSld>

--- a/1_Dokumentation/Zeichnungen/SW_Doku.pptx
+++ b/1_Dokumentation/Zeichnungen/SW_Doku.pptx
@@ -8,6 +8,8 @@
     <p:sldId id="256" r:id="rId2"/>
     <p:sldId id="257" r:id="rId3"/>
     <p:sldId id="258" r:id="rId4"/>
+    <p:sldId id="259" r:id="rId5"/>
+    <p:sldId id="260" r:id="rId6"/>
   </p:sldIdLst>
   <p:sldSz cx="12192000" cy="6858000"/>
   <p:notesSz cx="6858000" cy="9144000"/>
@@ -245,7 +247,7 @@
           <a:p>
             <a:fld id="{420F3398-8A54-435E-92EE-D7A119CBDC98}" type="datetimeFigureOut">
               <a:rPr lang="de-DE" smtClean="0"/>
-              <a:t>07.10.2016</a:t>
+              <a:t>12.10.2016</a:t>
             </a:fld>
             <a:endParaRPr lang="de-DE"/>
           </a:p>
@@ -415,7 +417,7 @@
           <a:p>
             <a:fld id="{420F3398-8A54-435E-92EE-D7A119CBDC98}" type="datetimeFigureOut">
               <a:rPr lang="de-DE" smtClean="0"/>
-              <a:t>07.10.2016</a:t>
+              <a:t>12.10.2016</a:t>
             </a:fld>
             <a:endParaRPr lang="de-DE"/>
           </a:p>
@@ -595,7 +597,7 @@
           <a:p>
             <a:fld id="{420F3398-8A54-435E-92EE-D7A119CBDC98}" type="datetimeFigureOut">
               <a:rPr lang="de-DE" smtClean="0"/>
-              <a:t>07.10.2016</a:t>
+              <a:t>12.10.2016</a:t>
             </a:fld>
             <a:endParaRPr lang="de-DE"/>
           </a:p>
@@ -765,7 +767,7 @@
           <a:p>
             <a:fld id="{420F3398-8A54-435E-92EE-D7A119CBDC98}" type="datetimeFigureOut">
               <a:rPr lang="de-DE" smtClean="0"/>
-              <a:t>07.10.2016</a:t>
+              <a:t>12.10.2016</a:t>
             </a:fld>
             <a:endParaRPr lang="de-DE"/>
           </a:p>
@@ -1011,7 +1013,7 @@
           <a:p>
             <a:fld id="{420F3398-8A54-435E-92EE-D7A119CBDC98}" type="datetimeFigureOut">
               <a:rPr lang="de-DE" smtClean="0"/>
-              <a:t>07.10.2016</a:t>
+              <a:t>12.10.2016</a:t>
             </a:fld>
             <a:endParaRPr lang="de-DE"/>
           </a:p>
@@ -1243,7 +1245,7 @@
           <a:p>
             <a:fld id="{420F3398-8A54-435E-92EE-D7A119CBDC98}" type="datetimeFigureOut">
               <a:rPr lang="de-DE" smtClean="0"/>
-              <a:t>07.10.2016</a:t>
+              <a:t>12.10.2016</a:t>
             </a:fld>
             <a:endParaRPr lang="de-DE"/>
           </a:p>
@@ -1610,7 +1612,7 @@
           <a:p>
             <a:fld id="{420F3398-8A54-435E-92EE-D7A119CBDC98}" type="datetimeFigureOut">
               <a:rPr lang="de-DE" smtClean="0"/>
-              <a:t>07.10.2016</a:t>
+              <a:t>12.10.2016</a:t>
             </a:fld>
             <a:endParaRPr lang="de-DE"/>
           </a:p>
@@ -1728,7 +1730,7 @@
           <a:p>
             <a:fld id="{420F3398-8A54-435E-92EE-D7A119CBDC98}" type="datetimeFigureOut">
               <a:rPr lang="de-DE" smtClean="0"/>
-              <a:t>07.10.2016</a:t>
+              <a:t>12.10.2016</a:t>
             </a:fld>
             <a:endParaRPr lang="de-DE"/>
           </a:p>
@@ -1823,7 +1825,7 @@
           <a:p>
             <a:fld id="{420F3398-8A54-435E-92EE-D7A119CBDC98}" type="datetimeFigureOut">
               <a:rPr lang="de-DE" smtClean="0"/>
-              <a:t>07.10.2016</a:t>
+              <a:t>12.10.2016</a:t>
             </a:fld>
             <a:endParaRPr lang="de-DE"/>
           </a:p>
@@ -2100,7 +2102,7 @@
           <a:p>
             <a:fld id="{420F3398-8A54-435E-92EE-D7A119CBDC98}" type="datetimeFigureOut">
               <a:rPr lang="de-DE" smtClean="0"/>
-              <a:t>07.10.2016</a:t>
+              <a:t>12.10.2016</a:t>
             </a:fld>
             <a:endParaRPr lang="de-DE"/>
           </a:p>
@@ -2353,7 +2355,7 @@
           <a:p>
             <a:fld id="{420F3398-8A54-435E-92EE-D7A119CBDC98}" type="datetimeFigureOut">
               <a:rPr lang="de-DE" smtClean="0"/>
-              <a:t>07.10.2016</a:t>
+              <a:t>12.10.2016</a:t>
             </a:fld>
             <a:endParaRPr lang="de-DE"/>
           </a:p>
@@ -2566,7 +2568,7 @@
           <a:p>
             <a:fld id="{420F3398-8A54-435E-92EE-D7A119CBDC98}" type="datetimeFigureOut">
               <a:rPr lang="de-DE" smtClean="0"/>
-              <a:t>07.10.2016</a:t>
+              <a:t>12.10.2016</a:t>
             </a:fld>
             <a:endParaRPr lang="de-DE"/>
           </a:p>
@@ -6669,7 +6671,7 @@
         </p:nvSpPr>
         <p:spPr>
           <a:xfrm>
-            <a:off x="2451368" y="3764915"/>
+            <a:off x="2512328" y="3764914"/>
             <a:ext cx="1448144" cy="242236"/>
           </a:xfrm>
           <a:prstGeom prst="roundRect">
@@ -6717,7 +6719,7 @@
         </p:nvSpPr>
         <p:spPr>
           <a:xfrm>
-            <a:off x="2036789" y="3732144"/>
+            <a:off x="2097749" y="3732143"/>
             <a:ext cx="2277301" cy="307777"/>
           </a:xfrm>
           <a:prstGeom prst="rect">
@@ -6756,7 +6758,7 @@
         </p:nvSpPr>
         <p:spPr>
           <a:xfrm>
-            <a:off x="-12647" y="2105475"/>
+            <a:off x="48313" y="2105474"/>
             <a:ext cx="1706542" cy="242236"/>
           </a:xfrm>
           <a:prstGeom prst="roundRect">
@@ -6804,7 +6806,7 @@
         </p:nvSpPr>
         <p:spPr>
           <a:xfrm>
-            <a:off x="-258091" y="2068809"/>
+            <a:off x="-197131" y="2068808"/>
             <a:ext cx="2197430" cy="307777"/>
           </a:xfrm>
           <a:prstGeom prst="rect">
@@ -6843,7 +6845,7 @@
         </p:nvSpPr>
         <p:spPr>
           <a:xfrm>
-            <a:off x="2282233" y="2105475"/>
+            <a:off x="2343193" y="2105474"/>
             <a:ext cx="1706542" cy="242236"/>
           </a:xfrm>
           <a:prstGeom prst="roundRect">
@@ -6891,7 +6893,7 @@
         </p:nvSpPr>
         <p:spPr>
           <a:xfrm>
-            <a:off x="2036789" y="2068809"/>
+            <a:off x="2097749" y="2068808"/>
             <a:ext cx="2197430" cy="307777"/>
           </a:xfrm>
           <a:prstGeom prst="rect">
@@ -6930,7 +6932,7 @@
         </p:nvSpPr>
         <p:spPr>
           <a:xfrm>
-            <a:off x="4479663" y="2105475"/>
+            <a:off x="4540623" y="2105474"/>
             <a:ext cx="1706542" cy="242236"/>
           </a:xfrm>
           <a:prstGeom prst="roundRect">
@@ -6978,7 +6980,7 @@
         </p:nvSpPr>
         <p:spPr>
           <a:xfrm>
-            <a:off x="4234219" y="2068809"/>
+            <a:off x="4295179" y="2068808"/>
             <a:ext cx="2197430" cy="307777"/>
           </a:xfrm>
           <a:prstGeom prst="rect">
@@ -7017,7 +7019,7 @@
         </p:nvSpPr>
         <p:spPr>
           <a:xfrm>
-            <a:off x="6677093" y="2105474"/>
+            <a:off x="6738053" y="2105473"/>
             <a:ext cx="1706542" cy="242236"/>
           </a:xfrm>
           <a:prstGeom prst="roundRect">
@@ -7104,7 +7106,7 @@
         </p:nvSpPr>
         <p:spPr>
           <a:xfrm>
-            <a:off x="4790542" y="5104091"/>
+            <a:off x="4851502" y="5104090"/>
             <a:ext cx="2820779" cy="1149531"/>
           </a:xfrm>
           <a:prstGeom prst="roundRect">
@@ -7152,7 +7154,7 @@
         </p:nvCxnSpPr>
         <p:spPr>
           <a:xfrm>
-            <a:off x="4790542" y="5338081"/>
+            <a:off x="4851502" y="5338080"/>
             <a:ext cx="2826736" cy="0"/>
           </a:xfrm>
           <a:prstGeom prst="line">
@@ -7187,7 +7189,7 @@
         </p:nvSpPr>
         <p:spPr>
           <a:xfrm>
-            <a:off x="4479663" y="5059179"/>
+            <a:off x="4540623" y="5059178"/>
             <a:ext cx="3472793" cy="307777"/>
           </a:xfrm>
           <a:prstGeom prst="rect">
@@ -7226,7 +7228,7 @@
         </p:nvGrpSpPr>
         <p:grpSpPr>
           <a:xfrm>
-            <a:off x="4894242" y="5652557"/>
+            <a:off x="4955202" y="5652556"/>
             <a:ext cx="615340" cy="307777"/>
             <a:chOff x="3604542" y="3842251"/>
             <a:chExt cx="615340" cy="307777"/>
@@ -7328,7 +7330,7 @@
         </p:nvSpPr>
         <p:spPr>
           <a:xfrm>
-            <a:off x="6598311" y="5684460"/>
+            <a:off x="6659271" y="5684459"/>
             <a:ext cx="897920" cy="242236"/>
           </a:xfrm>
           <a:prstGeom prst="roundRect">
@@ -7376,7 +7378,7 @@
         </p:nvSpPr>
         <p:spPr>
           <a:xfrm>
-            <a:off x="6475150" y="5651689"/>
+            <a:off x="6536110" y="5651688"/>
             <a:ext cx="1180573" cy="307777"/>
           </a:xfrm>
           <a:prstGeom prst="rect">
@@ -7418,7 +7420,7 @@
         </p:nvCxnSpPr>
         <p:spPr>
           <a:xfrm rot="5400000" flipH="1" flipV="1">
-            <a:off x="6133240" y="4720361"/>
+            <a:off x="6194200" y="4720360"/>
             <a:ext cx="868" cy="1863525"/>
           </a:xfrm>
           <a:prstGeom prst="bentConnector3">
@@ -7456,7 +7458,7 @@
         </p:nvSpPr>
         <p:spPr>
           <a:xfrm>
-            <a:off x="5417796" y="5384477"/>
+            <a:off x="5478756" y="5384476"/>
             <a:ext cx="1319592" cy="261610"/>
           </a:xfrm>
           <a:prstGeom prst="rect">
@@ -7489,7 +7491,7 @@
         </p:nvCxnSpPr>
         <p:spPr>
           <a:xfrm rot="5400000">
-            <a:off x="6133241" y="5028138"/>
+            <a:off x="6194201" y="5028137"/>
             <a:ext cx="868" cy="1863525"/>
           </a:xfrm>
           <a:prstGeom prst="bentConnector3">
@@ -7527,7 +7529,7 @@
         </p:nvSpPr>
         <p:spPr>
           <a:xfrm>
-            <a:off x="5563669" y="5960231"/>
+            <a:off x="5624629" y="5960230"/>
             <a:ext cx="1027845" cy="261610"/>
           </a:xfrm>
           <a:prstGeom prst="rect">
@@ -7557,7 +7559,7 @@
         </p:nvCxnSpPr>
         <p:spPr>
           <a:xfrm rot="10800000">
-            <a:off x="826350" y="2376586"/>
+            <a:off x="887310" y="2376585"/>
             <a:ext cx="1611159" cy="1563939"/>
           </a:xfrm>
           <a:prstGeom prst="bentConnector3">
@@ -7595,7 +7597,7 @@
         </p:nvSpPr>
         <p:spPr>
           <a:xfrm>
-            <a:off x="609672" y="3934571"/>
+            <a:off x="670632" y="3934570"/>
             <a:ext cx="1935145" cy="261610"/>
           </a:xfrm>
           <a:prstGeom prst="rect">
@@ -7625,7 +7627,7 @@
         </p:nvCxnSpPr>
         <p:spPr>
           <a:xfrm rot="16200000" flipH="1">
-            <a:off x="1114014" y="2459948"/>
+            <a:off x="1174974" y="2459947"/>
             <a:ext cx="1431735" cy="1235645"/>
           </a:xfrm>
           <a:prstGeom prst="bentConnector3">
@@ -7663,7 +7665,7 @@
         </p:nvSpPr>
         <p:spPr>
           <a:xfrm>
-            <a:off x="1208391" y="3536251"/>
+            <a:off x="1269351" y="3536250"/>
             <a:ext cx="822661" cy="261610"/>
           </a:xfrm>
           <a:prstGeom prst="rect">
@@ -7693,7 +7695,7 @@
         </p:nvCxnSpPr>
         <p:spPr>
           <a:xfrm>
-            <a:off x="2706449" y="2361904"/>
+            <a:off x="2767409" y="2361903"/>
             <a:ext cx="0" cy="1403012"/>
           </a:xfrm>
           <a:prstGeom prst="straightConnector1">
@@ -7729,7 +7731,7 @@
         </p:nvSpPr>
         <p:spPr>
           <a:xfrm>
-            <a:off x="1946630" y="2827721"/>
+            <a:off x="2007590" y="2827720"/>
             <a:ext cx="822661" cy="261610"/>
           </a:xfrm>
           <a:prstGeom prst="rect">
@@ -7759,7 +7761,7 @@
         </p:nvCxnSpPr>
         <p:spPr>
           <a:xfrm flipV="1">
-            <a:off x="2910072" y="2356035"/>
+            <a:off x="2971032" y="2356034"/>
             <a:ext cx="0" cy="1408881"/>
           </a:xfrm>
           <a:prstGeom prst="straightConnector1">
@@ -7795,7 +7797,7 @@
         </p:nvSpPr>
         <p:spPr>
           <a:xfrm>
-            <a:off x="2910072" y="2827721"/>
+            <a:off x="2971032" y="2827720"/>
             <a:ext cx="1779654" cy="261610"/>
           </a:xfrm>
           <a:prstGeom prst="rect">
@@ -7825,7 +7827,7 @@
         </p:nvCxnSpPr>
         <p:spPr>
           <a:xfrm flipV="1">
-            <a:off x="3899512" y="2356035"/>
+            <a:off x="3960472" y="2356034"/>
             <a:ext cx="3375422" cy="1441827"/>
           </a:xfrm>
           <a:prstGeom prst="bentConnector3">
@@ -7863,7 +7865,7 @@
         </p:nvSpPr>
         <p:spPr>
           <a:xfrm>
-            <a:off x="5468838" y="3544576"/>
+            <a:off x="5529798" y="3544575"/>
             <a:ext cx="1819729" cy="261610"/>
           </a:xfrm>
           <a:prstGeom prst="rect">
@@ -7893,7 +7895,7 @@
         </p:nvCxnSpPr>
         <p:spPr>
           <a:xfrm rot="10800000" flipV="1">
-            <a:off x="3885654" y="2347710"/>
+            <a:off x="3946614" y="2347709"/>
             <a:ext cx="3919767" cy="1596224"/>
           </a:xfrm>
           <a:prstGeom prst="bentConnector3">
@@ -7931,7 +7933,7 @@
         </p:nvSpPr>
         <p:spPr>
           <a:xfrm>
-            <a:off x="7478056" y="3567470"/>
+            <a:off x="7539016" y="3567469"/>
             <a:ext cx="822661" cy="261610"/>
           </a:xfrm>
           <a:prstGeom prst="rect">
@@ -7961,7 +7963,7 @@
         </p:nvCxnSpPr>
         <p:spPr>
           <a:xfrm rot="5400000" flipH="1" flipV="1">
-            <a:off x="3458620" y="2389915"/>
+            <a:off x="3519580" y="2389914"/>
             <a:ext cx="1408880" cy="1341120"/>
           </a:xfrm>
           <a:prstGeom prst="bentConnector3">
@@ -7999,7 +8001,7 @@
         </p:nvSpPr>
         <p:spPr>
           <a:xfrm>
-            <a:off x="3013891" y="3200760"/>
+            <a:off x="3074851" y="3200759"/>
             <a:ext cx="1797287" cy="261610"/>
           </a:xfrm>
           <a:prstGeom prst="rect">
@@ -8029,7 +8031,7 @@
         </p:nvCxnSpPr>
         <p:spPr>
           <a:xfrm rot="5400000">
-            <a:off x="3694715" y="2407251"/>
+            <a:off x="3755675" y="2407250"/>
             <a:ext cx="1396655" cy="1318677"/>
           </a:xfrm>
           <a:prstGeom prst="bentConnector3">
@@ -8067,7 +8069,7 @@
         </p:nvSpPr>
         <p:spPr>
           <a:xfrm>
-            <a:off x="5009400" y="3219749"/>
+            <a:off x="5070360" y="3219748"/>
             <a:ext cx="822661" cy="261610"/>
           </a:xfrm>
           <a:prstGeom prst="rect">
@@ -8097,7 +8099,7 @@
         </p:nvCxnSpPr>
         <p:spPr>
           <a:xfrm rot="16200000" flipH="1">
-            <a:off x="3569742" y="4216572"/>
+            <a:off x="3630702" y="4216571"/>
             <a:ext cx="1418832" cy="999988"/>
           </a:xfrm>
           <a:prstGeom prst="bentConnector3">
@@ -8137,7 +8139,7 @@
         </p:nvCxnSpPr>
         <p:spPr>
           <a:xfrm rot="10800000">
-            <a:off x="3524238" y="4007151"/>
+            <a:off x="3585198" y="4007150"/>
             <a:ext cx="1266305" cy="1671707"/>
           </a:xfrm>
           <a:prstGeom prst="bentConnector2">
@@ -8173,7 +8175,7 @@
         </p:nvSpPr>
         <p:spPr>
           <a:xfrm>
-            <a:off x="3767494" y="4635156"/>
+            <a:off x="3828454" y="4635155"/>
             <a:ext cx="1438214" cy="261610"/>
           </a:xfrm>
           <a:prstGeom prst="rect">
@@ -8203,7 +8205,7 @@
         </p:nvSpPr>
         <p:spPr>
           <a:xfrm>
-            <a:off x="3884737" y="5704816"/>
+            <a:off x="3945697" y="5704815"/>
             <a:ext cx="822661" cy="261610"/>
           </a:xfrm>
           <a:prstGeom prst="rect">
@@ -8233,7 +8235,7 @@
         </p:nvSpPr>
         <p:spPr>
           <a:xfrm>
-            <a:off x="449773" y="5059179"/>
+            <a:off x="510733" y="5059178"/>
             <a:ext cx="2820779" cy="1725386"/>
           </a:xfrm>
           <a:prstGeom prst="roundRect">
@@ -8281,7 +8283,7 @@
         </p:nvCxnSpPr>
         <p:spPr>
           <a:xfrm>
-            <a:off x="443816" y="5366604"/>
+            <a:off x="504776" y="5366603"/>
             <a:ext cx="2826736" cy="0"/>
           </a:xfrm>
           <a:prstGeom prst="line">
@@ -8316,7 +8318,7 @@
         </p:nvSpPr>
         <p:spPr>
           <a:xfrm>
-            <a:off x="132937" y="5087702"/>
+            <a:off x="193897" y="5087701"/>
             <a:ext cx="3472793" cy="307777"/>
           </a:xfrm>
           <a:prstGeom prst="rect">
@@ -8355,7 +8357,7 @@
         </p:nvGrpSpPr>
         <p:grpSpPr>
           <a:xfrm>
-            <a:off x="547514" y="5681080"/>
+            <a:off x="608474" y="5681079"/>
             <a:ext cx="869489" cy="523220"/>
             <a:chOff x="3604542" y="3842251"/>
             <a:chExt cx="615340" cy="523220"/>
@@ -8457,7 +8459,7 @@
         </p:nvGrpSpPr>
         <p:grpSpPr>
           <a:xfrm>
-            <a:off x="1195181" y="6334780"/>
+            <a:off x="1256141" y="6334779"/>
             <a:ext cx="1269400" cy="523220"/>
             <a:chOff x="3604542" y="3842251"/>
             <a:chExt cx="615340" cy="523220"/>
@@ -8561,7 +8563,7 @@
         </p:nvCxnSpPr>
         <p:spPr>
           <a:xfrm>
-            <a:off x="1417003" y="5828498"/>
+            <a:off x="1477963" y="5828497"/>
             <a:ext cx="148393" cy="532582"/>
           </a:xfrm>
           <a:prstGeom prst="bentConnector2">
@@ -8597,7 +8599,7 @@
         </p:nvSpPr>
         <p:spPr>
           <a:xfrm>
-            <a:off x="956386" y="5933491"/>
+            <a:off x="1017346" y="5933490"/>
             <a:ext cx="691215" cy="261610"/>
           </a:xfrm>
           <a:prstGeom prst="rect">
@@ -8629,7 +8631,7 @@
         </p:nvCxnSpPr>
         <p:spPr>
           <a:xfrm rot="10800000">
-            <a:off x="905473" y="5949620"/>
+            <a:off x="966433" y="5949619"/>
             <a:ext cx="289708" cy="532579"/>
           </a:xfrm>
           <a:prstGeom prst="bentConnector2">
@@ -8665,7 +8667,7 @@
         </p:nvSpPr>
         <p:spPr>
           <a:xfrm>
-            <a:off x="559865" y="6446354"/>
+            <a:off x="620825" y="6446353"/>
             <a:ext cx="707245" cy="261610"/>
           </a:xfrm>
           <a:prstGeom prst="rect">
@@ -8697,7 +8699,7 @@
         </p:nvCxnSpPr>
         <p:spPr>
           <a:xfrm flipV="1">
-            <a:off x="2464581" y="5966426"/>
+            <a:off x="2525541" y="5966425"/>
             <a:ext cx="505475" cy="515772"/>
           </a:xfrm>
           <a:prstGeom prst="bentConnector2">
@@ -8733,7 +8735,7 @@
         </p:nvGrpSpPr>
         <p:grpSpPr>
           <a:xfrm>
-            <a:off x="2279945" y="5685892"/>
+            <a:off x="2340905" y="5685891"/>
             <a:ext cx="869489" cy="307777"/>
             <a:chOff x="3604542" y="3842251"/>
             <a:chExt cx="615340" cy="307777"/>
@@ -8835,7 +8837,7 @@
         </p:nvSpPr>
         <p:spPr>
           <a:xfrm>
-            <a:off x="1619721" y="6118002"/>
+            <a:off x="1680681" y="6118001"/>
             <a:ext cx="1430200" cy="261610"/>
           </a:xfrm>
           <a:prstGeom prst="rect">
@@ -8868,7 +8870,7 @@
         </p:nvCxnSpPr>
         <p:spPr>
           <a:xfrm rot="16200000" flipV="1">
-            <a:off x="1846068" y="4817270"/>
+            <a:off x="1907028" y="4817269"/>
             <a:ext cx="4812" cy="1732431"/>
           </a:xfrm>
           <a:prstGeom prst="bentConnector3">
@@ -8906,7 +8908,7 @@
         </p:nvSpPr>
         <p:spPr>
           <a:xfrm>
-            <a:off x="1206198" y="5408325"/>
+            <a:off x="1267158" y="5408324"/>
             <a:ext cx="1340432" cy="261610"/>
           </a:xfrm>
           <a:prstGeom prst="rect">
@@ -8936,7 +8938,7 @@
         </p:nvCxnSpPr>
         <p:spPr>
           <a:xfrm rot="5400000" flipH="1" flipV="1">
-            <a:off x="2315971" y="4328076"/>
+            <a:off x="2376931" y="4328075"/>
             <a:ext cx="1048603" cy="406755"/>
           </a:xfrm>
           <a:prstGeom prst="bentConnector3">
@@ -8974,7 +8976,7 @@
         </p:nvSpPr>
         <p:spPr>
           <a:xfrm>
-            <a:off x="2621786" y="4520513"/>
+            <a:off x="2682746" y="4520512"/>
             <a:ext cx="822661" cy="261610"/>
           </a:xfrm>
           <a:prstGeom prst="rect">
@@ -9006,7 +9008,7 @@
         </p:nvCxnSpPr>
         <p:spPr>
           <a:xfrm rot="5400000">
-            <a:off x="1829077" y="4034816"/>
+            <a:off x="1890037" y="4034815"/>
             <a:ext cx="1055449" cy="993276"/>
           </a:xfrm>
           <a:prstGeom prst="bentConnector3">
@@ -9044,7 +9046,7 @@
         </p:nvSpPr>
         <p:spPr>
           <a:xfrm>
-            <a:off x="735163" y="4385706"/>
+            <a:off x="796123" y="4385705"/>
             <a:ext cx="1204176" cy="261610"/>
           </a:xfrm>
           <a:prstGeom prst="rect">
@@ -9070,6 +9072,3702 @@
     <p:extLst>
       <p:ext uri="{BB962C8B-B14F-4D97-AF65-F5344CB8AC3E}">
         <p14:creationId xmlns:p14="http://schemas.microsoft.com/office/powerpoint/2010/main" val="252393015"/>
+      </p:ext>
+    </p:extLst>
+  </p:cSld>
+  <p:clrMapOvr>
+    <a:masterClrMapping/>
+  </p:clrMapOvr>
+</p:sld>
+</file>
+
+<file path=ppt/slides/slide4.xml><?xml version="1.0" encoding="utf-8"?>
+<p:sld xmlns:a="http://schemas.openxmlformats.org/drawingml/2006/main" xmlns:r="http://schemas.openxmlformats.org/officeDocument/2006/relationships" xmlns:p="http://schemas.openxmlformats.org/presentationml/2006/main">
+  <p:cSld>
+    <p:spTree>
+      <p:nvGrpSpPr>
+        <p:cNvPr id="1" name=""/>
+        <p:cNvGrpSpPr/>
+        <p:nvPr/>
+      </p:nvGrpSpPr>
+      <p:grpSpPr>
+        <a:xfrm>
+          <a:off x="0" y="0"/>
+          <a:ext cx="0" cy="0"/>
+          <a:chOff x="0" y="0"/>
+          <a:chExt cx="0" cy="0"/>
+        </a:xfrm>
+      </p:grpSpPr>
+      <p:sp>
+        <p:nvSpPr>
+          <p:cNvPr id="10" name="Rechteck 9"/>
+          <p:cNvSpPr/>
+          <p:nvPr/>
+        </p:nvSpPr>
+        <p:spPr>
+          <a:xfrm>
+            <a:off x="343780" y="5398523"/>
+            <a:ext cx="2204186" cy="1357163"/>
+          </a:xfrm>
+          <a:prstGeom prst="rect">
+            <a:avLst/>
+          </a:prstGeom>
+          <a:solidFill>
+            <a:schemeClr val="bg1"/>
+          </a:solidFill>
+          <a:ln w="19050">
+            <a:solidFill>
+              <a:schemeClr val="tx1"/>
+            </a:solidFill>
+          </a:ln>
+        </p:spPr>
+        <p:style>
+          <a:lnRef idx="2">
+            <a:schemeClr val="accent1">
+              <a:shade val="50000"/>
+            </a:schemeClr>
+          </a:lnRef>
+          <a:fillRef idx="1">
+            <a:schemeClr val="accent1"/>
+          </a:fillRef>
+          <a:effectRef idx="0">
+            <a:schemeClr val="accent1"/>
+          </a:effectRef>
+          <a:fontRef idx="minor">
+            <a:schemeClr val="lt1"/>
+          </a:fontRef>
+        </p:style>
+        <p:txBody>
+          <a:bodyPr rtlCol="0" anchor="t"/>
+          <a:lstStyle/>
+          <a:p>
+            <a:r>
+              <a:rPr lang="de-DE" sz="1200" dirty="0" err="1">
+                <a:solidFill>
+                  <a:schemeClr val="tx1"/>
+                </a:solidFill>
+              </a:rPr>
+              <a:t>v</a:t>
+            </a:r>
+            <a:r>
+              <a:rPr lang="de-DE" sz="1200" dirty="0" err="1" smtClean="0">
+                <a:solidFill>
+                  <a:schemeClr val="tx1"/>
+                </a:solidFill>
+              </a:rPr>
+              <a:t>oid</a:t>
+            </a:r>
+            <a:r>
+              <a:rPr lang="de-DE" sz="1200" dirty="0" smtClean="0">
+                <a:solidFill>
+                  <a:schemeClr val="tx1"/>
+                </a:solidFill>
+              </a:rPr>
+              <a:t> </a:t>
+            </a:r>
+            <a:r>
+              <a:rPr lang="de-DE" sz="1200" dirty="0" err="1" smtClean="0">
+                <a:solidFill>
+                  <a:schemeClr val="tx1"/>
+                </a:solidFill>
+              </a:rPr>
+              <a:t>fetchValues</a:t>
+            </a:r>
+            <a:r>
+              <a:rPr lang="de-DE" sz="1200" dirty="0" smtClean="0">
+                <a:solidFill>
+                  <a:schemeClr val="tx1"/>
+                </a:solidFill>
+              </a:rPr>
+              <a:t>()</a:t>
+            </a:r>
+          </a:p>
+          <a:p>
+            <a:r>
+              <a:rPr lang="de-DE" sz="1200" dirty="0" err="1" smtClean="0">
+                <a:solidFill>
+                  <a:schemeClr val="tx1"/>
+                </a:solidFill>
+              </a:rPr>
+              <a:t>CSensorData</a:t>
+            </a:r>
+            <a:r>
+              <a:rPr lang="de-DE" sz="1200" dirty="0" smtClean="0">
+                <a:solidFill>
+                  <a:schemeClr val="tx1"/>
+                </a:solidFill>
+              </a:rPr>
+              <a:t> </a:t>
+            </a:r>
+            <a:r>
+              <a:rPr lang="de-DE" sz="1200" dirty="0" err="1" smtClean="0">
+                <a:solidFill>
+                  <a:schemeClr val="tx1"/>
+                </a:solidFill>
+              </a:rPr>
+              <a:t>getData</a:t>
+            </a:r>
+            <a:r>
+              <a:rPr lang="de-DE" sz="1200" dirty="0" smtClean="0">
+                <a:solidFill>
+                  <a:schemeClr val="tx1"/>
+                </a:solidFill>
+              </a:rPr>
+              <a:t>()</a:t>
+            </a:r>
+          </a:p>
+          <a:p>
+            <a:r>
+              <a:rPr lang="de-DE" sz="1200" dirty="0" err="1">
+                <a:solidFill>
+                  <a:schemeClr val="tx1"/>
+                </a:solidFill>
+              </a:rPr>
+              <a:t>v</a:t>
+            </a:r>
+            <a:r>
+              <a:rPr lang="de-DE" sz="1200" dirty="0" err="1" smtClean="0">
+                <a:solidFill>
+                  <a:schemeClr val="tx1"/>
+                </a:solidFill>
+              </a:rPr>
+              <a:t>oid</a:t>
+            </a:r>
+            <a:r>
+              <a:rPr lang="de-DE" sz="1200" dirty="0" smtClean="0">
+                <a:solidFill>
+                  <a:schemeClr val="tx1"/>
+                </a:solidFill>
+              </a:rPr>
+              <a:t> </a:t>
+            </a:r>
+            <a:r>
+              <a:rPr lang="de-DE" sz="1200" dirty="0" err="1" smtClean="0">
+                <a:solidFill>
+                  <a:schemeClr val="tx1"/>
+                </a:solidFill>
+              </a:rPr>
+              <a:t>enableMotor</a:t>
+            </a:r>
+            <a:r>
+              <a:rPr lang="de-DE" sz="1200" dirty="0" smtClean="0">
+                <a:solidFill>
+                  <a:schemeClr val="tx1"/>
+                </a:solidFill>
+              </a:rPr>
+              <a:t>()</a:t>
+            </a:r>
+          </a:p>
+          <a:p>
+            <a:r>
+              <a:rPr lang="de-DE" sz="1200" dirty="0" err="1">
+                <a:solidFill>
+                  <a:schemeClr val="tx1"/>
+                </a:solidFill>
+              </a:rPr>
+              <a:t>v</a:t>
+            </a:r>
+            <a:r>
+              <a:rPr lang="de-DE" sz="1200" dirty="0" err="1" smtClean="0">
+                <a:solidFill>
+                  <a:schemeClr val="tx1"/>
+                </a:solidFill>
+              </a:rPr>
+              <a:t>oid</a:t>
+            </a:r>
+            <a:r>
+              <a:rPr lang="de-DE" sz="1200" dirty="0" smtClean="0">
+                <a:solidFill>
+                  <a:schemeClr val="tx1"/>
+                </a:solidFill>
+              </a:rPr>
+              <a:t> </a:t>
+            </a:r>
+            <a:r>
+              <a:rPr lang="de-DE" sz="1200" dirty="0" err="1" smtClean="0">
+                <a:solidFill>
+                  <a:schemeClr val="tx1"/>
+                </a:solidFill>
+              </a:rPr>
+              <a:t>disableMotor</a:t>
+            </a:r>
+            <a:r>
+              <a:rPr lang="de-DE" sz="1200" dirty="0" smtClean="0">
+                <a:solidFill>
+                  <a:schemeClr val="tx1"/>
+                </a:solidFill>
+              </a:rPr>
+              <a:t>()</a:t>
+            </a:r>
+          </a:p>
+          <a:p>
+            <a:r>
+              <a:rPr lang="de-DE" sz="1200" dirty="0" err="1">
+                <a:solidFill>
+                  <a:schemeClr val="tx1"/>
+                </a:solidFill>
+              </a:rPr>
+              <a:t>v</a:t>
+            </a:r>
+            <a:r>
+              <a:rPr lang="de-DE" sz="1200" dirty="0" err="1" smtClean="0">
+                <a:solidFill>
+                  <a:schemeClr val="tx1"/>
+                </a:solidFill>
+              </a:rPr>
+              <a:t>oid</a:t>
+            </a:r>
+            <a:r>
+              <a:rPr lang="de-DE" sz="1200" dirty="0" smtClean="0">
+                <a:solidFill>
+                  <a:schemeClr val="tx1"/>
+                </a:solidFill>
+              </a:rPr>
+              <a:t> </a:t>
+            </a:r>
+            <a:r>
+              <a:rPr lang="de-DE" sz="1200" dirty="0" err="1" smtClean="0">
+                <a:solidFill>
+                  <a:schemeClr val="tx1"/>
+                </a:solidFill>
+              </a:rPr>
+              <a:t>setTorque</a:t>
+            </a:r>
+            <a:r>
+              <a:rPr lang="de-DE" sz="1200" dirty="0" smtClean="0">
+                <a:solidFill>
+                  <a:schemeClr val="tx1"/>
+                </a:solidFill>
+              </a:rPr>
+              <a:t>(Float32 </a:t>
+            </a:r>
+            <a:r>
+              <a:rPr lang="de-DE" sz="1200" dirty="0" err="1" smtClean="0">
+                <a:solidFill>
+                  <a:schemeClr val="tx1"/>
+                </a:solidFill>
+              </a:rPr>
+              <a:t>torque</a:t>
+            </a:r>
+            <a:r>
+              <a:rPr lang="de-DE" sz="1200" dirty="0" smtClean="0">
+                <a:solidFill>
+                  <a:schemeClr val="tx1"/>
+                </a:solidFill>
+              </a:rPr>
+              <a:t>)</a:t>
+            </a:r>
+          </a:p>
+          <a:p>
+            <a:r>
+              <a:rPr lang="de-DE" sz="1200" dirty="0" err="1">
+                <a:solidFill>
+                  <a:schemeClr val="tx1"/>
+                </a:solidFill>
+              </a:rPr>
+              <a:t>v</a:t>
+            </a:r>
+            <a:r>
+              <a:rPr lang="de-DE" sz="1200" dirty="0" err="1" smtClean="0">
+                <a:solidFill>
+                  <a:schemeClr val="tx1"/>
+                </a:solidFill>
+              </a:rPr>
+              <a:t>oid</a:t>
+            </a:r>
+            <a:r>
+              <a:rPr lang="de-DE" sz="1200" dirty="0" smtClean="0">
+                <a:solidFill>
+                  <a:schemeClr val="tx1"/>
+                </a:solidFill>
+              </a:rPr>
+              <a:t> </a:t>
+            </a:r>
+            <a:r>
+              <a:rPr lang="de-DE" sz="1200" dirty="0" err="1" smtClean="0">
+                <a:solidFill>
+                  <a:schemeClr val="tx1"/>
+                </a:solidFill>
+              </a:rPr>
+              <a:t>closeBrake</a:t>
+            </a:r>
+            <a:r>
+              <a:rPr lang="de-DE" sz="1200" dirty="0" smtClean="0">
+                <a:solidFill>
+                  <a:schemeClr val="tx1"/>
+                </a:solidFill>
+              </a:rPr>
+              <a:t>()</a:t>
+            </a:r>
+          </a:p>
+          <a:p>
+            <a:r>
+              <a:rPr lang="de-DE" sz="1200" dirty="0" err="1" smtClean="0">
+                <a:solidFill>
+                  <a:schemeClr val="tx1"/>
+                </a:solidFill>
+              </a:rPr>
+              <a:t>void</a:t>
+            </a:r>
+            <a:r>
+              <a:rPr lang="de-DE" sz="1200" dirty="0" smtClean="0">
+                <a:solidFill>
+                  <a:schemeClr val="tx1"/>
+                </a:solidFill>
+              </a:rPr>
+              <a:t> </a:t>
+            </a:r>
+            <a:r>
+              <a:rPr lang="de-DE" sz="1200" dirty="0" err="1" smtClean="0">
+                <a:solidFill>
+                  <a:schemeClr val="tx1"/>
+                </a:solidFill>
+              </a:rPr>
+              <a:t>openBrake</a:t>
+            </a:r>
+            <a:r>
+              <a:rPr lang="de-DE" sz="1200" dirty="0" smtClean="0">
+                <a:solidFill>
+                  <a:schemeClr val="tx1"/>
+                </a:solidFill>
+              </a:rPr>
+              <a:t>()</a:t>
+            </a:r>
+            <a:endParaRPr lang="de-DE" sz="1200" dirty="0">
+              <a:solidFill>
+                <a:schemeClr val="tx1"/>
+              </a:solidFill>
+            </a:endParaRPr>
+          </a:p>
+        </p:txBody>
+      </p:sp>
+      <p:sp>
+        <p:nvSpPr>
+          <p:cNvPr id="11" name="Rechteck 10"/>
+          <p:cNvSpPr/>
+          <p:nvPr/>
+        </p:nvSpPr>
+        <p:spPr>
+          <a:xfrm>
+            <a:off x="343780" y="4876467"/>
+            <a:ext cx="2204186" cy="522056"/>
+          </a:xfrm>
+          <a:prstGeom prst="rect">
+            <a:avLst/>
+          </a:prstGeom>
+          <a:solidFill>
+            <a:schemeClr val="bg1"/>
+          </a:solidFill>
+          <a:ln w="19050">
+            <a:solidFill>
+              <a:schemeClr val="tx1"/>
+            </a:solidFill>
+          </a:ln>
+        </p:spPr>
+        <p:style>
+          <a:lnRef idx="2">
+            <a:schemeClr val="accent1">
+              <a:shade val="50000"/>
+            </a:schemeClr>
+          </a:lnRef>
+          <a:fillRef idx="1">
+            <a:schemeClr val="accent1"/>
+          </a:fillRef>
+          <a:effectRef idx="0">
+            <a:schemeClr val="accent1"/>
+          </a:effectRef>
+          <a:fontRef idx="minor">
+            <a:schemeClr val="lt1"/>
+          </a:fontRef>
+        </p:style>
+        <p:txBody>
+          <a:bodyPr rtlCol="0" anchor="ctr"/>
+          <a:lstStyle/>
+          <a:p>
+            <a:pPr algn="ctr"/>
+            <a:r>
+              <a:rPr lang="de-DE" sz="1400" i="1" dirty="0" smtClean="0">
+                <a:solidFill>
+                  <a:schemeClr val="tx1"/>
+                </a:solidFill>
+              </a:rPr>
+              <a:t>&lt;</a:t>
+            </a:r>
+            <a:r>
+              <a:rPr lang="de-DE" sz="1400" i="1" dirty="0" err="1" smtClean="0">
+                <a:solidFill>
+                  <a:schemeClr val="tx1"/>
+                </a:solidFill>
+              </a:rPr>
+              <a:t>class</a:t>
+            </a:r>
+            <a:r>
+              <a:rPr lang="de-DE" sz="1400" i="1" dirty="0" smtClean="0">
+                <a:solidFill>
+                  <a:schemeClr val="tx1"/>
+                </a:solidFill>
+              </a:rPr>
+              <a:t>&gt;</a:t>
+            </a:r>
+            <a:endParaRPr lang="de-DE" sz="1400" dirty="0" smtClean="0">
+              <a:solidFill>
+                <a:srgbClr val="002060"/>
+              </a:solidFill>
+            </a:endParaRPr>
+          </a:p>
+          <a:p>
+            <a:pPr algn="ctr"/>
+            <a:r>
+              <a:rPr lang="de-DE" sz="1400" b="1" dirty="0" err="1" smtClean="0">
+                <a:solidFill>
+                  <a:srgbClr val="002060"/>
+                </a:solidFill>
+              </a:rPr>
+              <a:t>CHardware</a:t>
+            </a:r>
+            <a:endParaRPr lang="de-DE" sz="1400" b="1" dirty="0">
+              <a:solidFill>
+                <a:srgbClr val="002060"/>
+              </a:solidFill>
+            </a:endParaRPr>
+          </a:p>
+        </p:txBody>
+      </p:sp>
+      <p:sp>
+        <p:nvSpPr>
+          <p:cNvPr id="14" name="Rechteck 13"/>
+          <p:cNvSpPr/>
+          <p:nvPr/>
+        </p:nvSpPr>
+        <p:spPr>
+          <a:xfrm>
+            <a:off x="641824" y="3770708"/>
+            <a:ext cx="1665171" cy="835107"/>
+          </a:xfrm>
+          <a:prstGeom prst="rect">
+            <a:avLst/>
+          </a:prstGeom>
+          <a:solidFill>
+            <a:schemeClr val="bg1"/>
+          </a:solidFill>
+          <a:ln w="19050">
+            <a:solidFill>
+              <a:schemeClr val="tx1"/>
+            </a:solidFill>
+          </a:ln>
+        </p:spPr>
+        <p:style>
+          <a:lnRef idx="2">
+            <a:schemeClr val="accent1">
+              <a:shade val="50000"/>
+            </a:schemeClr>
+          </a:lnRef>
+          <a:fillRef idx="1">
+            <a:schemeClr val="accent1"/>
+          </a:fillRef>
+          <a:effectRef idx="0">
+            <a:schemeClr val="accent1"/>
+          </a:effectRef>
+          <a:fontRef idx="minor">
+            <a:schemeClr val="lt1"/>
+          </a:fontRef>
+        </p:style>
+        <p:txBody>
+          <a:bodyPr rtlCol="0" anchor="t"/>
+          <a:lstStyle/>
+          <a:p>
+            <a:r>
+              <a:rPr lang="de-DE" sz="1200" dirty="0" err="1">
+                <a:solidFill>
+                  <a:schemeClr val="tx1"/>
+                </a:solidFill>
+              </a:rPr>
+              <a:t>v</a:t>
+            </a:r>
+            <a:r>
+              <a:rPr lang="de-DE" sz="1200" dirty="0" err="1" smtClean="0">
+                <a:solidFill>
+                  <a:schemeClr val="tx1"/>
+                </a:solidFill>
+              </a:rPr>
+              <a:t>oid</a:t>
+            </a:r>
+            <a:r>
+              <a:rPr lang="de-DE" sz="1200" dirty="0" smtClean="0">
+                <a:solidFill>
+                  <a:schemeClr val="tx1"/>
+                </a:solidFill>
+              </a:rPr>
+              <a:t> </a:t>
+            </a:r>
+            <a:r>
+              <a:rPr lang="de-DE" sz="1200" dirty="0" err="1" smtClean="0">
+                <a:solidFill>
+                  <a:schemeClr val="tx1"/>
+                </a:solidFill>
+              </a:rPr>
+              <a:t>calculateValues</a:t>
+            </a:r>
+            <a:r>
+              <a:rPr lang="de-DE" sz="1200" dirty="0" smtClean="0">
+                <a:solidFill>
+                  <a:schemeClr val="tx1"/>
+                </a:solidFill>
+              </a:rPr>
+              <a:t>()</a:t>
+            </a:r>
+          </a:p>
+          <a:p>
+            <a:r>
+              <a:rPr lang="de-DE" sz="1200" dirty="0" smtClean="0">
+                <a:solidFill>
+                  <a:schemeClr val="tx1"/>
+                </a:solidFill>
+              </a:rPr>
+              <a:t>Float32 </a:t>
+            </a:r>
+            <a:r>
+              <a:rPr lang="de-DE" sz="1200" dirty="0" err="1" smtClean="0">
+                <a:solidFill>
+                  <a:schemeClr val="tx1"/>
+                </a:solidFill>
+              </a:rPr>
+              <a:t>getPhi</a:t>
+            </a:r>
+            <a:r>
+              <a:rPr lang="de-DE" sz="1200" dirty="0" smtClean="0">
+                <a:solidFill>
+                  <a:schemeClr val="tx1"/>
+                </a:solidFill>
+              </a:rPr>
+              <a:t>()</a:t>
+            </a:r>
+          </a:p>
+          <a:p>
+            <a:r>
+              <a:rPr lang="de-DE" sz="1200" dirty="0" smtClean="0">
+                <a:solidFill>
+                  <a:schemeClr val="tx1"/>
+                </a:solidFill>
+              </a:rPr>
+              <a:t>Float32 </a:t>
+            </a:r>
+            <a:r>
+              <a:rPr lang="de-DE" sz="1200" dirty="0" err="1" smtClean="0">
+                <a:solidFill>
+                  <a:schemeClr val="tx1"/>
+                </a:solidFill>
+              </a:rPr>
+              <a:t>getPhi</a:t>
+            </a:r>
+            <a:r>
+              <a:rPr lang="de-DE" sz="1200" dirty="0" smtClean="0">
+                <a:solidFill>
+                  <a:schemeClr val="tx1"/>
+                </a:solidFill>
+              </a:rPr>
+              <a:t>__d()</a:t>
+            </a:r>
+          </a:p>
+          <a:p>
+            <a:r>
+              <a:rPr lang="de-DE" sz="1200" dirty="0" smtClean="0">
+                <a:solidFill>
+                  <a:schemeClr val="tx1"/>
+                </a:solidFill>
+              </a:rPr>
+              <a:t>Float32 </a:t>
+            </a:r>
+            <a:r>
+              <a:rPr lang="de-DE" sz="1200" dirty="0" err="1" smtClean="0">
+                <a:solidFill>
+                  <a:schemeClr val="tx1"/>
+                </a:solidFill>
+              </a:rPr>
+              <a:t>getPsi</a:t>
+            </a:r>
+            <a:r>
+              <a:rPr lang="de-DE" sz="1200" dirty="0" smtClean="0">
+                <a:solidFill>
+                  <a:schemeClr val="tx1"/>
+                </a:solidFill>
+              </a:rPr>
+              <a:t>__d()</a:t>
+            </a:r>
+            <a:endParaRPr lang="de-DE" sz="1200" dirty="0">
+              <a:solidFill>
+                <a:schemeClr val="tx1"/>
+              </a:solidFill>
+            </a:endParaRPr>
+          </a:p>
+        </p:txBody>
+      </p:sp>
+      <p:sp>
+        <p:nvSpPr>
+          <p:cNvPr id="15" name="Rechteck 14"/>
+          <p:cNvSpPr/>
+          <p:nvPr/>
+        </p:nvSpPr>
+        <p:spPr>
+          <a:xfrm>
+            <a:off x="641824" y="3248652"/>
+            <a:ext cx="1665171" cy="522056"/>
+          </a:xfrm>
+          <a:prstGeom prst="rect">
+            <a:avLst/>
+          </a:prstGeom>
+          <a:solidFill>
+            <a:schemeClr val="bg1"/>
+          </a:solidFill>
+          <a:ln w="19050">
+            <a:solidFill>
+              <a:schemeClr val="tx1"/>
+            </a:solidFill>
+          </a:ln>
+        </p:spPr>
+        <p:style>
+          <a:lnRef idx="2">
+            <a:schemeClr val="accent1">
+              <a:shade val="50000"/>
+            </a:schemeClr>
+          </a:lnRef>
+          <a:fillRef idx="1">
+            <a:schemeClr val="accent1"/>
+          </a:fillRef>
+          <a:effectRef idx="0">
+            <a:schemeClr val="accent1"/>
+          </a:effectRef>
+          <a:fontRef idx="minor">
+            <a:schemeClr val="lt1"/>
+          </a:fontRef>
+        </p:style>
+        <p:txBody>
+          <a:bodyPr rtlCol="0" anchor="ctr"/>
+          <a:lstStyle/>
+          <a:p>
+            <a:pPr algn="ctr"/>
+            <a:r>
+              <a:rPr lang="de-DE" sz="1400" i="1" dirty="0" smtClean="0">
+                <a:solidFill>
+                  <a:schemeClr val="tx1"/>
+                </a:solidFill>
+              </a:rPr>
+              <a:t>&lt;</a:t>
+            </a:r>
+            <a:r>
+              <a:rPr lang="de-DE" sz="1400" i="1" dirty="0" err="1" smtClean="0">
+                <a:solidFill>
+                  <a:schemeClr val="tx1"/>
+                </a:solidFill>
+              </a:rPr>
+              <a:t>class</a:t>
+            </a:r>
+            <a:r>
+              <a:rPr lang="de-DE" sz="1400" i="1" dirty="0" smtClean="0">
+                <a:solidFill>
+                  <a:schemeClr val="tx1"/>
+                </a:solidFill>
+              </a:rPr>
+              <a:t>&gt;</a:t>
+            </a:r>
+          </a:p>
+          <a:p>
+            <a:pPr algn="ctr"/>
+            <a:r>
+              <a:rPr lang="de-DE" sz="1400" b="1" dirty="0" err="1" smtClean="0">
+                <a:solidFill>
+                  <a:srgbClr val="002060"/>
+                </a:solidFill>
+              </a:rPr>
+              <a:t>CSensorEvaluation</a:t>
+            </a:r>
+            <a:endParaRPr lang="de-DE" sz="1400" b="1" dirty="0">
+              <a:solidFill>
+                <a:srgbClr val="002060"/>
+              </a:solidFill>
+            </a:endParaRPr>
+          </a:p>
+        </p:txBody>
+      </p:sp>
+      <p:sp>
+        <p:nvSpPr>
+          <p:cNvPr id="16" name="Rechteck 15"/>
+          <p:cNvSpPr/>
+          <p:nvPr/>
+        </p:nvSpPr>
+        <p:spPr>
+          <a:xfrm>
+            <a:off x="6976208" y="2401018"/>
+            <a:ext cx="2487903" cy="1210261"/>
+          </a:xfrm>
+          <a:prstGeom prst="rect">
+            <a:avLst/>
+          </a:prstGeom>
+          <a:solidFill>
+            <a:schemeClr val="bg1"/>
+          </a:solidFill>
+          <a:ln w="19050">
+            <a:solidFill>
+              <a:schemeClr val="tx1"/>
+            </a:solidFill>
+          </a:ln>
+        </p:spPr>
+        <p:style>
+          <a:lnRef idx="2">
+            <a:schemeClr val="accent1">
+              <a:shade val="50000"/>
+            </a:schemeClr>
+          </a:lnRef>
+          <a:fillRef idx="1">
+            <a:schemeClr val="accent1"/>
+          </a:fillRef>
+          <a:effectRef idx="0">
+            <a:schemeClr val="accent1"/>
+          </a:effectRef>
+          <a:fontRef idx="minor">
+            <a:schemeClr val="lt1"/>
+          </a:fontRef>
+        </p:style>
+        <p:txBody>
+          <a:bodyPr rtlCol="0" anchor="t"/>
+          <a:lstStyle/>
+          <a:p>
+            <a:r>
+              <a:rPr lang="de-DE" sz="1200" dirty="0" smtClean="0">
+                <a:solidFill>
+                  <a:schemeClr val="tx1"/>
+                </a:solidFill>
+              </a:rPr>
+              <a:t>Float32 </a:t>
+            </a:r>
+            <a:r>
+              <a:rPr lang="de-DE" sz="1200" dirty="0" err="1" smtClean="0">
+                <a:solidFill>
+                  <a:schemeClr val="tx1"/>
+                </a:solidFill>
+              </a:rPr>
+              <a:t>calcTorque</a:t>
+            </a:r>
+            <a:r>
+              <a:rPr lang="de-DE" sz="1200" dirty="0" smtClean="0">
+                <a:solidFill>
+                  <a:schemeClr val="tx1"/>
+                </a:solidFill>
+              </a:rPr>
+              <a:t>(Float32 </a:t>
+            </a:r>
+            <a:r>
+              <a:rPr lang="de-DE" sz="1200" dirty="0" err="1" smtClean="0">
+                <a:solidFill>
+                  <a:schemeClr val="tx1"/>
+                </a:solidFill>
+              </a:rPr>
+              <a:t>phi</a:t>
+            </a:r>
+            <a:r>
+              <a:rPr lang="de-DE" sz="1200" dirty="0" smtClean="0">
+                <a:solidFill>
+                  <a:schemeClr val="tx1"/>
+                </a:solidFill>
+              </a:rPr>
+              <a:t>, 	        Float32 </a:t>
+            </a:r>
+            <a:r>
+              <a:rPr lang="de-DE" sz="1200" dirty="0" err="1" smtClean="0">
+                <a:solidFill>
+                  <a:schemeClr val="tx1"/>
+                </a:solidFill>
+              </a:rPr>
+              <a:t>phi</a:t>
+            </a:r>
+            <a:r>
+              <a:rPr lang="de-DE" sz="1200" dirty="0" smtClean="0">
+                <a:solidFill>
+                  <a:schemeClr val="tx1"/>
+                </a:solidFill>
+              </a:rPr>
+              <a:t>__d, 	        Float32 </a:t>
+            </a:r>
+            <a:r>
+              <a:rPr lang="de-DE" sz="1200" dirty="0" err="1" smtClean="0">
+                <a:solidFill>
+                  <a:schemeClr val="tx1"/>
+                </a:solidFill>
+              </a:rPr>
+              <a:t>psi</a:t>
+            </a:r>
+            <a:r>
+              <a:rPr lang="de-DE" sz="1200" dirty="0" smtClean="0">
+                <a:solidFill>
+                  <a:schemeClr val="tx1"/>
+                </a:solidFill>
+              </a:rPr>
+              <a:t>__d)</a:t>
+            </a:r>
+          </a:p>
+          <a:p>
+            <a:r>
+              <a:rPr lang="de-DE" sz="1200" dirty="0" err="1">
+                <a:solidFill>
+                  <a:schemeClr val="tx1"/>
+                </a:solidFill>
+              </a:rPr>
+              <a:t>v</a:t>
+            </a:r>
+            <a:r>
+              <a:rPr lang="de-DE" sz="1200" dirty="0" err="1" smtClean="0">
+                <a:solidFill>
+                  <a:schemeClr val="tx1"/>
+                </a:solidFill>
+              </a:rPr>
+              <a:t>oid</a:t>
+            </a:r>
+            <a:r>
+              <a:rPr lang="de-DE" sz="1200" dirty="0" smtClean="0">
+                <a:solidFill>
+                  <a:schemeClr val="tx1"/>
+                </a:solidFill>
+              </a:rPr>
+              <a:t> </a:t>
+            </a:r>
+            <a:r>
+              <a:rPr lang="de-DE" sz="1200" dirty="0" err="1" smtClean="0">
+                <a:solidFill>
+                  <a:schemeClr val="tx1"/>
+                </a:solidFill>
+              </a:rPr>
+              <a:t>setPhiOffset</a:t>
+            </a:r>
+            <a:r>
+              <a:rPr lang="de-DE" sz="1200" dirty="0" smtClean="0">
+                <a:solidFill>
+                  <a:schemeClr val="tx1"/>
+                </a:solidFill>
+              </a:rPr>
+              <a:t>(Float32 </a:t>
+            </a:r>
+            <a:r>
+              <a:rPr lang="de-DE" sz="1200" dirty="0" err="1" smtClean="0">
+                <a:solidFill>
+                  <a:schemeClr val="tx1"/>
+                </a:solidFill>
+              </a:rPr>
+              <a:t>offset</a:t>
+            </a:r>
+            <a:r>
+              <a:rPr lang="de-DE" sz="1200" dirty="0" smtClean="0">
+                <a:solidFill>
+                  <a:schemeClr val="tx1"/>
+                </a:solidFill>
+              </a:rPr>
+              <a:t>)</a:t>
+            </a:r>
+          </a:p>
+          <a:p>
+            <a:r>
+              <a:rPr lang="de-DE" sz="1200" dirty="0" err="1">
+                <a:solidFill>
+                  <a:schemeClr val="tx1"/>
+                </a:solidFill>
+              </a:rPr>
+              <a:t>v</a:t>
+            </a:r>
+            <a:r>
+              <a:rPr lang="de-DE" sz="1200" dirty="0" err="1" smtClean="0">
+                <a:solidFill>
+                  <a:schemeClr val="tx1"/>
+                </a:solidFill>
+              </a:rPr>
+              <a:t>oid</a:t>
+            </a:r>
+            <a:r>
+              <a:rPr lang="de-DE" sz="1200" dirty="0" smtClean="0">
+                <a:solidFill>
+                  <a:schemeClr val="tx1"/>
+                </a:solidFill>
+              </a:rPr>
+              <a:t> </a:t>
+            </a:r>
+            <a:r>
+              <a:rPr lang="de-DE" sz="1200" dirty="0" err="1" smtClean="0">
+                <a:solidFill>
+                  <a:schemeClr val="tx1"/>
+                </a:solidFill>
+              </a:rPr>
+              <a:t>setPhi</a:t>
+            </a:r>
+            <a:r>
+              <a:rPr lang="de-DE" sz="1200" dirty="0" smtClean="0">
+                <a:solidFill>
+                  <a:schemeClr val="tx1"/>
+                </a:solidFill>
+              </a:rPr>
+              <a:t>__</a:t>
+            </a:r>
+            <a:r>
+              <a:rPr lang="de-DE" sz="1200" dirty="0" err="1" smtClean="0">
+                <a:solidFill>
+                  <a:schemeClr val="tx1"/>
+                </a:solidFill>
+              </a:rPr>
+              <a:t>dOffset</a:t>
+            </a:r>
+            <a:r>
+              <a:rPr lang="de-DE" sz="1200" dirty="0" smtClean="0">
+                <a:solidFill>
+                  <a:schemeClr val="tx1"/>
+                </a:solidFill>
+              </a:rPr>
+              <a:t>(Float32 </a:t>
+            </a:r>
+            <a:r>
+              <a:rPr lang="de-DE" sz="1200" dirty="0" err="1" smtClean="0">
+                <a:solidFill>
+                  <a:schemeClr val="tx1"/>
+                </a:solidFill>
+              </a:rPr>
+              <a:t>offset</a:t>
+            </a:r>
+            <a:r>
+              <a:rPr lang="de-DE" sz="1200" dirty="0" smtClean="0">
+                <a:solidFill>
+                  <a:schemeClr val="tx1"/>
+                </a:solidFill>
+              </a:rPr>
+              <a:t>)</a:t>
+            </a:r>
+          </a:p>
+          <a:p>
+            <a:r>
+              <a:rPr lang="de-DE" sz="1200" dirty="0" err="1">
+                <a:solidFill>
+                  <a:schemeClr val="tx1"/>
+                </a:solidFill>
+              </a:rPr>
+              <a:t>v</a:t>
+            </a:r>
+            <a:r>
+              <a:rPr lang="de-DE" sz="1200" dirty="0" err="1" smtClean="0">
+                <a:solidFill>
+                  <a:schemeClr val="tx1"/>
+                </a:solidFill>
+              </a:rPr>
+              <a:t>oid</a:t>
+            </a:r>
+            <a:r>
+              <a:rPr lang="de-DE" sz="1200" dirty="0" smtClean="0">
+                <a:solidFill>
+                  <a:schemeClr val="tx1"/>
+                </a:solidFill>
+              </a:rPr>
+              <a:t> </a:t>
+            </a:r>
+            <a:r>
+              <a:rPr lang="de-DE" sz="1200" dirty="0" err="1" smtClean="0">
+                <a:solidFill>
+                  <a:schemeClr val="tx1"/>
+                </a:solidFill>
+              </a:rPr>
+              <a:t>setPsi</a:t>
+            </a:r>
+            <a:r>
+              <a:rPr lang="de-DE" sz="1200" dirty="0" smtClean="0">
+                <a:solidFill>
+                  <a:schemeClr val="tx1"/>
+                </a:solidFill>
+              </a:rPr>
+              <a:t>__</a:t>
+            </a:r>
+            <a:r>
+              <a:rPr lang="de-DE" sz="1200" dirty="0" err="1" smtClean="0">
+                <a:solidFill>
+                  <a:schemeClr val="tx1"/>
+                </a:solidFill>
+              </a:rPr>
+              <a:t>dOffset</a:t>
+            </a:r>
+            <a:r>
+              <a:rPr lang="de-DE" sz="1200" dirty="0" smtClean="0">
+                <a:solidFill>
+                  <a:schemeClr val="tx1"/>
+                </a:solidFill>
+              </a:rPr>
+              <a:t>(Float32 </a:t>
+            </a:r>
+            <a:r>
+              <a:rPr lang="de-DE" sz="1200" dirty="0" err="1" smtClean="0">
+                <a:solidFill>
+                  <a:schemeClr val="tx1"/>
+                </a:solidFill>
+              </a:rPr>
+              <a:t>offset</a:t>
+            </a:r>
+            <a:r>
+              <a:rPr lang="de-DE" sz="1200" dirty="0" smtClean="0">
+                <a:solidFill>
+                  <a:schemeClr val="tx1"/>
+                </a:solidFill>
+              </a:rPr>
+              <a:t>)</a:t>
+            </a:r>
+            <a:endParaRPr lang="de-DE" sz="1200" dirty="0">
+              <a:solidFill>
+                <a:schemeClr val="tx1"/>
+              </a:solidFill>
+            </a:endParaRPr>
+          </a:p>
+        </p:txBody>
+      </p:sp>
+      <p:sp>
+        <p:nvSpPr>
+          <p:cNvPr id="17" name="Rechteck 16"/>
+          <p:cNvSpPr/>
+          <p:nvPr/>
+        </p:nvSpPr>
+        <p:spPr>
+          <a:xfrm>
+            <a:off x="6976208" y="1878962"/>
+            <a:ext cx="2487903" cy="522056"/>
+          </a:xfrm>
+          <a:prstGeom prst="rect">
+            <a:avLst/>
+          </a:prstGeom>
+          <a:solidFill>
+            <a:schemeClr val="bg1"/>
+          </a:solidFill>
+          <a:ln w="19050">
+            <a:solidFill>
+              <a:schemeClr val="tx1"/>
+            </a:solidFill>
+          </a:ln>
+        </p:spPr>
+        <p:style>
+          <a:lnRef idx="2">
+            <a:schemeClr val="accent1">
+              <a:shade val="50000"/>
+            </a:schemeClr>
+          </a:lnRef>
+          <a:fillRef idx="1">
+            <a:schemeClr val="accent1"/>
+          </a:fillRef>
+          <a:effectRef idx="0">
+            <a:schemeClr val="accent1"/>
+          </a:effectRef>
+          <a:fontRef idx="minor">
+            <a:schemeClr val="lt1"/>
+          </a:fontRef>
+        </p:style>
+        <p:txBody>
+          <a:bodyPr rtlCol="0" anchor="ctr"/>
+          <a:lstStyle/>
+          <a:p>
+            <a:pPr algn="ctr"/>
+            <a:r>
+              <a:rPr lang="de-DE" sz="1400" i="1" dirty="0" smtClean="0">
+                <a:solidFill>
+                  <a:schemeClr val="tx1"/>
+                </a:solidFill>
+              </a:rPr>
+              <a:t>&lt;</a:t>
+            </a:r>
+            <a:r>
+              <a:rPr lang="de-DE" sz="1400" i="1" dirty="0" err="1" smtClean="0">
+                <a:solidFill>
+                  <a:schemeClr val="tx1"/>
+                </a:solidFill>
+              </a:rPr>
+              <a:t>class</a:t>
+            </a:r>
+            <a:r>
+              <a:rPr lang="de-DE" sz="1400" i="1" dirty="0" smtClean="0">
+                <a:solidFill>
+                  <a:schemeClr val="tx1"/>
+                </a:solidFill>
+              </a:rPr>
+              <a:t>&gt;</a:t>
+            </a:r>
+          </a:p>
+          <a:p>
+            <a:pPr algn="ctr"/>
+            <a:r>
+              <a:rPr lang="de-DE" sz="1400" b="1" dirty="0" smtClean="0">
+                <a:solidFill>
+                  <a:srgbClr val="002060"/>
+                </a:solidFill>
+              </a:rPr>
+              <a:t>CLQR</a:t>
+            </a:r>
+            <a:endParaRPr lang="de-DE" sz="1400" b="1" dirty="0">
+              <a:solidFill>
+                <a:srgbClr val="002060"/>
+              </a:solidFill>
+            </a:endParaRPr>
+          </a:p>
+        </p:txBody>
+      </p:sp>
+      <p:sp>
+        <p:nvSpPr>
+          <p:cNvPr id="18" name="Rechteck 17"/>
+          <p:cNvSpPr/>
+          <p:nvPr/>
+        </p:nvSpPr>
+        <p:spPr>
+          <a:xfrm>
+            <a:off x="69224" y="2741834"/>
+            <a:ext cx="2808746" cy="323821"/>
+          </a:xfrm>
+          <a:prstGeom prst="rect">
+            <a:avLst/>
+          </a:prstGeom>
+          <a:solidFill>
+            <a:schemeClr val="bg1"/>
+          </a:solidFill>
+          <a:ln w="19050">
+            <a:solidFill>
+              <a:schemeClr val="tx1"/>
+            </a:solidFill>
+          </a:ln>
+        </p:spPr>
+        <p:style>
+          <a:lnRef idx="2">
+            <a:schemeClr val="accent1">
+              <a:shade val="50000"/>
+            </a:schemeClr>
+          </a:lnRef>
+          <a:fillRef idx="1">
+            <a:schemeClr val="accent1"/>
+          </a:fillRef>
+          <a:effectRef idx="0">
+            <a:schemeClr val="accent1"/>
+          </a:effectRef>
+          <a:fontRef idx="minor">
+            <a:schemeClr val="lt1"/>
+          </a:fontRef>
+        </p:style>
+        <p:txBody>
+          <a:bodyPr rtlCol="0" anchor="t"/>
+          <a:lstStyle/>
+          <a:p>
+            <a:r>
+              <a:rPr lang="de-DE" sz="1200" dirty="0" smtClean="0">
+                <a:solidFill>
+                  <a:schemeClr val="tx1"/>
+                </a:solidFill>
+              </a:rPr>
+              <a:t>Float32 </a:t>
+            </a:r>
+            <a:r>
+              <a:rPr lang="de-DE" sz="1200" dirty="0" err="1" smtClean="0">
+                <a:solidFill>
+                  <a:schemeClr val="tx1"/>
+                </a:solidFill>
+              </a:rPr>
+              <a:t>calcValue</a:t>
+            </a:r>
+            <a:r>
+              <a:rPr lang="de-DE" sz="1200" dirty="0" smtClean="0">
+                <a:solidFill>
+                  <a:schemeClr val="tx1"/>
+                </a:solidFill>
+              </a:rPr>
+              <a:t>(Float32 x, Float32 </a:t>
+            </a:r>
+            <a:r>
+              <a:rPr lang="de-DE" sz="1200" dirty="0" err="1" smtClean="0">
+                <a:solidFill>
+                  <a:schemeClr val="tx1"/>
+                </a:solidFill>
+              </a:rPr>
+              <a:t>x__d</a:t>
+            </a:r>
+            <a:r>
+              <a:rPr lang="de-DE" sz="1200" dirty="0" smtClean="0">
+                <a:solidFill>
+                  <a:schemeClr val="tx1"/>
+                </a:solidFill>
+              </a:rPr>
+              <a:t>)</a:t>
+            </a:r>
+            <a:endParaRPr lang="de-DE" sz="1200" dirty="0">
+              <a:solidFill>
+                <a:schemeClr val="tx1"/>
+              </a:solidFill>
+            </a:endParaRPr>
+          </a:p>
+        </p:txBody>
+      </p:sp>
+      <p:sp>
+        <p:nvSpPr>
+          <p:cNvPr id="19" name="Rechteck 18"/>
+          <p:cNvSpPr/>
+          <p:nvPr/>
+        </p:nvSpPr>
+        <p:spPr>
+          <a:xfrm>
+            <a:off x="69224" y="2219778"/>
+            <a:ext cx="2808746" cy="522056"/>
+          </a:xfrm>
+          <a:prstGeom prst="rect">
+            <a:avLst/>
+          </a:prstGeom>
+          <a:solidFill>
+            <a:schemeClr val="bg1"/>
+          </a:solidFill>
+          <a:ln w="19050">
+            <a:solidFill>
+              <a:schemeClr val="tx1"/>
+            </a:solidFill>
+          </a:ln>
+        </p:spPr>
+        <p:style>
+          <a:lnRef idx="2">
+            <a:schemeClr val="accent1">
+              <a:shade val="50000"/>
+            </a:schemeClr>
+          </a:lnRef>
+          <a:fillRef idx="1">
+            <a:schemeClr val="accent1"/>
+          </a:fillRef>
+          <a:effectRef idx="0">
+            <a:schemeClr val="accent1"/>
+          </a:effectRef>
+          <a:fontRef idx="minor">
+            <a:schemeClr val="lt1"/>
+          </a:fontRef>
+        </p:style>
+        <p:txBody>
+          <a:bodyPr rtlCol="0" anchor="ctr"/>
+          <a:lstStyle/>
+          <a:p>
+            <a:pPr algn="ctr"/>
+            <a:r>
+              <a:rPr lang="de-DE" sz="1400" i="1" dirty="0" smtClean="0">
+                <a:solidFill>
+                  <a:schemeClr val="tx1"/>
+                </a:solidFill>
+              </a:rPr>
+              <a:t>&lt;</a:t>
+            </a:r>
+            <a:r>
+              <a:rPr lang="de-DE" sz="1400" i="1" dirty="0" err="1" smtClean="0">
+                <a:solidFill>
+                  <a:schemeClr val="tx1"/>
+                </a:solidFill>
+              </a:rPr>
+              <a:t>class</a:t>
+            </a:r>
+            <a:r>
+              <a:rPr lang="de-DE" sz="1400" i="1" dirty="0" smtClean="0">
+                <a:solidFill>
+                  <a:schemeClr val="tx1"/>
+                </a:solidFill>
+              </a:rPr>
+              <a:t>&gt;</a:t>
+            </a:r>
+          </a:p>
+          <a:p>
+            <a:pPr algn="ctr"/>
+            <a:r>
+              <a:rPr lang="de-DE" sz="1400" b="1" dirty="0" err="1" smtClean="0">
+                <a:solidFill>
+                  <a:srgbClr val="002060"/>
+                </a:solidFill>
+              </a:rPr>
+              <a:t>TKalmanFilter</a:t>
+            </a:r>
+            <a:endParaRPr lang="de-DE" sz="1400" b="1" dirty="0">
+              <a:solidFill>
+                <a:srgbClr val="002060"/>
+              </a:solidFill>
+            </a:endParaRPr>
+          </a:p>
+        </p:txBody>
+      </p:sp>
+      <p:sp>
+        <p:nvSpPr>
+          <p:cNvPr id="20" name="Rechteck 19"/>
+          <p:cNvSpPr/>
+          <p:nvPr/>
+        </p:nvSpPr>
+        <p:spPr>
+          <a:xfrm>
+            <a:off x="3685741" y="2744931"/>
+            <a:ext cx="2487903" cy="1617731"/>
+          </a:xfrm>
+          <a:prstGeom prst="rect">
+            <a:avLst/>
+          </a:prstGeom>
+          <a:solidFill>
+            <a:schemeClr val="bg1"/>
+          </a:solidFill>
+          <a:ln w="19050">
+            <a:solidFill>
+              <a:schemeClr val="tx1"/>
+            </a:solidFill>
+          </a:ln>
+        </p:spPr>
+        <p:style>
+          <a:lnRef idx="2">
+            <a:schemeClr val="accent1">
+              <a:shade val="50000"/>
+            </a:schemeClr>
+          </a:lnRef>
+          <a:fillRef idx="1">
+            <a:schemeClr val="accent1"/>
+          </a:fillRef>
+          <a:effectRef idx="0">
+            <a:schemeClr val="accent1"/>
+          </a:effectRef>
+          <a:fontRef idx="minor">
+            <a:schemeClr val="lt1"/>
+          </a:fontRef>
+        </p:style>
+        <p:txBody>
+          <a:bodyPr rtlCol="0" anchor="t"/>
+          <a:lstStyle/>
+          <a:p>
+            <a:r>
+              <a:rPr lang="de-DE" sz="1200" dirty="0" err="1">
+                <a:solidFill>
+                  <a:schemeClr val="tx1"/>
+                </a:solidFill>
+              </a:rPr>
+              <a:t>v</a:t>
+            </a:r>
+            <a:r>
+              <a:rPr lang="de-DE" sz="1200" dirty="0" err="1" smtClean="0">
+                <a:solidFill>
+                  <a:schemeClr val="tx1"/>
+                </a:solidFill>
+              </a:rPr>
+              <a:t>oid</a:t>
+            </a:r>
+            <a:r>
+              <a:rPr lang="de-DE" sz="1200" dirty="0" smtClean="0">
+                <a:solidFill>
+                  <a:schemeClr val="tx1"/>
+                </a:solidFill>
+              </a:rPr>
+              <a:t> </a:t>
+            </a:r>
+            <a:r>
+              <a:rPr lang="de-DE" sz="1200" dirty="0" err="1" smtClean="0">
+                <a:solidFill>
+                  <a:schemeClr val="tx1"/>
+                </a:solidFill>
+              </a:rPr>
+              <a:t>sampleSensors</a:t>
+            </a:r>
+            <a:r>
+              <a:rPr lang="de-DE" sz="1200" dirty="0" smtClean="0">
+                <a:solidFill>
+                  <a:schemeClr val="tx1"/>
+                </a:solidFill>
+              </a:rPr>
+              <a:t>()</a:t>
+            </a:r>
+          </a:p>
+          <a:p>
+            <a:r>
+              <a:rPr lang="de-DE" sz="1200" dirty="0" err="1">
+                <a:solidFill>
+                  <a:schemeClr val="tx1"/>
+                </a:solidFill>
+              </a:rPr>
+              <a:t>v</a:t>
+            </a:r>
+            <a:r>
+              <a:rPr lang="de-DE" sz="1200" dirty="0" err="1" smtClean="0">
+                <a:solidFill>
+                  <a:schemeClr val="tx1"/>
+                </a:solidFill>
+              </a:rPr>
+              <a:t>oid</a:t>
+            </a:r>
+            <a:r>
+              <a:rPr lang="de-DE" sz="1200" dirty="0" smtClean="0">
+                <a:solidFill>
+                  <a:schemeClr val="tx1"/>
+                </a:solidFill>
+              </a:rPr>
+              <a:t> </a:t>
+            </a:r>
+            <a:r>
+              <a:rPr lang="de-DE" sz="1200" dirty="0" err="1" smtClean="0">
+                <a:solidFill>
+                  <a:schemeClr val="tx1"/>
+                </a:solidFill>
+              </a:rPr>
+              <a:t>sampleADC</a:t>
+            </a:r>
+            <a:r>
+              <a:rPr lang="de-DE" sz="1200" dirty="0" smtClean="0">
+                <a:solidFill>
+                  <a:schemeClr val="tx1"/>
+                </a:solidFill>
+              </a:rPr>
+              <a:t>()</a:t>
+            </a:r>
+          </a:p>
+          <a:p>
+            <a:r>
+              <a:rPr lang="de-DE" sz="1200" dirty="0" err="1">
+                <a:solidFill>
+                  <a:schemeClr val="tx1"/>
+                </a:solidFill>
+              </a:rPr>
+              <a:t>v</a:t>
+            </a:r>
+            <a:r>
+              <a:rPr lang="de-DE" sz="1200" dirty="0" err="1" smtClean="0">
+                <a:solidFill>
+                  <a:schemeClr val="tx1"/>
+                </a:solidFill>
+              </a:rPr>
+              <a:t>oid</a:t>
+            </a:r>
+            <a:r>
+              <a:rPr lang="de-DE" sz="1200" dirty="0" smtClean="0">
+                <a:solidFill>
+                  <a:schemeClr val="tx1"/>
+                </a:solidFill>
+              </a:rPr>
+              <a:t> </a:t>
+            </a:r>
+            <a:r>
+              <a:rPr lang="de-DE" sz="1200" dirty="0" err="1" smtClean="0">
+                <a:solidFill>
+                  <a:schemeClr val="tx1"/>
+                </a:solidFill>
+              </a:rPr>
+              <a:t>sampleCPsiIdentification</a:t>
+            </a:r>
+            <a:r>
+              <a:rPr lang="de-DE" sz="1200" dirty="0" smtClean="0">
+                <a:solidFill>
+                  <a:schemeClr val="tx1"/>
+                </a:solidFill>
+              </a:rPr>
+              <a:t>()</a:t>
+            </a:r>
+          </a:p>
+          <a:p>
+            <a:r>
+              <a:rPr lang="de-DE" sz="1200" dirty="0" err="1">
+                <a:solidFill>
+                  <a:schemeClr val="tx1"/>
+                </a:solidFill>
+              </a:rPr>
+              <a:t>v</a:t>
+            </a:r>
+            <a:r>
+              <a:rPr lang="de-DE" sz="1200" dirty="0" err="1" smtClean="0">
+                <a:solidFill>
+                  <a:schemeClr val="tx1"/>
+                </a:solidFill>
+              </a:rPr>
+              <a:t>oid</a:t>
+            </a:r>
+            <a:r>
+              <a:rPr lang="de-DE" sz="1200" dirty="0" smtClean="0">
+                <a:solidFill>
+                  <a:schemeClr val="tx1"/>
+                </a:solidFill>
+              </a:rPr>
+              <a:t> </a:t>
+            </a:r>
+            <a:r>
+              <a:rPr lang="de-DE" sz="1200" dirty="0" err="1" smtClean="0">
+                <a:solidFill>
+                  <a:schemeClr val="tx1"/>
+                </a:solidFill>
+              </a:rPr>
+              <a:t>sampleCPhiIdentification</a:t>
+            </a:r>
+            <a:r>
+              <a:rPr lang="de-DE" sz="1200" dirty="0" smtClean="0">
+                <a:solidFill>
+                  <a:schemeClr val="tx1"/>
+                </a:solidFill>
+              </a:rPr>
+              <a:t>()</a:t>
+            </a:r>
+          </a:p>
+          <a:p>
+            <a:r>
+              <a:rPr lang="de-DE" sz="1200" dirty="0" err="1">
+                <a:solidFill>
+                  <a:schemeClr val="tx1"/>
+                </a:solidFill>
+              </a:rPr>
+              <a:t>v</a:t>
+            </a:r>
+            <a:r>
+              <a:rPr lang="de-DE" sz="1200" dirty="0" err="1" smtClean="0">
+                <a:solidFill>
+                  <a:schemeClr val="tx1"/>
+                </a:solidFill>
+              </a:rPr>
+              <a:t>oid</a:t>
+            </a:r>
+            <a:r>
+              <a:rPr lang="de-DE" sz="1200" dirty="0" smtClean="0">
+                <a:solidFill>
+                  <a:schemeClr val="tx1"/>
+                </a:solidFill>
+              </a:rPr>
+              <a:t> </a:t>
+            </a:r>
+            <a:r>
+              <a:rPr lang="de-DE" sz="1200" dirty="0" err="1" smtClean="0">
+                <a:solidFill>
+                  <a:schemeClr val="tx1"/>
+                </a:solidFill>
+              </a:rPr>
+              <a:t>sampleControlTest</a:t>
+            </a:r>
+            <a:r>
+              <a:rPr lang="de-DE" sz="1200" dirty="0" smtClean="0">
+                <a:solidFill>
+                  <a:schemeClr val="tx1"/>
+                </a:solidFill>
+              </a:rPr>
+              <a:t>()</a:t>
+            </a:r>
+          </a:p>
+          <a:p>
+            <a:r>
+              <a:rPr lang="de-DE" sz="1200" dirty="0" err="1">
+                <a:solidFill>
+                  <a:schemeClr val="tx1"/>
+                </a:solidFill>
+              </a:rPr>
+              <a:t>v</a:t>
+            </a:r>
+            <a:r>
+              <a:rPr lang="de-DE" sz="1200" dirty="0" err="1" smtClean="0">
+                <a:solidFill>
+                  <a:schemeClr val="tx1"/>
+                </a:solidFill>
+              </a:rPr>
+              <a:t>oid</a:t>
+            </a:r>
+            <a:r>
+              <a:rPr lang="de-DE" sz="1200" dirty="0" smtClean="0">
+                <a:solidFill>
+                  <a:schemeClr val="tx1"/>
+                </a:solidFill>
+              </a:rPr>
+              <a:t> </a:t>
+            </a:r>
+            <a:r>
+              <a:rPr lang="de-DE" sz="1200" dirty="0" err="1" smtClean="0">
+                <a:solidFill>
+                  <a:schemeClr val="tx1"/>
+                </a:solidFill>
+              </a:rPr>
+              <a:t>sampleJumpTest</a:t>
+            </a:r>
+            <a:r>
+              <a:rPr lang="de-DE" sz="1200" dirty="0" smtClean="0">
+                <a:solidFill>
+                  <a:schemeClr val="tx1"/>
+                </a:solidFill>
+              </a:rPr>
+              <a:t>()</a:t>
+            </a:r>
+            <a:endParaRPr lang="de-DE" sz="1200" dirty="0">
+              <a:solidFill>
+                <a:schemeClr val="tx1"/>
+              </a:solidFill>
+            </a:endParaRPr>
+          </a:p>
+        </p:txBody>
+      </p:sp>
+      <p:sp>
+        <p:nvSpPr>
+          <p:cNvPr id="21" name="Rechteck 20"/>
+          <p:cNvSpPr/>
+          <p:nvPr/>
+        </p:nvSpPr>
+        <p:spPr>
+          <a:xfrm>
+            <a:off x="3685741" y="2222875"/>
+            <a:ext cx="2487903" cy="522056"/>
+          </a:xfrm>
+          <a:prstGeom prst="rect">
+            <a:avLst/>
+          </a:prstGeom>
+          <a:solidFill>
+            <a:schemeClr val="bg1"/>
+          </a:solidFill>
+          <a:ln w="19050">
+            <a:solidFill>
+              <a:schemeClr val="tx1"/>
+            </a:solidFill>
+          </a:ln>
+        </p:spPr>
+        <p:style>
+          <a:lnRef idx="2">
+            <a:schemeClr val="accent1">
+              <a:shade val="50000"/>
+            </a:schemeClr>
+          </a:lnRef>
+          <a:fillRef idx="1">
+            <a:schemeClr val="accent1"/>
+          </a:fillRef>
+          <a:effectRef idx="0">
+            <a:schemeClr val="accent1"/>
+          </a:effectRef>
+          <a:fontRef idx="minor">
+            <a:schemeClr val="lt1"/>
+          </a:fontRef>
+        </p:style>
+        <p:txBody>
+          <a:bodyPr rtlCol="0" anchor="ctr"/>
+          <a:lstStyle/>
+          <a:p>
+            <a:pPr algn="ctr"/>
+            <a:r>
+              <a:rPr lang="de-DE" sz="1400" i="1" dirty="0" smtClean="0">
+                <a:solidFill>
+                  <a:schemeClr val="tx1"/>
+                </a:solidFill>
+              </a:rPr>
+              <a:t>&lt;</a:t>
+            </a:r>
+            <a:r>
+              <a:rPr lang="de-DE" sz="1400" i="1" dirty="0" err="1" smtClean="0">
+                <a:solidFill>
+                  <a:schemeClr val="tx1"/>
+                </a:solidFill>
+              </a:rPr>
+              <a:t>class</a:t>
+            </a:r>
+            <a:r>
+              <a:rPr lang="de-DE" sz="1400" i="1" dirty="0" smtClean="0">
+                <a:solidFill>
+                  <a:schemeClr val="tx1"/>
+                </a:solidFill>
+              </a:rPr>
+              <a:t>&gt;</a:t>
+            </a:r>
+          </a:p>
+          <a:p>
+            <a:pPr algn="ctr"/>
+            <a:r>
+              <a:rPr lang="de-DE" sz="1400" b="1" dirty="0" err="1" smtClean="0">
+                <a:solidFill>
+                  <a:srgbClr val="002060"/>
+                </a:solidFill>
+              </a:rPr>
+              <a:t>CControlAction</a:t>
+            </a:r>
+            <a:endParaRPr lang="de-DE" sz="1400" b="1" dirty="0">
+              <a:solidFill>
+                <a:srgbClr val="002060"/>
+              </a:solidFill>
+            </a:endParaRPr>
+          </a:p>
+        </p:txBody>
+      </p:sp>
+      <p:sp>
+        <p:nvSpPr>
+          <p:cNvPr id="22" name="Rechteck 21"/>
+          <p:cNvSpPr/>
+          <p:nvPr/>
+        </p:nvSpPr>
+        <p:spPr>
+          <a:xfrm>
+            <a:off x="7051660" y="5415988"/>
+            <a:ext cx="2487903" cy="1357163"/>
+          </a:xfrm>
+          <a:prstGeom prst="rect">
+            <a:avLst/>
+          </a:prstGeom>
+          <a:solidFill>
+            <a:schemeClr val="bg1"/>
+          </a:solidFill>
+          <a:ln w="19050">
+            <a:solidFill>
+              <a:schemeClr val="tx1"/>
+            </a:solidFill>
+          </a:ln>
+        </p:spPr>
+        <p:style>
+          <a:lnRef idx="2">
+            <a:schemeClr val="accent1">
+              <a:shade val="50000"/>
+            </a:schemeClr>
+          </a:lnRef>
+          <a:fillRef idx="1">
+            <a:schemeClr val="accent1"/>
+          </a:fillRef>
+          <a:effectRef idx="0">
+            <a:schemeClr val="accent1"/>
+          </a:effectRef>
+          <a:fontRef idx="minor">
+            <a:schemeClr val="lt1"/>
+          </a:fontRef>
+        </p:style>
+        <p:txBody>
+          <a:bodyPr rtlCol="0" anchor="t"/>
+          <a:lstStyle/>
+          <a:p>
+            <a:r>
+              <a:rPr lang="de-DE" sz="1200" dirty="0" smtClean="0">
+                <a:solidFill>
+                  <a:schemeClr val="tx1"/>
+                </a:solidFill>
+              </a:rPr>
+              <a:t>Float32 </a:t>
+            </a:r>
+            <a:r>
+              <a:rPr lang="de-DE" sz="1200" dirty="0" err="1" smtClean="0">
+                <a:solidFill>
+                  <a:schemeClr val="tx1"/>
+                </a:solidFill>
+              </a:rPr>
+              <a:t>calcTorque</a:t>
+            </a:r>
+            <a:r>
+              <a:rPr lang="de-DE" sz="1200" dirty="0" smtClean="0">
+                <a:solidFill>
+                  <a:schemeClr val="tx1"/>
+                </a:solidFill>
+              </a:rPr>
+              <a:t>(Float32 </a:t>
+            </a:r>
+            <a:r>
+              <a:rPr lang="de-DE" sz="1200" dirty="0" err="1" smtClean="0">
+                <a:solidFill>
+                  <a:schemeClr val="tx1"/>
+                </a:solidFill>
+              </a:rPr>
+              <a:t>phi</a:t>
+            </a:r>
+            <a:r>
+              <a:rPr lang="de-DE" sz="1200" dirty="0" smtClean="0">
+                <a:solidFill>
+                  <a:schemeClr val="tx1"/>
+                </a:solidFill>
+              </a:rPr>
+              <a:t>, 	        Float32 </a:t>
+            </a:r>
+            <a:r>
+              <a:rPr lang="de-DE" sz="1200" dirty="0" err="1" smtClean="0">
+                <a:solidFill>
+                  <a:schemeClr val="tx1"/>
+                </a:solidFill>
+              </a:rPr>
+              <a:t>phi</a:t>
+            </a:r>
+            <a:r>
+              <a:rPr lang="de-DE" sz="1200" dirty="0" smtClean="0">
+                <a:solidFill>
+                  <a:schemeClr val="tx1"/>
+                </a:solidFill>
+              </a:rPr>
+              <a:t>__d, 	        Float32 </a:t>
+            </a:r>
+            <a:r>
+              <a:rPr lang="de-DE" sz="1200" dirty="0" err="1" smtClean="0">
+                <a:solidFill>
+                  <a:schemeClr val="tx1"/>
+                </a:solidFill>
+              </a:rPr>
+              <a:t>psi</a:t>
+            </a:r>
+            <a:r>
+              <a:rPr lang="de-DE" sz="1200" dirty="0" smtClean="0">
+                <a:solidFill>
+                  <a:schemeClr val="tx1"/>
+                </a:solidFill>
+              </a:rPr>
+              <a:t>__d)</a:t>
+            </a:r>
+          </a:p>
+          <a:p>
+            <a:r>
+              <a:rPr lang="de-DE" sz="1200" dirty="0" err="1">
+                <a:solidFill>
+                  <a:schemeClr val="tx1"/>
+                </a:solidFill>
+              </a:rPr>
+              <a:t>v</a:t>
+            </a:r>
+            <a:r>
+              <a:rPr lang="de-DE" sz="1200" dirty="0" err="1" smtClean="0">
+                <a:solidFill>
+                  <a:schemeClr val="tx1"/>
+                </a:solidFill>
+              </a:rPr>
+              <a:t>oid</a:t>
+            </a:r>
+            <a:r>
+              <a:rPr lang="de-DE" sz="1200" dirty="0" smtClean="0">
+                <a:solidFill>
+                  <a:schemeClr val="tx1"/>
+                </a:solidFill>
+              </a:rPr>
+              <a:t> </a:t>
+            </a:r>
+            <a:r>
+              <a:rPr lang="de-DE" sz="1200" dirty="0" err="1" smtClean="0">
+                <a:solidFill>
+                  <a:schemeClr val="tx1"/>
+                </a:solidFill>
+              </a:rPr>
+              <a:t>setPhiOffset</a:t>
+            </a:r>
+            <a:r>
+              <a:rPr lang="de-DE" sz="1200" dirty="0" smtClean="0">
+                <a:solidFill>
+                  <a:schemeClr val="tx1"/>
+                </a:solidFill>
+              </a:rPr>
+              <a:t>(Float32 </a:t>
+            </a:r>
+            <a:r>
+              <a:rPr lang="de-DE" sz="1200" dirty="0" err="1" smtClean="0">
+                <a:solidFill>
+                  <a:schemeClr val="tx1"/>
+                </a:solidFill>
+              </a:rPr>
+              <a:t>offset</a:t>
+            </a:r>
+            <a:r>
+              <a:rPr lang="de-DE" sz="1200" dirty="0" smtClean="0">
+                <a:solidFill>
+                  <a:schemeClr val="tx1"/>
+                </a:solidFill>
+              </a:rPr>
+              <a:t>)</a:t>
+            </a:r>
+          </a:p>
+          <a:p>
+            <a:r>
+              <a:rPr lang="de-DE" sz="1200" dirty="0" err="1">
+                <a:solidFill>
+                  <a:schemeClr val="tx1"/>
+                </a:solidFill>
+              </a:rPr>
+              <a:t>v</a:t>
+            </a:r>
+            <a:r>
+              <a:rPr lang="de-DE" sz="1200" dirty="0" err="1" smtClean="0">
+                <a:solidFill>
+                  <a:schemeClr val="tx1"/>
+                </a:solidFill>
+              </a:rPr>
+              <a:t>oid</a:t>
+            </a:r>
+            <a:r>
+              <a:rPr lang="de-DE" sz="1200" dirty="0" smtClean="0">
+                <a:solidFill>
+                  <a:schemeClr val="tx1"/>
+                </a:solidFill>
+              </a:rPr>
+              <a:t> </a:t>
+            </a:r>
+            <a:r>
+              <a:rPr lang="de-DE" sz="1200" dirty="0" err="1" smtClean="0">
+                <a:solidFill>
+                  <a:schemeClr val="tx1"/>
+                </a:solidFill>
+              </a:rPr>
+              <a:t>setPhi</a:t>
+            </a:r>
+            <a:r>
+              <a:rPr lang="de-DE" sz="1200" dirty="0" smtClean="0">
+                <a:solidFill>
+                  <a:schemeClr val="tx1"/>
+                </a:solidFill>
+              </a:rPr>
+              <a:t>__</a:t>
+            </a:r>
+            <a:r>
+              <a:rPr lang="de-DE" sz="1200" dirty="0" err="1" smtClean="0">
+                <a:solidFill>
+                  <a:schemeClr val="tx1"/>
+                </a:solidFill>
+              </a:rPr>
+              <a:t>dOffset</a:t>
+            </a:r>
+            <a:r>
+              <a:rPr lang="de-DE" sz="1200" dirty="0" smtClean="0">
+                <a:solidFill>
+                  <a:schemeClr val="tx1"/>
+                </a:solidFill>
+              </a:rPr>
+              <a:t>(Float32 </a:t>
+            </a:r>
+            <a:r>
+              <a:rPr lang="de-DE" sz="1200" dirty="0" err="1" smtClean="0">
+                <a:solidFill>
+                  <a:schemeClr val="tx1"/>
+                </a:solidFill>
+              </a:rPr>
+              <a:t>offset</a:t>
+            </a:r>
+            <a:r>
+              <a:rPr lang="de-DE" sz="1200" dirty="0" smtClean="0">
+                <a:solidFill>
+                  <a:schemeClr val="tx1"/>
+                </a:solidFill>
+              </a:rPr>
+              <a:t>)</a:t>
+            </a:r>
+          </a:p>
+          <a:p>
+            <a:r>
+              <a:rPr lang="de-DE" sz="1200" dirty="0" err="1">
+                <a:solidFill>
+                  <a:schemeClr val="tx1"/>
+                </a:solidFill>
+              </a:rPr>
+              <a:t>v</a:t>
+            </a:r>
+            <a:r>
+              <a:rPr lang="de-DE" sz="1200" dirty="0" err="1" smtClean="0">
+                <a:solidFill>
+                  <a:schemeClr val="tx1"/>
+                </a:solidFill>
+              </a:rPr>
+              <a:t>oid</a:t>
+            </a:r>
+            <a:r>
+              <a:rPr lang="de-DE" sz="1200" dirty="0" smtClean="0">
+                <a:solidFill>
+                  <a:schemeClr val="tx1"/>
+                </a:solidFill>
+              </a:rPr>
+              <a:t> </a:t>
+            </a:r>
+            <a:r>
+              <a:rPr lang="de-DE" sz="1200" dirty="0" err="1" smtClean="0">
+                <a:solidFill>
+                  <a:schemeClr val="tx1"/>
+                </a:solidFill>
+              </a:rPr>
+              <a:t>setPsi</a:t>
+            </a:r>
+            <a:r>
+              <a:rPr lang="de-DE" sz="1200" dirty="0" smtClean="0">
+                <a:solidFill>
+                  <a:schemeClr val="tx1"/>
+                </a:solidFill>
+              </a:rPr>
+              <a:t>__</a:t>
+            </a:r>
+            <a:r>
+              <a:rPr lang="de-DE" sz="1200" dirty="0" err="1" smtClean="0">
+                <a:solidFill>
+                  <a:schemeClr val="tx1"/>
+                </a:solidFill>
+              </a:rPr>
+              <a:t>dOffset</a:t>
+            </a:r>
+            <a:r>
+              <a:rPr lang="de-DE" sz="1200" dirty="0" smtClean="0">
+                <a:solidFill>
+                  <a:schemeClr val="tx1"/>
+                </a:solidFill>
+              </a:rPr>
+              <a:t>(Float32 </a:t>
+            </a:r>
+            <a:r>
+              <a:rPr lang="de-DE" sz="1200" dirty="0" err="1" smtClean="0">
+                <a:solidFill>
+                  <a:schemeClr val="tx1"/>
+                </a:solidFill>
+              </a:rPr>
+              <a:t>offset</a:t>
+            </a:r>
+            <a:r>
+              <a:rPr lang="de-DE" sz="1200" dirty="0" smtClean="0">
+                <a:solidFill>
+                  <a:schemeClr val="tx1"/>
+                </a:solidFill>
+              </a:rPr>
+              <a:t>)</a:t>
+            </a:r>
+            <a:endParaRPr lang="de-DE" sz="1200" dirty="0">
+              <a:solidFill>
+                <a:schemeClr val="tx1"/>
+              </a:solidFill>
+            </a:endParaRPr>
+          </a:p>
+        </p:txBody>
+      </p:sp>
+      <p:sp>
+        <p:nvSpPr>
+          <p:cNvPr id="23" name="Rechteck 22"/>
+          <p:cNvSpPr/>
+          <p:nvPr/>
+        </p:nvSpPr>
+        <p:spPr>
+          <a:xfrm>
+            <a:off x="7051660" y="4893932"/>
+            <a:ext cx="2487903" cy="522056"/>
+          </a:xfrm>
+          <a:prstGeom prst="rect">
+            <a:avLst/>
+          </a:prstGeom>
+          <a:solidFill>
+            <a:schemeClr val="bg1"/>
+          </a:solidFill>
+          <a:ln w="19050">
+            <a:solidFill>
+              <a:schemeClr val="tx1"/>
+            </a:solidFill>
+          </a:ln>
+        </p:spPr>
+        <p:style>
+          <a:lnRef idx="2">
+            <a:schemeClr val="accent1">
+              <a:shade val="50000"/>
+            </a:schemeClr>
+          </a:lnRef>
+          <a:fillRef idx="1">
+            <a:schemeClr val="accent1"/>
+          </a:fillRef>
+          <a:effectRef idx="0">
+            <a:schemeClr val="accent1"/>
+          </a:effectRef>
+          <a:fontRef idx="minor">
+            <a:schemeClr val="lt1"/>
+          </a:fontRef>
+        </p:style>
+        <p:txBody>
+          <a:bodyPr rtlCol="0" anchor="ctr"/>
+          <a:lstStyle/>
+          <a:p>
+            <a:pPr algn="ctr"/>
+            <a:r>
+              <a:rPr lang="de-DE" sz="1400" i="1" dirty="0" smtClean="0">
+                <a:solidFill>
+                  <a:schemeClr val="tx1"/>
+                </a:solidFill>
+              </a:rPr>
+              <a:t>&lt;</a:t>
+            </a:r>
+            <a:r>
+              <a:rPr lang="de-DE" sz="1400" i="1" dirty="0" err="1" smtClean="0">
+                <a:solidFill>
+                  <a:schemeClr val="tx1"/>
+                </a:solidFill>
+              </a:rPr>
+              <a:t>class</a:t>
+            </a:r>
+            <a:r>
+              <a:rPr lang="de-DE" sz="1400" i="1" dirty="0" smtClean="0">
+                <a:solidFill>
+                  <a:schemeClr val="tx1"/>
+                </a:solidFill>
+              </a:rPr>
+              <a:t>&gt;</a:t>
+            </a:r>
+          </a:p>
+          <a:p>
+            <a:pPr algn="ctr"/>
+            <a:r>
+              <a:rPr lang="de-DE" sz="1400" b="1" dirty="0" err="1" smtClean="0">
+                <a:solidFill>
+                  <a:srgbClr val="002060"/>
+                </a:solidFill>
+              </a:rPr>
+              <a:t>CComplementaryFilter</a:t>
+            </a:r>
+            <a:endParaRPr lang="de-DE" sz="1400" b="1" dirty="0">
+              <a:solidFill>
+                <a:srgbClr val="002060"/>
+              </a:solidFill>
+            </a:endParaRPr>
+          </a:p>
+        </p:txBody>
+      </p:sp>
+      <p:sp>
+        <p:nvSpPr>
+          <p:cNvPr id="24" name="Rechteck 23"/>
+          <p:cNvSpPr/>
+          <p:nvPr/>
+        </p:nvSpPr>
+        <p:spPr>
+          <a:xfrm>
+            <a:off x="7051660" y="4369125"/>
+            <a:ext cx="2487903" cy="269965"/>
+          </a:xfrm>
+          <a:prstGeom prst="rect">
+            <a:avLst/>
+          </a:prstGeom>
+          <a:solidFill>
+            <a:schemeClr val="bg1"/>
+          </a:solidFill>
+          <a:ln w="19050">
+            <a:solidFill>
+              <a:schemeClr val="tx1"/>
+            </a:solidFill>
+          </a:ln>
+        </p:spPr>
+        <p:style>
+          <a:lnRef idx="2">
+            <a:schemeClr val="accent1">
+              <a:shade val="50000"/>
+            </a:schemeClr>
+          </a:lnRef>
+          <a:fillRef idx="1">
+            <a:schemeClr val="accent1"/>
+          </a:fillRef>
+          <a:effectRef idx="0">
+            <a:schemeClr val="accent1"/>
+          </a:effectRef>
+          <a:fontRef idx="minor">
+            <a:schemeClr val="lt1"/>
+          </a:fontRef>
+        </p:style>
+        <p:txBody>
+          <a:bodyPr rtlCol="0" anchor="t"/>
+          <a:lstStyle/>
+          <a:p>
+            <a:r>
+              <a:rPr lang="de-DE" sz="1200" dirty="0" smtClean="0">
+                <a:solidFill>
+                  <a:schemeClr val="tx1"/>
+                </a:solidFill>
+              </a:rPr>
+              <a:t>Float32 </a:t>
+            </a:r>
+            <a:r>
+              <a:rPr lang="de-DE" sz="1200" dirty="0" err="1" smtClean="0">
+                <a:solidFill>
+                  <a:schemeClr val="tx1"/>
+                </a:solidFill>
+              </a:rPr>
+              <a:t>calcValue</a:t>
+            </a:r>
+            <a:r>
+              <a:rPr lang="de-DE" sz="1200" dirty="0" smtClean="0">
+                <a:solidFill>
+                  <a:schemeClr val="tx1"/>
+                </a:solidFill>
+              </a:rPr>
+              <a:t>(Float32 x)</a:t>
+            </a:r>
+          </a:p>
+        </p:txBody>
+      </p:sp>
+      <p:sp>
+        <p:nvSpPr>
+          <p:cNvPr id="25" name="Rechteck 24"/>
+          <p:cNvSpPr/>
+          <p:nvPr/>
+        </p:nvSpPr>
+        <p:spPr>
+          <a:xfrm>
+            <a:off x="7051660" y="3847069"/>
+            <a:ext cx="2487903" cy="522056"/>
+          </a:xfrm>
+          <a:prstGeom prst="rect">
+            <a:avLst/>
+          </a:prstGeom>
+          <a:solidFill>
+            <a:schemeClr val="bg1"/>
+          </a:solidFill>
+          <a:ln w="19050">
+            <a:solidFill>
+              <a:schemeClr val="tx1"/>
+            </a:solidFill>
+          </a:ln>
+        </p:spPr>
+        <p:style>
+          <a:lnRef idx="2">
+            <a:schemeClr val="accent1">
+              <a:shade val="50000"/>
+            </a:schemeClr>
+          </a:lnRef>
+          <a:fillRef idx="1">
+            <a:schemeClr val="accent1"/>
+          </a:fillRef>
+          <a:effectRef idx="0">
+            <a:schemeClr val="accent1"/>
+          </a:effectRef>
+          <a:fontRef idx="minor">
+            <a:schemeClr val="lt1"/>
+          </a:fontRef>
+        </p:style>
+        <p:txBody>
+          <a:bodyPr rtlCol="0" anchor="ctr"/>
+          <a:lstStyle/>
+          <a:p>
+            <a:pPr algn="ctr"/>
+            <a:r>
+              <a:rPr lang="de-DE" sz="1400" i="1" dirty="0" smtClean="0">
+                <a:solidFill>
+                  <a:schemeClr val="tx1"/>
+                </a:solidFill>
+              </a:rPr>
+              <a:t>&lt;</a:t>
+            </a:r>
+            <a:r>
+              <a:rPr lang="de-DE" sz="1400" i="1" dirty="0" err="1" smtClean="0">
+                <a:solidFill>
+                  <a:schemeClr val="tx1"/>
+                </a:solidFill>
+              </a:rPr>
+              <a:t>class</a:t>
+            </a:r>
+            <a:r>
+              <a:rPr lang="de-DE" sz="1400" i="1" dirty="0" smtClean="0">
+                <a:solidFill>
+                  <a:schemeClr val="tx1"/>
+                </a:solidFill>
+              </a:rPr>
+              <a:t>&gt;</a:t>
+            </a:r>
+          </a:p>
+          <a:p>
+            <a:pPr algn="ctr"/>
+            <a:r>
+              <a:rPr lang="de-DE" sz="1400" b="1" dirty="0" err="1" smtClean="0">
+                <a:solidFill>
+                  <a:srgbClr val="002060"/>
+                </a:solidFill>
+              </a:rPr>
+              <a:t>TFloatingMean</a:t>
+            </a:r>
+            <a:endParaRPr lang="de-DE" sz="1400" b="1" dirty="0">
+              <a:solidFill>
+                <a:srgbClr val="002060"/>
+              </a:solidFill>
+            </a:endParaRPr>
+          </a:p>
+        </p:txBody>
+      </p:sp>
+      <p:sp>
+        <p:nvSpPr>
+          <p:cNvPr id="26" name="Rechteck 25"/>
+          <p:cNvSpPr/>
+          <p:nvPr/>
+        </p:nvSpPr>
+        <p:spPr>
+          <a:xfrm>
+            <a:off x="3685740" y="4362663"/>
+            <a:ext cx="2487903" cy="2139675"/>
+          </a:xfrm>
+          <a:prstGeom prst="rect">
+            <a:avLst/>
+          </a:prstGeom>
+          <a:solidFill>
+            <a:schemeClr val="bg1"/>
+          </a:solidFill>
+          <a:ln w="19050">
+            <a:solidFill>
+              <a:schemeClr val="tx1"/>
+            </a:solidFill>
+          </a:ln>
+        </p:spPr>
+        <p:style>
+          <a:lnRef idx="2">
+            <a:schemeClr val="accent1">
+              <a:shade val="50000"/>
+            </a:schemeClr>
+          </a:lnRef>
+          <a:fillRef idx="1">
+            <a:schemeClr val="accent1"/>
+          </a:fillRef>
+          <a:effectRef idx="0">
+            <a:schemeClr val="accent1"/>
+          </a:effectRef>
+          <a:fontRef idx="minor">
+            <a:schemeClr val="lt1"/>
+          </a:fontRef>
+        </p:style>
+        <p:txBody>
+          <a:bodyPr rtlCol="0" anchor="t"/>
+          <a:lstStyle/>
+          <a:p>
+            <a:r>
+              <a:rPr lang="de-DE" sz="1200" dirty="0" err="1" smtClean="0">
+                <a:solidFill>
+                  <a:schemeClr val="tx1"/>
+                </a:solidFill>
+              </a:rPr>
+              <a:t>TKalmanFilter</a:t>
+            </a:r>
+            <a:r>
+              <a:rPr lang="de-DE" sz="1200" dirty="0" smtClean="0">
+                <a:solidFill>
+                  <a:schemeClr val="tx1"/>
+                </a:solidFill>
+              </a:rPr>
+              <a:t> </a:t>
+            </a:r>
+            <a:r>
+              <a:rPr lang="de-DE" sz="1200" dirty="0" err="1" smtClean="0">
+                <a:solidFill>
+                  <a:schemeClr val="tx1"/>
+                </a:solidFill>
+              </a:rPr>
+              <a:t>mPhiKalman</a:t>
+            </a:r>
+            <a:endParaRPr lang="de-DE" sz="1200" dirty="0">
+              <a:solidFill>
+                <a:schemeClr val="tx1"/>
+              </a:solidFill>
+            </a:endParaRPr>
+          </a:p>
+          <a:p>
+            <a:r>
+              <a:rPr lang="de-DE" sz="1200" dirty="0" err="1" smtClean="0">
+                <a:solidFill>
+                  <a:schemeClr val="tx1"/>
+                </a:solidFill>
+              </a:rPr>
+              <a:t>TKalmanFilter</a:t>
+            </a:r>
+            <a:r>
+              <a:rPr lang="de-DE" sz="1200" dirty="0" smtClean="0">
+                <a:solidFill>
+                  <a:schemeClr val="tx1"/>
+                </a:solidFill>
+              </a:rPr>
+              <a:t> </a:t>
+            </a:r>
+            <a:r>
+              <a:rPr lang="de-DE" sz="1200" dirty="0" err="1" smtClean="0">
+                <a:solidFill>
+                  <a:schemeClr val="tx1"/>
+                </a:solidFill>
+              </a:rPr>
+              <a:t>mPhi</a:t>
+            </a:r>
+            <a:r>
+              <a:rPr lang="de-DE" sz="1200" dirty="0" smtClean="0">
+                <a:solidFill>
+                  <a:schemeClr val="tx1"/>
+                </a:solidFill>
+              </a:rPr>
+              <a:t>__</a:t>
+            </a:r>
+            <a:r>
+              <a:rPr lang="de-DE" sz="1200" dirty="0" err="1" smtClean="0">
+                <a:solidFill>
+                  <a:schemeClr val="tx1"/>
+                </a:solidFill>
+              </a:rPr>
+              <a:t>dKalman</a:t>
+            </a:r>
+            <a:endParaRPr lang="de-DE" sz="1200" dirty="0" smtClean="0">
+              <a:solidFill>
+                <a:schemeClr val="tx1"/>
+              </a:solidFill>
+            </a:endParaRPr>
+          </a:p>
+          <a:p>
+            <a:r>
+              <a:rPr lang="de-DE" sz="1200" dirty="0" err="1" smtClean="0">
+                <a:solidFill>
+                  <a:schemeClr val="tx1"/>
+                </a:solidFill>
+              </a:rPr>
+              <a:t>CComplementaryFilter</a:t>
+            </a:r>
+            <a:r>
+              <a:rPr lang="de-DE" sz="1200" dirty="0" smtClean="0">
+                <a:solidFill>
+                  <a:schemeClr val="tx1"/>
+                </a:solidFill>
+              </a:rPr>
+              <a:t> </a:t>
+            </a:r>
+            <a:r>
+              <a:rPr lang="de-DE" sz="1200" dirty="0" err="1" smtClean="0">
+                <a:solidFill>
+                  <a:schemeClr val="tx1"/>
+                </a:solidFill>
+              </a:rPr>
+              <a:t>mPhiComp</a:t>
+            </a:r>
+            <a:endParaRPr lang="de-DE" sz="1200" dirty="0" smtClean="0">
+              <a:solidFill>
+                <a:schemeClr val="tx1"/>
+              </a:solidFill>
+            </a:endParaRPr>
+          </a:p>
+          <a:p>
+            <a:r>
+              <a:rPr lang="de-DE" sz="1200" dirty="0" err="1" smtClean="0">
+                <a:solidFill>
+                  <a:schemeClr val="tx1"/>
+                </a:solidFill>
+              </a:rPr>
+              <a:t>CSensorEvaluation</a:t>
+            </a:r>
+            <a:r>
+              <a:rPr lang="de-DE" sz="1200" dirty="0" smtClean="0">
+                <a:solidFill>
+                  <a:schemeClr val="tx1"/>
+                </a:solidFill>
+              </a:rPr>
+              <a:t> </a:t>
+            </a:r>
+            <a:r>
+              <a:rPr lang="de-DE" sz="1200" dirty="0" err="1" smtClean="0">
+                <a:solidFill>
+                  <a:schemeClr val="tx1"/>
+                </a:solidFill>
+              </a:rPr>
+              <a:t>mSensorEval</a:t>
+            </a:r>
+            <a:endParaRPr lang="de-DE" sz="1200" dirty="0" smtClean="0">
+              <a:solidFill>
+                <a:schemeClr val="tx1"/>
+              </a:solidFill>
+            </a:endParaRPr>
+          </a:p>
+          <a:p>
+            <a:r>
+              <a:rPr lang="de-DE" sz="1200" dirty="0" err="1" smtClean="0">
+                <a:solidFill>
+                  <a:schemeClr val="tx1"/>
+                </a:solidFill>
+              </a:rPr>
+              <a:t>TFloatingMean</a:t>
+            </a:r>
+            <a:r>
+              <a:rPr lang="de-DE" sz="1200" dirty="0" smtClean="0">
+                <a:solidFill>
+                  <a:schemeClr val="tx1"/>
+                </a:solidFill>
+              </a:rPr>
+              <a:t> mPsi__dMean4</a:t>
+            </a:r>
+          </a:p>
+          <a:p>
+            <a:r>
+              <a:rPr lang="de-DE" sz="1200" dirty="0" err="1" smtClean="0">
+                <a:solidFill>
+                  <a:schemeClr val="tx1"/>
+                </a:solidFill>
+              </a:rPr>
+              <a:t>TFloatingMean</a:t>
+            </a:r>
+            <a:r>
+              <a:rPr lang="de-DE" sz="1200" dirty="0" smtClean="0">
+                <a:solidFill>
+                  <a:schemeClr val="tx1"/>
+                </a:solidFill>
+              </a:rPr>
+              <a:t> mPsi__dMean8</a:t>
+            </a:r>
+          </a:p>
+          <a:p>
+            <a:r>
+              <a:rPr lang="de-DE" sz="1200" dirty="0" err="1" smtClean="0">
+                <a:solidFill>
+                  <a:schemeClr val="tx1"/>
+                </a:solidFill>
+              </a:rPr>
+              <a:t>TFloatingMean</a:t>
+            </a:r>
+            <a:r>
+              <a:rPr lang="de-DE" sz="1200" dirty="0" smtClean="0">
+                <a:solidFill>
+                  <a:schemeClr val="tx1"/>
+                </a:solidFill>
+              </a:rPr>
+              <a:t> mPsi__dMean16</a:t>
+            </a:r>
+          </a:p>
+          <a:p>
+            <a:r>
+              <a:rPr lang="de-DE" sz="1200" dirty="0" smtClean="0">
+                <a:solidFill>
+                  <a:schemeClr val="tx1"/>
+                </a:solidFill>
+              </a:rPr>
+              <a:t>CLQR </a:t>
+            </a:r>
+            <a:r>
+              <a:rPr lang="de-DE" sz="1200" dirty="0" err="1" smtClean="0">
+                <a:solidFill>
+                  <a:schemeClr val="tx1"/>
+                </a:solidFill>
+              </a:rPr>
+              <a:t>mLQR</a:t>
+            </a:r>
+            <a:endParaRPr lang="de-DE" sz="1200" dirty="0">
+              <a:solidFill>
+                <a:schemeClr val="tx1"/>
+              </a:solidFill>
+            </a:endParaRPr>
+          </a:p>
+        </p:txBody>
+      </p:sp>
+      <p:cxnSp>
+        <p:nvCxnSpPr>
+          <p:cNvPr id="28" name="Gerader Verbinder 27"/>
+          <p:cNvCxnSpPr/>
+          <p:nvPr/>
+        </p:nvCxnSpPr>
+        <p:spPr>
+          <a:xfrm flipV="1">
+            <a:off x="2883177" y="2741835"/>
+            <a:ext cx="738000" cy="0"/>
+          </a:xfrm>
+          <a:prstGeom prst="straightConnector1">
+            <a:avLst/>
+          </a:prstGeom>
+          <a:ln w="25400" cap="sq">
+            <a:solidFill>
+              <a:srgbClr val="002060"/>
+            </a:solidFill>
+            <a:miter lim="800000"/>
+            <a:tailEnd type="diamond" w="lg" len="lg"/>
+          </a:ln>
+        </p:spPr>
+        <p:style>
+          <a:lnRef idx="1">
+            <a:schemeClr val="accent1"/>
+          </a:lnRef>
+          <a:fillRef idx="0">
+            <a:schemeClr val="accent1"/>
+          </a:fillRef>
+          <a:effectRef idx="0">
+            <a:schemeClr val="accent1"/>
+          </a:effectRef>
+          <a:fontRef idx="minor">
+            <a:schemeClr val="tx1"/>
+          </a:fontRef>
+        </p:style>
+      </p:cxnSp>
+      <p:cxnSp>
+        <p:nvCxnSpPr>
+          <p:cNvPr id="31" name="Gerader Verbinder 27"/>
+          <p:cNvCxnSpPr/>
+          <p:nvPr/>
+        </p:nvCxnSpPr>
+        <p:spPr>
+          <a:xfrm>
+            <a:off x="2547965" y="5401333"/>
+            <a:ext cx="1058400" cy="0"/>
+          </a:xfrm>
+          <a:prstGeom prst="straightConnector1">
+            <a:avLst/>
+          </a:prstGeom>
+          <a:ln w="25400" cap="sq">
+            <a:solidFill>
+              <a:srgbClr val="002060"/>
+            </a:solidFill>
+            <a:miter lim="800000"/>
+            <a:tailEnd type="diamond" w="lg" len="lg"/>
+          </a:ln>
+        </p:spPr>
+        <p:style>
+          <a:lnRef idx="1">
+            <a:schemeClr val="accent1"/>
+          </a:lnRef>
+          <a:fillRef idx="0">
+            <a:schemeClr val="accent1"/>
+          </a:fillRef>
+          <a:effectRef idx="0">
+            <a:schemeClr val="accent1"/>
+          </a:effectRef>
+          <a:fontRef idx="minor">
+            <a:schemeClr val="tx1"/>
+          </a:fontRef>
+        </p:style>
+      </p:cxnSp>
+      <p:cxnSp>
+        <p:nvCxnSpPr>
+          <p:cNvPr id="36" name="Gerader Verbinder 27"/>
+          <p:cNvCxnSpPr/>
+          <p:nvPr/>
+        </p:nvCxnSpPr>
+        <p:spPr>
+          <a:xfrm flipV="1">
+            <a:off x="2306995" y="4363642"/>
+            <a:ext cx="1314000" cy="0"/>
+          </a:xfrm>
+          <a:prstGeom prst="straightConnector1">
+            <a:avLst/>
+          </a:prstGeom>
+          <a:ln w="25400" cap="sq">
+            <a:solidFill>
+              <a:srgbClr val="002060"/>
+            </a:solidFill>
+            <a:miter lim="800000"/>
+            <a:tailEnd type="diamond" w="lg" len="lg"/>
+          </a:ln>
+        </p:spPr>
+        <p:style>
+          <a:lnRef idx="1">
+            <a:schemeClr val="accent1"/>
+          </a:lnRef>
+          <a:fillRef idx="0">
+            <a:schemeClr val="accent1"/>
+          </a:fillRef>
+          <a:effectRef idx="0">
+            <a:schemeClr val="accent1"/>
+          </a:effectRef>
+          <a:fontRef idx="minor">
+            <a:schemeClr val="tx1"/>
+          </a:fontRef>
+        </p:style>
+      </p:cxnSp>
+      <p:cxnSp>
+        <p:nvCxnSpPr>
+          <p:cNvPr id="39" name="Gerader Verbinder 27"/>
+          <p:cNvCxnSpPr/>
+          <p:nvPr/>
+        </p:nvCxnSpPr>
+        <p:spPr>
+          <a:xfrm flipH="1" flipV="1">
+            <a:off x="6233514" y="2741835"/>
+            <a:ext cx="720000" cy="0"/>
+          </a:xfrm>
+          <a:prstGeom prst="straightConnector1">
+            <a:avLst/>
+          </a:prstGeom>
+          <a:ln w="25400" cap="sq">
+            <a:solidFill>
+              <a:srgbClr val="002060"/>
+            </a:solidFill>
+            <a:miter lim="800000"/>
+            <a:tailEnd type="diamond" w="lg" len="lg"/>
+          </a:ln>
+        </p:spPr>
+        <p:style>
+          <a:lnRef idx="1">
+            <a:schemeClr val="accent1"/>
+          </a:lnRef>
+          <a:fillRef idx="0">
+            <a:schemeClr val="accent1"/>
+          </a:fillRef>
+          <a:effectRef idx="0">
+            <a:schemeClr val="accent1"/>
+          </a:effectRef>
+          <a:fontRef idx="minor">
+            <a:schemeClr val="tx1"/>
+          </a:fontRef>
+        </p:style>
+      </p:cxnSp>
+      <p:cxnSp>
+        <p:nvCxnSpPr>
+          <p:cNvPr id="42" name="Gerader Verbinder 27"/>
+          <p:cNvCxnSpPr/>
+          <p:nvPr/>
+        </p:nvCxnSpPr>
+        <p:spPr>
+          <a:xfrm flipH="1">
+            <a:off x="6238274" y="4360908"/>
+            <a:ext cx="792000" cy="0"/>
+          </a:xfrm>
+          <a:prstGeom prst="straightConnector1">
+            <a:avLst/>
+          </a:prstGeom>
+          <a:ln w="25400" cap="sq">
+            <a:solidFill>
+              <a:srgbClr val="002060"/>
+            </a:solidFill>
+            <a:miter lim="800000"/>
+            <a:headEnd w="sm" len="sm"/>
+            <a:tailEnd type="diamond" w="lg" len="lg"/>
+          </a:ln>
+        </p:spPr>
+        <p:style>
+          <a:lnRef idx="1">
+            <a:schemeClr val="accent1"/>
+          </a:lnRef>
+          <a:fillRef idx="0">
+            <a:schemeClr val="accent1"/>
+          </a:fillRef>
+          <a:effectRef idx="0">
+            <a:schemeClr val="accent1"/>
+          </a:effectRef>
+          <a:fontRef idx="minor">
+            <a:schemeClr val="tx1"/>
+          </a:fontRef>
+        </p:style>
+      </p:cxnSp>
+      <p:cxnSp>
+        <p:nvCxnSpPr>
+          <p:cNvPr id="45" name="Gerader Verbinder 27"/>
+          <p:cNvCxnSpPr/>
+          <p:nvPr/>
+        </p:nvCxnSpPr>
+        <p:spPr>
+          <a:xfrm flipH="1">
+            <a:off x="6239186" y="5416573"/>
+            <a:ext cx="792000" cy="0"/>
+          </a:xfrm>
+          <a:prstGeom prst="straightConnector1">
+            <a:avLst/>
+          </a:prstGeom>
+          <a:ln w="25400" cap="sq">
+            <a:solidFill>
+              <a:srgbClr val="002060"/>
+            </a:solidFill>
+            <a:miter lim="800000"/>
+            <a:tailEnd type="diamond" w="lg" len="lg"/>
+          </a:ln>
+        </p:spPr>
+        <p:style>
+          <a:lnRef idx="1">
+            <a:schemeClr val="accent1"/>
+          </a:lnRef>
+          <a:fillRef idx="0">
+            <a:schemeClr val="accent1"/>
+          </a:fillRef>
+          <a:effectRef idx="0">
+            <a:schemeClr val="accent1"/>
+          </a:effectRef>
+          <a:fontRef idx="minor">
+            <a:schemeClr val="tx1"/>
+          </a:fontRef>
+        </p:style>
+      </p:cxnSp>
+    </p:spTree>
+    <p:extLst>
+      <p:ext uri="{BB962C8B-B14F-4D97-AF65-F5344CB8AC3E}">
+        <p14:creationId xmlns:p14="http://schemas.microsoft.com/office/powerpoint/2010/main" val="370245911"/>
+      </p:ext>
+    </p:extLst>
+  </p:cSld>
+  <p:clrMapOvr>
+    <a:masterClrMapping/>
+  </p:clrMapOvr>
+</p:sld>
+</file>
+
+<file path=ppt/slides/slide5.xml><?xml version="1.0" encoding="utf-8"?>
+<p:sld xmlns:a="http://schemas.openxmlformats.org/drawingml/2006/main" xmlns:r="http://schemas.openxmlformats.org/officeDocument/2006/relationships" xmlns:p="http://schemas.openxmlformats.org/presentationml/2006/main">
+  <p:cSld>
+    <p:spTree>
+      <p:nvGrpSpPr>
+        <p:cNvPr id="1" name=""/>
+        <p:cNvGrpSpPr/>
+        <p:nvPr/>
+      </p:nvGrpSpPr>
+      <p:grpSpPr>
+        <a:xfrm>
+          <a:off x="0" y="0"/>
+          <a:ext cx="0" cy="0"/>
+          <a:chOff x="0" y="0"/>
+          <a:chExt cx="0" cy="0"/>
+        </a:xfrm>
+      </p:grpSpPr>
+      <p:sp>
+        <p:nvSpPr>
+          <p:cNvPr id="4" name="Rechteck 3"/>
+          <p:cNvSpPr/>
+          <p:nvPr/>
+        </p:nvSpPr>
+        <p:spPr>
+          <a:xfrm>
+            <a:off x="0" y="522056"/>
+            <a:ext cx="1429123" cy="1068405"/>
+          </a:xfrm>
+          <a:prstGeom prst="rect">
+            <a:avLst/>
+          </a:prstGeom>
+          <a:solidFill>
+            <a:schemeClr val="bg1"/>
+          </a:solidFill>
+          <a:ln w="19050">
+            <a:solidFill>
+              <a:schemeClr val="tx1"/>
+            </a:solidFill>
+          </a:ln>
+        </p:spPr>
+        <p:style>
+          <a:lnRef idx="2">
+            <a:schemeClr val="accent1">
+              <a:shade val="50000"/>
+            </a:schemeClr>
+          </a:lnRef>
+          <a:fillRef idx="1">
+            <a:schemeClr val="accent1"/>
+          </a:fillRef>
+          <a:effectRef idx="0">
+            <a:schemeClr val="accent1"/>
+          </a:effectRef>
+          <a:fontRef idx="minor">
+            <a:schemeClr val="lt1"/>
+          </a:fontRef>
+        </p:style>
+        <p:txBody>
+          <a:bodyPr rtlCol="0" anchor="t"/>
+          <a:lstStyle/>
+          <a:p>
+            <a:r>
+              <a:rPr lang="de-DE" sz="1200" dirty="0" smtClean="0">
+                <a:solidFill>
+                  <a:schemeClr val="tx1"/>
+                </a:solidFill>
+              </a:rPr>
+              <a:t>Float32 </a:t>
+            </a:r>
+            <a:r>
+              <a:rPr lang="de-DE" sz="1200" dirty="0" err="1" smtClean="0">
+                <a:solidFill>
+                  <a:schemeClr val="tx1"/>
+                </a:solidFill>
+              </a:rPr>
+              <a:t>mTime</a:t>
+            </a:r>
+            <a:endParaRPr lang="de-DE" sz="1200" dirty="0" smtClean="0">
+              <a:solidFill>
+                <a:schemeClr val="tx1"/>
+              </a:solidFill>
+            </a:endParaRPr>
+          </a:p>
+          <a:p>
+            <a:r>
+              <a:rPr lang="de-DE" sz="1200" dirty="0" smtClean="0">
+                <a:solidFill>
+                  <a:schemeClr val="tx1"/>
+                </a:solidFill>
+              </a:rPr>
+              <a:t>Float32 </a:t>
+            </a:r>
+            <a:r>
+              <a:rPr lang="de-DE" sz="1200" dirty="0" err="1" smtClean="0">
+                <a:solidFill>
+                  <a:schemeClr val="tx1"/>
+                </a:solidFill>
+              </a:rPr>
+              <a:t>mEstimate</a:t>
+            </a:r>
+            <a:endParaRPr lang="de-DE" sz="1200" dirty="0" smtClean="0">
+              <a:solidFill>
+                <a:schemeClr val="tx1"/>
+              </a:solidFill>
+            </a:endParaRPr>
+          </a:p>
+          <a:p>
+            <a:r>
+              <a:rPr lang="de-DE" sz="1200" dirty="0" smtClean="0">
+                <a:solidFill>
+                  <a:schemeClr val="tx1"/>
+                </a:solidFill>
+              </a:rPr>
+              <a:t>Float32 </a:t>
+            </a:r>
+            <a:r>
+              <a:rPr lang="de-DE" sz="1200" dirty="0" err="1" smtClean="0">
+                <a:solidFill>
+                  <a:schemeClr val="tx1"/>
+                </a:solidFill>
+              </a:rPr>
+              <a:t>mComp</a:t>
+            </a:r>
+            <a:endParaRPr lang="de-DE" sz="1200" dirty="0" smtClean="0">
+              <a:solidFill>
+                <a:schemeClr val="tx1"/>
+              </a:solidFill>
+            </a:endParaRPr>
+          </a:p>
+          <a:p>
+            <a:r>
+              <a:rPr lang="de-DE" sz="1200" dirty="0" smtClean="0">
+                <a:solidFill>
+                  <a:schemeClr val="tx1"/>
+                </a:solidFill>
+              </a:rPr>
+              <a:t>Float32 </a:t>
+            </a:r>
+            <a:r>
+              <a:rPr lang="de-DE" sz="1200" dirty="0" err="1" smtClean="0">
+                <a:solidFill>
+                  <a:schemeClr val="tx1"/>
+                </a:solidFill>
+              </a:rPr>
+              <a:t>mKalman</a:t>
+            </a:r>
+            <a:endParaRPr lang="de-DE" sz="1200" dirty="0">
+              <a:solidFill>
+                <a:schemeClr val="tx1"/>
+              </a:solidFill>
+            </a:endParaRPr>
+          </a:p>
+        </p:txBody>
+      </p:sp>
+      <p:sp>
+        <p:nvSpPr>
+          <p:cNvPr id="5" name="Rechteck 4"/>
+          <p:cNvSpPr/>
+          <p:nvPr/>
+        </p:nvSpPr>
+        <p:spPr>
+          <a:xfrm>
+            <a:off x="0" y="0"/>
+            <a:ext cx="1429123" cy="522056"/>
+          </a:xfrm>
+          <a:prstGeom prst="rect">
+            <a:avLst/>
+          </a:prstGeom>
+          <a:solidFill>
+            <a:schemeClr val="bg1"/>
+          </a:solidFill>
+          <a:ln w="19050">
+            <a:solidFill>
+              <a:schemeClr val="tx1"/>
+            </a:solidFill>
+          </a:ln>
+        </p:spPr>
+        <p:style>
+          <a:lnRef idx="2">
+            <a:schemeClr val="accent1">
+              <a:shade val="50000"/>
+            </a:schemeClr>
+          </a:lnRef>
+          <a:fillRef idx="1">
+            <a:schemeClr val="accent1"/>
+          </a:fillRef>
+          <a:effectRef idx="0">
+            <a:schemeClr val="accent1"/>
+          </a:effectRef>
+          <a:fontRef idx="minor">
+            <a:schemeClr val="lt1"/>
+          </a:fontRef>
+        </p:style>
+        <p:txBody>
+          <a:bodyPr rtlCol="0" anchor="ctr"/>
+          <a:lstStyle/>
+          <a:p>
+            <a:pPr algn="ctr"/>
+            <a:r>
+              <a:rPr lang="de-DE" sz="1200" i="1" dirty="0" smtClean="0">
+                <a:solidFill>
+                  <a:schemeClr val="tx1"/>
+                </a:solidFill>
+              </a:rPr>
+              <a:t>&lt;</a:t>
+            </a:r>
+            <a:r>
+              <a:rPr lang="de-DE" sz="1200" i="1" dirty="0" err="1" smtClean="0">
+                <a:solidFill>
+                  <a:schemeClr val="tx1"/>
+                </a:solidFill>
+              </a:rPr>
+              <a:t>struct</a:t>
+            </a:r>
+            <a:r>
+              <a:rPr lang="de-DE" sz="1200" i="1" dirty="0" smtClean="0">
+                <a:solidFill>
+                  <a:schemeClr val="tx1"/>
+                </a:solidFill>
+              </a:rPr>
+              <a:t>&gt;</a:t>
+            </a:r>
+            <a:endParaRPr lang="de-DE" sz="1200" dirty="0" smtClean="0">
+              <a:solidFill>
+                <a:srgbClr val="002060"/>
+              </a:solidFill>
+            </a:endParaRPr>
+          </a:p>
+          <a:p>
+            <a:pPr algn="ctr"/>
+            <a:r>
+              <a:rPr lang="de-DE" sz="1400" b="1" dirty="0" err="1" smtClean="0">
+                <a:solidFill>
+                  <a:srgbClr val="002060"/>
+                </a:solidFill>
+              </a:rPr>
+              <a:t>CPhi</a:t>
+            </a:r>
+            <a:endParaRPr lang="de-DE" sz="1400" b="1" dirty="0">
+              <a:solidFill>
+                <a:srgbClr val="002060"/>
+              </a:solidFill>
+            </a:endParaRPr>
+          </a:p>
+        </p:txBody>
+      </p:sp>
+      <p:sp>
+        <p:nvSpPr>
+          <p:cNvPr id="6" name="Rechteck 5"/>
+          <p:cNvSpPr/>
+          <p:nvPr/>
+        </p:nvSpPr>
+        <p:spPr>
+          <a:xfrm>
+            <a:off x="1833842" y="522056"/>
+            <a:ext cx="1429123" cy="1068405"/>
+          </a:xfrm>
+          <a:prstGeom prst="rect">
+            <a:avLst/>
+          </a:prstGeom>
+          <a:solidFill>
+            <a:schemeClr val="bg1"/>
+          </a:solidFill>
+          <a:ln w="19050">
+            <a:solidFill>
+              <a:schemeClr val="tx1"/>
+            </a:solidFill>
+          </a:ln>
+        </p:spPr>
+        <p:style>
+          <a:lnRef idx="2">
+            <a:schemeClr val="accent1">
+              <a:shade val="50000"/>
+            </a:schemeClr>
+          </a:lnRef>
+          <a:fillRef idx="1">
+            <a:schemeClr val="accent1"/>
+          </a:fillRef>
+          <a:effectRef idx="0">
+            <a:schemeClr val="accent1"/>
+          </a:effectRef>
+          <a:fontRef idx="minor">
+            <a:schemeClr val="lt1"/>
+          </a:fontRef>
+        </p:style>
+        <p:txBody>
+          <a:bodyPr rtlCol="0" anchor="t"/>
+          <a:lstStyle/>
+          <a:p>
+            <a:r>
+              <a:rPr lang="de-DE" sz="1200" dirty="0" smtClean="0">
+                <a:solidFill>
+                  <a:schemeClr val="tx1"/>
+                </a:solidFill>
+              </a:rPr>
+              <a:t>Float32 </a:t>
+            </a:r>
+            <a:r>
+              <a:rPr lang="de-DE" sz="1200" dirty="0" err="1" smtClean="0">
+                <a:solidFill>
+                  <a:schemeClr val="tx1"/>
+                </a:solidFill>
+              </a:rPr>
+              <a:t>mTime</a:t>
+            </a:r>
+            <a:endParaRPr lang="de-DE" sz="1200" dirty="0" smtClean="0">
+              <a:solidFill>
+                <a:schemeClr val="tx1"/>
+              </a:solidFill>
+            </a:endParaRPr>
+          </a:p>
+          <a:p>
+            <a:r>
+              <a:rPr lang="de-DE" sz="1200" dirty="0" smtClean="0">
+                <a:solidFill>
+                  <a:schemeClr val="tx1"/>
+                </a:solidFill>
+              </a:rPr>
+              <a:t>Float32 </a:t>
+            </a:r>
+            <a:r>
+              <a:rPr lang="de-DE" sz="1200" dirty="0" err="1" smtClean="0">
+                <a:solidFill>
+                  <a:schemeClr val="tx1"/>
+                </a:solidFill>
+              </a:rPr>
+              <a:t>mEstimate</a:t>
+            </a:r>
+            <a:endParaRPr lang="de-DE" sz="1200" dirty="0" smtClean="0">
+              <a:solidFill>
+                <a:schemeClr val="tx1"/>
+              </a:solidFill>
+            </a:endParaRPr>
+          </a:p>
+          <a:p>
+            <a:r>
+              <a:rPr lang="de-DE" sz="1200" dirty="0" smtClean="0">
+                <a:solidFill>
+                  <a:schemeClr val="tx1"/>
+                </a:solidFill>
+              </a:rPr>
+              <a:t>Float32 </a:t>
+            </a:r>
+            <a:r>
+              <a:rPr lang="de-DE" sz="1200" dirty="0" err="1" smtClean="0">
+                <a:solidFill>
+                  <a:schemeClr val="tx1"/>
+                </a:solidFill>
+              </a:rPr>
+              <a:t>mKalman</a:t>
+            </a:r>
+            <a:endParaRPr lang="de-DE" sz="1200" dirty="0">
+              <a:solidFill>
+                <a:schemeClr val="tx1"/>
+              </a:solidFill>
+            </a:endParaRPr>
+          </a:p>
+        </p:txBody>
+      </p:sp>
+      <p:sp>
+        <p:nvSpPr>
+          <p:cNvPr id="7" name="Rechteck 6"/>
+          <p:cNvSpPr/>
+          <p:nvPr/>
+        </p:nvSpPr>
+        <p:spPr>
+          <a:xfrm>
+            <a:off x="1833842" y="0"/>
+            <a:ext cx="1429123" cy="522056"/>
+          </a:xfrm>
+          <a:prstGeom prst="rect">
+            <a:avLst/>
+          </a:prstGeom>
+          <a:solidFill>
+            <a:schemeClr val="bg1"/>
+          </a:solidFill>
+          <a:ln w="19050">
+            <a:solidFill>
+              <a:schemeClr val="tx1"/>
+            </a:solidFill>
+          </a:ln>
+        </p:spPr>
+        <p:style>
+          <a:lnRef idx="2">
+            <a:schemeClr val="accent1">
+              <a:shade val="50000"/>
+            </a:schemeClr>
+          </a:lnRef>
+          <a:fillRef idx="1">
+            <a:schemeClr val="accent1"/>
+          </a:fillRef>
+          <a:effectRef idx="0">
+            <a:schemeClr val="accent1"/>
+          </a:effectRef>
+          <a:fontRef idx="minor">
+            <a:schemeClr val="lt1"/>
+          </a:fontRef>
+        </p:style>
+        <p:txBody>
+          <a:bodyPr rtlCol="0" anchor="ctr"/>
+          <a:lstStyle/>
+          <a:p>
+            <a:pPr algn="ctr"/>
+            <a:r>
+              <a:rPr lang="de-DE" sz="1200" i="1" dirty="0" smtClean="0">
+                <a:solidFill>
+                  <a:schemeClr val="tx1"/>
+                </a:solidFill>
+              </a:rPr>
+              <a:t>&lt;</a:t>
+            </a:r>
+            <a:r>
+              <a:rPr lang="de-DE" sz="1200" i="1" dirty="0" err="1" smtClean="0">
+                <a:solidFill>
+                  <a:schemeClr val="tx1"/>
+                </a:solidFill>
+              </a:rPr>
+              <a:t>struct</a:t>
+            </a:r>
+            <a:r>
+              <a:rPr lang="de-DE" sz="1200" i="1" dirty="0" smtClean="0">
+                <a:solidFill>
+                  <a:schemeClr val="tx1"/>
+                </a:solidFill>
+              </a:rPr>
+              <a:t>&gt;</a:t>
+            </a:r>
+            <a:endParaRPr lang="de-DE" sz="1200" dirty="0" smtClean="0">
+              <a:solidFill>
+                <a:srgbClr val="002060"/>
+              </a:solidFill>
+            </a:endParaRPr>
+          </a:p>
+          <a:p>
+            <a:pPr algn="ctr"/>
+            <a:r>
+              <a:rPr lang="de-DE" sz="1400" b="1" dirty="0" err="1" smtClean="0">
+                <a:solidFill>
+                  <a:srgbClr val="002060"/>
+                </a:solidFill>
+              </a:rPr>
+              <a:t>CPhi</a:t>
+            </a:r>
+            <a:r>
+              <a:rPr lang="de-DE" sz="1400" b="1" dirty="0" smtClean="0">
+                <a:solidFill>
+                  <a:srgbClr val="002060"/>
+                </a:solidFill>
+              </a:rPr>
+              <a:t>__d</a:t>
+            </a:r>
+            <a:endParaRPr lang="de-DE" sz="1400" b="1" dirty="0">
+              <a:solidFill>
+                <a:srgbClr val="002060"/>
+              </a:solidFill>
+            </a:endParaRPr>
+          </a:p>
+        </p:txBody>
+      </p:sp>
+      <p:sp>
+        <p:nvSpPr>
+          <p:cNvPr id="8" name="Rechteck 7"/>
+          <p:cNvSpPr/>
+          <p:nvPr/>
+        </p:nvSpPr>
+        <p:spPr>
+          <a:xfrm>
+            <a:off x="3739643" y="522056"/>
+            <a:ext cx="1390622" cy="1357163"/>
+          </a:xfrm>
+          <a:prstGeom prst="rect">
+            <a:avLst/>
+          </a:prstGeom>
+          <a:solidFill>
+            <a:schemeClr val="bg1"/>
+          </a:solidFill>
+          <a:ln w="19050">
+            <a:solidFill>
+              <a:schemeClr val="tx1"/>
+            </a:solidFill>
+          </a:ln>
+        </p:spPr>
+        <p:style>
+          <a:lnRef idx="2">
+            <a:schemeClr val="accent1">
+              <a:shade val="50000"/>
+            </a:schemeClr>
+          </a:lnRef>
+          <a:fillRef idx="1">
+            <a:schemeClr val="accent1"/>
+          </a:fillRef>
+          <a:effectRef idx="0">
+            <a:schemeClr val="accent1"/>
+          </a:effectRef>
+          <a:fontRef idx="minor">
+            <a:schemeClr val="lt1"/>
+          </a:fontRef>
+        </p:style>
+        <p:txBody>
+          <a:bodyPr rtlCol="0" anchor="t"/>
+          <a:lstStyle/>
+          <a:p>
+            <a:r>
+              <a:rPr lang="de-DE" sz="1200" dirty="0" smtClean="0">
+                <a:solidFill>
+                  <a:schemeClr val="tx1"/>
+                </a:solidFill>
+              </a:rPr>
+              <a:t>Float32 </a:t>
+            </a:r>
+            <a:r>
+              <a:rPr lang="de-DE" sz="1200" dirty="0" err="1" smtClean="0">
+                <a:solidFill>
+                  <a:schemeClr val="tx1"/>
+                </a:solidFill>
+              </a:rPr>
+              <a:t>mTime</a:t>
+            </a:r>
+            <a:endParaRPr lang="de-DE" sz="1200" dirty="0" smtClean="0">
+              <a:solidFill>
+                <a:schemeClr val="tx1"/>
+              </a:solidFill>
+            </a:endParaRPr>
+          </a:p>
+          <a:p>
+            <a:r>
+              <a:rPr lang="de-DE" sz="1200" dirty="0" smtClean="0">
+                <a:solidFill>
+                  <a:schemeClr val="tx1"/>
+                </a:solidFill>
+              </a:rPr>
+              <a:t>Float32 </a:t>
+            </a:r>
+            <a:r>
+              <a:rPr lang="de-DE" sz="1200" dirty="0" err="1" smtClean="0">
+                <a:solidFill>
+                  <a:schemeClr val="tx1"/>
+                </a:solidFill>
+              </a:rPr>
+              <a:t>mEstimate</a:t>
+            </a:r>
+            <a:endParaRPr lang="de-DE" sz="1200" dirty="0" smtClean="0">
+              <a:solidFill>
+                <a:schemeClr val="tx1"/>
+              </a:solidFill>
+            </a:endParaRPr>
+          </a:p>
+          <a:p>
+            <a:r>
+              <a:rPr lang="de-DE" sz="1200" dirty="0" smtClean="0">
+                <a:solidFill>
+                  <a:schemeClr val="tx1"/>
+                </a:solidFill>
+              </a:rPr>
+              <a:t>Float32 mMean4</a:t>
+            </a:r>
+          </a:p>
+          <a:p>
+            <a:r>
+              <a:rPr lang="de-DE" sz="1200" dirty="0" smtClean="0">
+                <a:solidFill>
+                  <a:schemeClr val="tx1"/>
+                </a:solidFill>
+              </a:rPr>
+              <a:t>Float32 mMean8</a:t>
+            </a:r>
+          </a:p>
+          <a:p>
+            <a:r>
+              <a:rPr lang="de-DE" sz="1200" dirty="0" smtClean="0">
+                <a:solidFill>
+                  <a:schemeClr val="tx1"/>
+                </a:solidFill>
+              </a:rPr>
+              <a:t>Float32 mMean16</a:t>
+            </a:r>
+            <a:endParaRPr lang="de-DE" sz="1200" dirty="0">
+              <a:solidFill>
+                <a:schemeClr val="tx1"/>
+              </a:solidFill>
+            </a:endParaRPr>
+          </a:p>
+        </p:txBody>
+      </p:sp>
+      <p:sp>
+        <p:nvSpPr>
+          <p:cNvPr id="9" name="Rechteck 8"/>
+          <p:cNvSpPr/>
+          <p:nvPr/>
+        </p:nvSpPr>
+        <p:spPr>
+          <a:xfrm>
+            <a:off x="3739643" y="0"/>
+            <a:ext cx="1390622" cy="522056"/>
+          </a:xfrm>
+          <a:prstGeom prst="rect">
+            <a:avLst/>
+          </a:prstGeom>
+          <a:solidFill>
+            <a:schemeClr val="bg1"/>
+          </a:solidFill>
+          <a:ln w="19050">
+            <a:solidFill>
+              <a:schemeClr val="tx1"/>
+            </a:solidFill>
+          </a:ln>
+        </p:spPr>
+        <p:style>
+          <a:lnRef idx="2">
+            <a:schemeClr val="accent1">
+              <a:shade val="50000"/>
+            </a:schemeClr>
+          </a:lnRef>
+          <a:fillRef idx="1">
+            <a:schemeClr val="accent1"/>
+          </a:fillRef>
+          <a:effectRef idx="0">
+            <a:schemeClr val="accent1"/>
+          </a:effectRef>
+          <a:fontRef idx="minor">
+            <a:schemeClr val="lt1"/>
+          </a:fontRef>
+        </p:style>
+        <p:txBody>
+          <a:bodyPr rtlCol="0" anchor="ctr"/>
+          <a:lstStyle/>
+          <a:p>
+            <a:pPr algn="ctr"/>
+            <a:r>
+              <a:rPr lang="de-DE" sz="1200" i="1" dirty="0" smtClean="0">
+                <a:solidFill>
+                  <a:schemeClr val="tx1"/>
+                </a:solidFill>
+              </a:rPr>
+              <a:t>&lt;</a:t>
+            </a:r>
+            <a:r>
+              <a:rPr lang="de-DE" sz="1200" i="1" dirty="0" err="1" smtClean="0">
+                <a:solidFill>
+                  <a:schemeClr val="tx1"/>
+                </a:solidFill>
+              </a:rPr>
+              <a:t>struct</a:t>
+            </a:r>
+            <a:r>
+              <a:rPr lang="de-DE" sz="1200" i="1" dirty="0" smtClean="0">
+                <a:solidFill>
+                  <a:schemeClr val="tx1"/>
+                </a:solidFill>
+              </a:rPr>
+              <a:t>&gt;</a:t>
+            </a:r>
+          </a:p>
+          <a:p>
+            <a:pPr algn="ctr"/>
+            <a:r>
+              <a:rPr lang="de-DE" sz="1400" b="1" dirty="0" err="1" smtClean="0">
+                <a:solidFill>
+                  <a:srgbClr val="002060"/>
+                </a:solidFill>
+              </a:rPr>
+              <a:t>CPsi</a:t>
+            </a:r>
+            <a:r>
+              <a:rPr lang="de-DE" sz="1400" b="1" dirty="0" smtClean="0">
+                <a:solidFill>
+                  <a:srgbClr val="002060"/>
+                </a:solidFill>
+              </a:rPr>
+              <a:t>__d</a:t>
+            </a:r>
+            <a:endParaRPr lang="de-DE" sz="1400" b="1" dirty="0">
+              <a:solidFill>
+                <a:srgbClr val="002060"/>
+              </a:solidFill>
+            </a:endParaRPr>
+          </a:p>
+        </p:txBody>
+      </p:sp>
+      <p:sp>
+        <p:nvSpPr>
+          <p:cNvPr id="10" name="Rechteck 9"/>
+          <p:cNvSpPr/>
+          <p:nvPr/>
+        </p:nvSpPr>
+        <p:spPr>
+          <a:xfrm>
+            <a:off x="5573485" y="522056"/>
+            <a:ext cx="1631254" cy="1578544"/>
+          </a:xfrm>
+          <a:prstGeom prst="rect">
+            <a:avLst/>
+          </a:prstGeom>
+          <a:solidFill>
+            <a:schemeClr val="bg1"/>
+          </a:solidFill>
+          <a:ln w="19050">
+            <a:solidFill>
+              <a:schemeClr val="tx1"/>
+            </a:solidFill>
+          </a:ln>
+        </p:spPr>
+        <p:style>
+          <a:lnRef idx="2">
+            <a:schemeClr val="accent1">
+              <a:shade val="50000"/>
+            </a:schemeClr>
+          </a:lnRef>
+          <a:fillRef idx="1">
+            <a:schemeClr val="accent1"/>
+          </a:fillRef>
+          <a:effectRef idx="0">
+            <a:schemeClr val="accent1"/>
+          </a:effectRef>
+          <a:fontRef idx="minor">
+            <a:schemeClr val="lt1"/>
+          </a:fontRef>
+        </p:style>
+        <p:txBody>
+          <a:bodyPr rtlCol="0" anchor="t"/>
+          <a:lstStyle/>
+          <a:p>
+            <a:r>
+              <a:rPr lang="de-DE" sz="1200" dirty="0" smtClean="0">
+                <a:solidFill>
+                  <a:schemeClr val="tx1"/>
+                </a:solidFill>
+              </a:rPr>
+              <a:t>Float32 </a:t>
+            </a:r>
+            <a:r>
+              <a:rPr lang="de-DE" sz="1200" dirty="0" err="1" smtClean="0">
+                <a:solidFill>
+                  <a:schemeClr val="tx1"/>
+                </a:solidFill>
+              </a:rPr>
+              <a:t>mTime</a:t>
+            </a:r>
+            <a:endParaRPr lang="de-DE" sz="1200" dirty="0" smtClean="0">
+              <a:solidFill>
+                <a:schemeClr val="tx1"/>
+              </a:solidFill>
+            </a:endParaRPr>
+          </a:p>
+          <a:p>
+            <a:r>
+              <a:rPr lang="de-DE" sz="1200" dirty="0" smtClean="0">
+                <a:solidFill>
+                  <a:schemeClr val="tx1"/>
+                </a:solidFill>
+              </a:rPr>
+              <a:t>Int16 mX1_raw__dd</a:t>
+            </a:r>
+          </a:p>
+          <a:p>
+            <a:r>
+              <a:rPr lang="de-DE" sz="1200" dirty="0" smtClean="0">
+                <a:solidFill>
+                  <a:schemeClr val="tx1"/>
+                </a:solidFill>
+              </a:rPr>
+              <a:t>Int16 mX2_raw__dd</a:t>
+            </a:r>
+          </a:p>
+          <a:p>
+            <a:r>
+              <a:rPr lang="de-DE" sz="1200" dirty="0" smtClean="0">
+                <a:solidFill>
+                  <a:schemeClr val="tx1"/>
+                </a:solidFill>
+              </a:rPr>
+              <a:t>Int16 mY1_raw__dd</a:t>
+            </a:r>
+          </a:p>
+          <a:p>
+            <a:r>
+              <a:rPr lang="de-DE" sz="1200" dirty="0" smtClean="0">
+                <a:solidFill>
+                  <a:schemeClr val="tx1"/>
+                </a:solidFill>
+              </a:rPr>
+              <a:t>Int16 mY2_raw__dd</a:t>
+            </a:r>
+          </a:p>
+          <a:p>
+            <a:r>
+              <a:rPr lang="de-DE" sz="1200" dirty="0" smtClean="0">
+                <a:solidFill>
+                  <a:schemeClr val="tx1"/>
+                </a:solidFill>
+              </a:rPr>
+              <a:t>Int16 mPhi1_raw__d</a:t>
+            </a:r>
+          </a:p>
+          <a:p>
+            <a:r>
+              <a:rPr lang="de-DE" sz="1200" dirty="0" smtClean="0">
+                <a:solidFill>
+                  <a:schemeClr val="tx1"/>
+                </a:solidFill>
+              </a:rPr>
+              <a:t>Int16 mPhi2_raw__d</a:t>
+            </a:r>
+          </a:p>
+          <a:p>
+            <a:r>
+              <a:rPr lang="de-DE" sz="1200" dirty="0" smtClean="0">
+                <a:solidFill>
+                  <a:schemeClr val="tx1"/>
+                </a:solidFill>
+              </a:rPr>
+              <a:t>UInt16 mPsi_</a:t>
+            </a:r>
+            <a:r>
+              <a:rPr lang="de-DE" sz="1200" dirty="0" err="1" smtClean="0">
+                <a:solidFill>
+                  <a:schemeClr val="tx1"/>
+                </a:solidFill>
+              </a:rPr>
+              <a:t>raw</a:t>
+            </a:r>
+            <a:r>
+              <a:rPr lang="de-DE" sz="1200" dirty="0" smtClean="0">
+                <a:solidFill>
+                  <a:schemeClr val="tx1"/>
+                </a:solidFill>
+              </a:rPr>
+              <a:t>__d</a:t>
+            </a:r>
+            <a:endParaRPr lang="de-DE" sz="1200" dirty="0">
+              <a:solidFill>
+                <a:schemeClr val="tx1"/>
+              </a:solidFill>
+            </a:endParaRPr>
+          </a:p>
+        </p:txBody>
+      </p:sp>
+      <p:sp>
+        <p:nvSpPr>
+          <p:cNvPr id="11" name="Rechteck 10"/>
+          <p:cNvSpPr/>
+          <p:nvPr/>
+        </p:nvSpPr>
+        <p:spPr>
+          <a:xfrm>
+            <a:off x="5573485" y="0"/>
+            <a:ext cx="1631254" cy="522056"/>
+          </a:xfrm>
+          <a:prstGeom prst="rect">
+            <a:avLst/>
+          </a:prstGeom>
+          <a:solidFill>
+            <a:schemeClr val="bg1"/>
+          </a:solidFill>
+          <a:ln w="19050">
+            <a:solidFill>
+              <a:schemeClr val="tx1"/>
+            </a:solidFill>
+          </a:ln>
+        </p:spPr>
+        <p:style>
+          <a:lnRef idx="2">
+            <a:schemeClr val="accent1">
+              <a:shade val="50000"/>
+            </a:schemeClr>
+          </a:lnRef>
+          <a:fillRef idx="1">
+            <a:schemeClr val="accent1"/>
+          </a:fillRef>
+          <a:effectRef idx="0">
+            <a:schemeClr val="accent1"/>
+          </a:effectRef>
+          <a:fontRef idx="minor">
+            <a:schemeClr val="lt1"/>
+          </a:fontRef>
+        </p:style>
+        <p:txBody>
+          <a:bodyPr rtlCol="0" anchor="ctr"/>
+          <a:lstStyle/>
+          <a:p>
+            <a:pPr algn="ctr"/>
+            <a:r>
+              <a:rPr lang="de-DE" sz="1200" i="1" dirty="0" smtClean="0">
+                <a:solidFill>
+                  <a:schemeClr val="tx1"/>
+                </a:solidFill>
+              </a:rPr>
+              <a:t>&lt;</a:t>
+            </a:r>
+            <a:r>
+              <a:rPr lang="de-DE" sz="1200" i="1" dirty="0" err="1" smtClean="0">
+                <a:solidFill>
+                  <a:schemeClr val="tx1"/>
+                </a:solidFill>
+              </a:rPr>
+              <a:t>struct</a:t>
+            </a:r>
+            <a:r>
+              <a:rPr lang="de-DE" sz="1200" i="1" dirty="0" smtClean="0">
+                <a:solidFill>
+                  <a:schemeClr val="tx1"/>
+                </a:solidFill>
+              </a:rPr>
+              <a:t>&gt;</a:t>
+            </a:r>
+          </a:p>
+          <a:p>
+            <a:pPr algn="ctr"/>
+            <a:r>
+              <a:rPr lang="de-DE" sz="1400" b="1" dirty="0" err="1" smtClean="0">
+                <a:solidFill>
+                  <a:srgbClr val="002060"/>
+                </a:solidFill>
+              </a:rPr>
+              <a:t>CSensorData</a:t>
+            </a:r>
+            <a:endParaRPr lang="de-DE" sz="1400" b="1" dirty="0">
+              <a:solidFill>
+                <a:srgbClr val="002060"/>
+              </a:solidFill>
+            </a:endParaRPr>
+          </a:p>
+        </p:txBody>
+      </p:sp>
+    </p:spTree>
+    <p:extLst>
+      <p:ext uri="{BB962C8B-B14F-4D97-AF65-F5344CB8AC3E}">
+        <p14:creationId xmlns:p14="http://schemas.microsoft.com/office/powerpoint/2010/main" val="697709532"/>
       </p:ext>
     </p:extLst>
   </p:cSld>

--- a/1_Dokumentation/Zeichnungen/SW_Doku.pptx
+++ b/1_Dokumentation/Zeichnungen/SW_Doku.pptx
@@ -8,8 +8,9 @@
     <p:sldId id="256" r:id="rId2"/>
     <p:sldId id="257" r:id="rId3"/>
     <p:sldId id="258" r:id="rId4"/>
-    <p:sldId id="259" r:id="rId5"/>
-    <p:sldId id="260" r:id="rId6"/>
+    <p:sldId id="261" r:id="rId5"/>
+    <p:sldId id="259" r:id="rId6"/>
+    <p:sldId id="260" r:id="rId7"/>
   </p:sldIdLst>
   <p:sldSz cx="12192000" cy="6858000"/>
   <p:notesSz cx="6858000" cy="9144000"/>
@@ -110,7 +111,18 @@
   </p:defaultTextStyle>
   <p:extLst>
     <p:ext uri="{EFAFB233-063F-42B5-8137-9DF3F51BA10A}">
-      <p15:sldGuideLst xmlns:p15="http://schemas.microsoft.com/office/powerpoint/2012/main"/>
+      <p15:sldGuideLst xmlns:p15="http://schemas.microsoft.com/office/powerpoint/2012/main">
+        <p15:guide id="1" orient="horz" pos="2160" userDrawn="1">
+          <p15:clr>
+            <a:srgbClr val="A4A3A4"/>
+          </p15:clr>
+        </p15:guide>
+        <p15:guide id="2" pos="3863" userDrawn="1">
+          <p15:clr>
+            <a:srgbClr val="A4A3A4"/>
+          </p15:clr>
+        </p15:guide>
+      </p15:sldGuideLst>
     </p:ext>
   </p:extLst>
 </p:presentation>
@@ -247,7 +259,7 @@
           <a:p>
             <a:fld id="{420F3398-8A54-435E-92EE-D7A119CBDC98}" type="datetimeFigureOut">
               <a:rPr lang="de-DE" smtClean="0"/>
-              <a:t>12.10.2016</a:t>
+              <a:t>15.10.2016</a:t>
             </a:fld>
             <a:endParaRPr lang="de-DE"/>
           </a:p>
@@ -417,7 +429,7 @@
           <a:p>
             <a:fld id="{420F3398-8A54-435E-92EE-D7A119CBDC98}" type="datetimeFigureOut">
               <a:rPr lang="de-DE" smtClean="0"/>
-              <a:t>12.10.2016</a:t>
+              <a:t>15.10.2016</a:t>
             </a:fld>
             <a:endParaRPr lang="de-DE"/>
           </a:p>
@@ -597,7 +609,7 @@
           <a:p>
             <a:fld id="{420F3398-8A54-435E-92EE-D7A119CBDC98}" type="datetimeFigureOut">
               <a:rPr lang="de-DE" smtClean="0"/>
-              <a:t>12.10.2016</a:t>
+              <a:t>15.10.2016</a:t>
             </a:fld>
             <a:endParaRPr lang="de-DE"/>
           </a:p>
@@ -767,7 +779,7 @@
           <a:p>
             <a:fld id="{420F3398-8A54-435E-92EE-D7A119CBDC98}" type="datetimeFigureOut">
               <a:rPr lang="de-DE" smtClean="0"/>
-              <a:t>12.10.2016</a:t>
+              <a:t>15.10.2016</a:t>
             </a:fld>
             <a:endParaRPr lang="de-DE"/>
           </a:p>
@@ -1013,7 +1025,7 @@
           <a:p>
             <a:fld id="{420F3398-8A54-435E-92EE-D7A119CBDC98}" type="datetimeFigureOut">
               <a:rPr lang="de-DE" smtClean="0"/>
-              <a:t>12.10.2016</a:t>
+              <a:t>15.10.2016</a:t>
             </a:fld>
             <a:endParaRPr lang="de-DE"/>
           </a:p>
@@ -1245,7 +1257,7 @@
           <a:p>
             <a:fld id="{420F3398-8A54-435E-92EE-D7A119CBDC98}" type="datetimeFigureOut">
               <a:rPr lang="de-DE" smtClean="0"/>
-              <a:t>12.10.2016</a:t>
+              <a:t>15.10.2016</a:t>
             </a:fld>
             <a:endParaRPr lang="de-DE"/>
           </a:p>
@@ -1612,7 +1624,7 @@
           <a:p>
             <a:fld id="{420F3398-8A54-435E-92EE-D7A119CBDC98}" type="datetimeFigureOut">
               <a:rPr lang="de-DE" smtClean="0"/>
-              <a:t>12.10.2016</a:t>
+              <a:t>15.10.2016</a:t>
             </a:fld>
             <a:endParaRPr lang="de-DE"/>
           </a:p>
@@ -1730,7 +1742,7 @@
           <a:p>
             <a:fld id="{420F3398-8A54-435E-92EE-D7A119CBDC98}" type="datetimeFigureOut">
               <a:rPr lang="de-DE" smtClean="0"/>
-              <a:t>12.10.2016</a:t>
+              <a:t>15.10.2016</a:t>
             </a:fld>
             <a:endParaRPr lang="de-DE"/>
           </a:p>
@@ -1825,7 +1837,7 @@
           <a:p>
             <a:fld id="{420F3398-8A54-435E-92EE-D7A119CBDC98}" type="datetimeFigureOut">
               <a:rPr lang="de-DE" smtClean="0"/>
-              <a:t>12.10.2016</a:t>
+              <a:t>15.10.2016</a:t>
             </a:fld>
             <a:endParaRPr lang="de-DE"/>
           </a:p>
@@ -2102,7 +2114,7 @@
           <a:p>
             <a:fld id="{420F3398-8A54-435E-92EE-D7A119CBDC98}" type="datetimeFigureOut">
               <a:rPr lang="de-DE" smtClean="0"/>
-              <a:t>12.10.2016</a:t>
+              <a:t>15.10.2016</a:t>
             </a:fld>
             <a:endParaRPr lang="de-DE"/>
           </a:p>
@@ -2355,7 +2367,7 @@
           <a:p>
             <a:fld id="{420F3398-8A54-435E-92EE-D7A119CBDC98}" type="datetimeFigureOut">
               <a:rPr lang="de-DE" smtClean="0"/>
-              <a:t>12.10.2016</a:t>
+              <a:t>15.10.2016</a:t>
             </a:fld>
             <a:endParaRPr lang="de-DE"/>
           </a:p>
@@ -2568,7 +2580,7 @@
           <a:p>
             <a:fld id="{420F3398-8A54-435E-92EE-D7A119CBDC98}" type="datetimeFigureOut">
               <a:rPr lang="de-DE" smtClean="0"/>
-              <a:t>12.10.2016</a:t>
+              <a:t>15.10.2016</a:t>
             </a:fld>
             <a:endParaRPr lang="de-DE"/>
           </a:p>
@@ -9100,6 +9112,2428 @@
       </p:grpSpPr>
       <p:sp>
         <p:nvSpPr>
+          <p:cNvPr id="122" name="Abgerundetes Rechteck 121"/>
+          <p:cNvSpPr/>
+          <p:nvPr/>
+        </p:nvSpPr>
+        <p:spPr>
+          <a:xfrm>
+            <a:off x="5064530" y="2816436"/>
+            <a:ext cx="514800" cy="295200"/>
+          </a:xfrm>
+          <a:prstGeom prst="roundRect">
+            <a:avLst/>
+          </a:prstGeom>
+          <a:noFill/>
+          <a:ln w="19050">
+            <a:noFill/>
+          </a:ln>
+        </p:spPr>
+        <p:style>
+          <a:lnRef idx="2">
+            <a:schemeClr val="accent1">
+              <a:shade val="50000"/>
+            </a:schemeClr>
+          </a:lnRef>
+          <a:fillRef idx="1">
+            <a:schemeClr val="accent1"/>
+          </a:fillRef>
+          <a:effectRef idx="0">
+            <a:schemeClr val="accent1"/>
+          </a:effectRef>
+          <a:fontRef idx="minor">
+            <a:schemeClr val="lt1"/>
+          </a:fontRef>
+        </p:style>
+        <p:txBody>
+          <a:bodyPr rtlCol="0" anchor="ctr"/>
+          <a:lstStyle/>
+          <a:p>
+            <a:pPr algn="ctr"/>
+            <a:endParaRPr lang="de-DE" b="1" dirty="0">
+              <a:solidFill>
+                <a:srgbClr val="002060"/>
+              </a:solidFill>
+            </a:endParaRPr>
+          </a:p>
+        </p:txBody>
+      </p:sp>
+      <p:sp>
+        <p:nvSpPr>
+          <p:cNvPr id="68" name="Abgerundetes Rechteck 67"/>
+          <p:cNvSpPr/>
+          <p:nvPr/>
+        </p:nvSpPr>
+        <p:spPr>
+          <a:xfrm>
+            <a:off x="5064530" y="2526150"/>
+            <a:ext cx="2062940" cy="585486"/>
+          </a:xfrm>
+          <a:prstGeom prst="roundRect">
+            <a:avLst/>
+          </a:prstGeom>
+          <a:solidFill>
+            <a:schemeClr val="bg1"/>
+          </a:solidFill>
+          <a:ln w="19050">
+            <a:solidFill>
+              <a:schemeClr val="tx1"/>
+            </a:solidFill>
+          </a:ln>
+        </p:spPr>
+        <p:style>
+          <a:lnRef idx="2">
+            <a:schemeClr val="accent1">
+              <a:shade val="50000"/>
+            </a:schemeClr>
+          </a:lnRef>
+          <a:fillRef idx="1">
+            <a:schemeClr val="accent1"/>
+          </a:fillRef>
+          <a:effectRef idx="0">
+            <a:schemeClr val="accent1"/>
+          </a:effectRef>
+          <a:fontRef idx="minor">
+            <a:schemeClr val="lt1"/>
+          </a:fontRef>
+        </p:style>
+        <p:txBody>
+          <a:bodyPr rtlCol="0" anchor="ctr"/>
+          <a:lstStyle/>
+          <a:p>
+            <a:pPr algn="ctr"/>
+            <a:r>
+              <a:rPr lang="de-DE" sz="1600" b="1" dirty="0" smtClean="0">
+                <a:solidFill>
+                  <a:srgbClr val="002060"/>
+                </a:solidFill>
+              </a:rPr>
+              <a:t>Standby</a:t>
+            </a:r>
+            <a:endParaRPr lang="de-DE" b="1" dirty="0">
+              <a:solidFill>
+                <a:srgbClr val="002060"/>
+              </a:solidFill>
+            </a:endParaRPr>
+          </a:p>
+        </p:txBody>
+      </p:sp>
+      <p:sp>
+        <p:nvSpPr>
+          <p:cNvPr id="125" name="Abgerundetes Rechteck 124"/>
+          <p:cNvSpPr/>
+          <p:nvPr/>
+        </p:nvSpPr>
+        <p:spPr>
+          <a:xfrm>
+            <a:off x="5064530" y="2526150"/>
+            <a:ext cx="514800" cy="295200"/>
+          </a:xfrm>
+          <a:prstGeom prst="roundRect">
+            <a:avLst/>
+          </a:prstGeom>
+          <a:noFill/>
+          <a:ln w="19050">
+            <a:noFill/>
+          </a:ln>
+        </p:spPr>
+        <p:style>
+          <a:lnRef idx="2">
+            <a:schemeClr val="accent1">
+              <a:shade val="50000"/>
+            </a:schemeClr>
+          </a:lnRef>
+          <a:fillRef idx="1">
+            <a:schemeClr val="accent1"/>
+          </a:fillRef>
+          <a:effectRef idx="0">
+            <a:schemeClr val="accent1"/>
+          </a:effectRef>
+          <a:fontRef idx="minor">
+            <a:schemeClr val="lt1"/>
+          </a:fontRef>
+        </p:style>
+        <p:txBody>
+          <a:bodyPr rtlCol="0" anchor="ctr"/>
+          <a:lstStyle/>
+          <a:p>
+            <a:pPr algn="ctr"/>
+            <a:endParaRPr lang="de-DE" b="1" dirty="0">
+              <a:solidFill>
+                <a:srgbClr val="002060"/>
+              </a:solidFill>
+            </a:endParaRPr>
+          </a:p>
+        </p:txBody>
+      </p:sp>
+      <p:sp>
+        <p:nvSpPr>
+          <p:cNvPr id="126" name="Abgerundetes Rechteck 125"/>
+          <p:cNvSpPr/>
+          <p:nvPr/>
+        </p:nvSpPr>
+        <p:spPr>
+          <a:xfrm>
+            <a:off x="6612670" y="2816436"/>
+            <a:ext cx="514800" cy="295200"/>
+          </a:xfrm>
+          <a:prstGeom prst="roundRect">
+            <a:avLst/>
+          </a:prstGeom>
+          <a:noFill/>
+          <a:ln w="19050">
+            <a:noFill/>
+          </a:ln>
+        </p:spPr>
+        <p:style>
+          <a:lnRef idx="2">
+            <a:schemeClr val="accent1">
+              <a:shade val="50000"/>
+            </a:schemeClr>
+          </a:lnRef>
+          <a:fillRef idx="1">
+            <a:schemeClr val="accent1"/>
+          </a:fillRef>
+          <a:effectRef idx="0">
+            <a:schemeClr val="accent1"/>
+          </a:effectRef>
+          <a:fontRef idx="minor">
+            <a:schemeClr val="lt1"/>
+          </a:fontRef>
+        </p:style>
+        <p:txBody>
+          <a:bodyPr rtlCol="0" anchor="ctr"/>
+          <a:lstStyle/>
+          <a:p>
+            <a:pPr algn="ctr"/>
+            <a:endParaRPr lang="de-DE" b="1" dirty="0">
+              <a:solidFill>
+                <a:srgbClr val="002060"/>
+              </a:solidFill>
+            </a:endParaRPr>
+          </a:p>
+        </p:txBody>
+      </p:sp>
+      <p:sp>
+        <p:nvSpPr>
+          <p:cNvPr id="127" name="Abgerundetes Rechteck 126"/>
+          <p:cNvSpPr/>
+          <p:nvPr/>
+        </p:nvSpPr>
+        <p:spPr>
+          <a:xfrm>
+            <a:off x="6612670" y="2526150"/>
+            <a:ext cx="514800" cy="295200"/>
+          </a:xfrm>
+          <a:prstGeom prst="roundRect">
+            <a:avLst/>
+          </a:prstGeom>
+          <a:noFill/>
+          <a:ln w="19050">
+            <a:noFill/>
+          </a:ln>
+        </p:spPr>
+        <p:style>
+          <a:lnRef idx="2">
+            <a:schemeClr val="accent1">
+              <a:shade val="50000"/>
+            </a:schemeClr>
+          </a:lnRef>
+          <a:fillRef idx="1">
+            <a:schemeClr val="accent1"/>
+          </a:fillRef>
+          <a:effectRef idx="0">
+            <a:schemeClr val="accent1"/>
+          </a:effectRef>
+          <a:fontRef idx="minor">
+            <a:schemeClr val="lt1"/>
+          </a:fontRef>
+        </p:style>
+        <p:txBody>
+          <a:bodyPr rtlCol="0" anchor="ctr"/>
+          <a:lstStyle/>
+          <a:p>
+            <a:pPr algn="ctr"/>
+            <a:endParaRPr lang="de-DE" b="1" dirty="0">
+              <a:solidFill>
+                <a:srgbClr val="002060"/>
+              </a:solidFill>
+            </a:endParaRPr>
+          </a:p>
+        </p:txBody>
+      </p:sp>
+      <p:sp>
+        <p:nvSpPr>
+          <p:cNvPr id="128" name="Abgerundetes Rechteck 127"/>
+          <p:cNvSpPr/>
+          <p:nvPr/>
+        </p:nvSpPr>
+        <p:spPr>
+          <a:xfrm>
+            <a:off x="5580577" y="2816436"/>
+            <a:ext cx="514800" cy="295200"/>
+          </a:xfrm>
+          <a:prstGeom prst="roundRect">
+            <a:avLst/>
+          </a:prstGeom>
+          <a:noFill/>
+          <a:ln w="19050">
+            <a:noFill/>
+          </a:ln>
+        </p:spPr>
+        <p:style>
+          <a:lnRef idx="2">
+            <a:schemeClr val="accent1">
+              <a:shade val="50000"/>
+            </a:schemeClr>
+          </a:lnRef>
+          <a:fillRef idx="1">
+            <a:schemeClr val="accent1"/>
+          </a:fillRef>
+          <a:effectRef idx="0">
+            <a:schemeClr val="accent1"/>
+          </a:effectRef>
+          <a:fontRef idx="minor">
+            <a:schemeClr val="lt1"/>
+          </a:fontRef>
+        </p:style>
+        <p:txBody>
+          <a:bodyPr rtlCol="0" anchor="ctr"/>
+          <a:lstStyle/>
+          <a:p>
+            <a:pPr algn="ctr"/>
+            <a:endParaRPr lang="de-DE" b="1" dirty="0">
+              <a:solidFill>
+                <a:srgbClr val="002060"/>
+              </a:solidFill>
+            </a:endParaRPr>
+          </a:p>
+        </p:txBody>
+      </p:sp>
+      <p:sp>
+        <p:nvSpPr>
+          <p:cNvPr id="129" name="Abgerundetes Rechteck 128"/>
+          <p:cNvSpPr/>
+          <p:nvPr/>
+        </p:nvSpPr>
+        <p:spPr>
+          <a:xfrm>
+            <a:off x="6096624" y="2816436"/>
+            <a:ext cx="514800" cy="295200"/>
+          </a:xfrm>
+          <a:prstGeom prst="roundRect">
+            <a:avLst/>
+          </a:prstGeom>
+          <a:noFill/>
+          <a:ln w="19050">
+            <a:noFill/>
+          </a:ln>
+        </p:spPr>
+        <p:style>
+          <a:lnRef idx="2">
+            <a:schemeClr val="accent1">
+              <a:shade val="50000"/>
+            </a:schemeClr>
+          </a:lnRef>
+          <a:fillRef idx="1">
+            <a:schemeClr val="accent1"/>
+          </a:fillRef>
+          <a:effectRef idx="0">
+            <a:schemeClr val="accent1"/>
+          </a:effectRef>
+          <a:fontRef idx="minor">
+            <a:schemeClr val="lt1"/>
+          </a:fontRef>
+        </p:style>
+        <p:txBody>
+          <a:bodyPr rtlCol="0" anchor="ctr"/>
+          <a:lstStyle/>
+          <a:p>
+            <a:pPr algn="ctr"/>
+            <a:endParaRPr lang="de-DE" b="1" dirty="0">
+              <a:solidFill>
+                <a:srgbClr val="002060"/>
+              </a:solidFill>
+            </a:endParaRPr>
+          </a:p>
+        </p:txBody>
+      </p:sp>
+      <p:sp>
+        <p:nvSpPr>
+          <p:cNvPr id="130" name="Abgerundetes Rechteck 129"/>
+          <p:cNvSpPr/>
+          <p:nvPr/>
+        </p:nvSpPr>
+        <p:spPr>
+          <a:xfrm>
+            <a:off x="5580577" y="2526150"/>
+            <a:ext cx="514800" cy="295200"/>
+          </a:xfrm>
+          <a:prstGeom prst="roundRect">
+            <a:avLst/>
+          </a:prstGeom>
+          <a:noFill/>
+          <a:ln w="19050">
+            <a:noFill/>
+          </a:ln>
+        </p:spPr>
+        <p:style>
+          <a:lnRef idx="2">
+            <a:schemeClr val="accent1">
+              <a:shade val="50000"/>
+            </a:schemeClr>
+          </a:lnRef>
+          <a:fillRef idx="1">
+            <a:schemeClr val="accent1"/>
+          </a:fillRef>
+          <a:effectRef idx="0">
+            <a:schemeClr val="accent1"/>
+          </a:effectRef>
+          <a:fontRef idx="minor">
+            <a:schemeClr val="lt1"/>
+          </a:fontRef>
+        </p:style>
+        <p:txBody>
+          <a:bodyPr rtlCol="0" anchor="ctr"/>
+          <a:lstStyle/>
+          <a:p>
+            <a:pPr algn="ctr"/>
+            <a:endParaRPr lang="de-DE" b="1" dirty="0">
+              <a:solidFill>
+                <a:srgbClr val="002060"/>
+              </a:solidFill>
+            </a:endParaRPr>
+          </a:p>
+        </p:txBody>
+      </p:sp>
+      <p:sp>
+        <p:nvSpPr>
+          <p:cNvPr id="131" name="Abgerundetes Rechteck 130"/>
+          <p:cNvSpPr/>
+          <p:nvPr/>
+        </p:nvSpPr>
+        <p:spPr>
+          <a:xfrm>
+            <a:off x="6096624" y="2526150"/>
+            <a:ext cx="514800" cy="295200"/>
+          </a:xfrm>
+          <a:prstGeom prst="roundRect">
+            <a:avLst/>
+          </a:prstGeom>
+          <a:noFill/>
+          <a:ln w="19050">
+            <a:noFill/>
+          </a:ln>
+        </p:spPr>
+        <p:style>
+          <a:lnRef idx="2">
+            <a:schemeClr val="accent1">
+              <a:shade val="50000"/>
+            </a:schemeClr>
+          </a:lnRef>
+          <a:fillRef idx="1">
+            <a:schemeClr val="accent1"/>
+          </a:fillRef>
+          <a:effectRef idx="0">
+            <a:schemeClr val="accent1"/>
+          </a:effectRef>
+          <a:fontRef idx="minor">
+            <a:schemeClr val="lt1"/>
+          </a:fontRef>
+        </p:style>
+        <p:txBody>
+          <a:bodyPr rtlCol="0" anchor="ctr"/>
+          <a:lstStyle/>
+          <a:p>
+            <a:pPr algn="ctr"/>
+            <a:endParaRPr lang="de-DE" b="1" dirty="0">
+              <a:solidFill>
+                <a:srgbClr val="002060"/>
+              </a:solidFill>
+            </a:endParaRPr>
+          </a:p>
+        </p:txBody>
+      </p:sp>
+      <p:grpSp>
+        <p:nvGrpSpPr>
+          <p:cNvPr id="101" name="Gruppieren 100"/>
+          <p:cNvGrpSpPr/>
+          <p:nvPr/>
+        </p:nvGrpSpPr>
+        <p:grpSpPr>
+          <a:xfrm>
+            <a:off x="3659996" y="490650"/>
+            <a:ext cx="2062940" cy="578153"/>
+            <a:chOff x="9104300" y="490650"/>
+            <a:chExt cx="2062940" cy="578153"/>
+          </a:xfrm>
+        </p:grpSpPr>
+        <p:grpSp>
+          <p:nvGrpSpPr>
+            <p:cNvPr id="102" name="Gruppieren 101"/>
+            <p:cNvGrpSpPr/>
+            <p:nvPr/>
+          </p:nvGrpSpPr>
+          <p:grpSpPr>
+            <a:xfrm>
+              <a:off x="9104300" y="490650"/>
+              <a:ext cx="2062940" cy="578153"/>
+              <a:chOff x="9104300" y="490650"/>
+              <a:chExt cx="2062940" cy="578153"/>
+            </a:xfrm>
+          </p:grpSpPr>
+          <p:sp>
+            <p:nvSpPr>
+              <p:cNvPr id="104" name="Abgerundetes Rechteck 103"/>
+              <p:cNvSpPr/>
+              <p:nvPr/>
+            </p:nvSpPr>
+            <p:spPr>
+              <a:xfrm>
+                <a:off x="10134040" y="490650"/>
+                <a:ext cx="1033200" cy="578153"/>
+              </a:xfrm>
+              <a:prstGeom prst="roundRect">
+                <a:avLst/>
+              </a:prstGeom>
+              <a:solidFill>
+                <a:schemeClr val="bg1"/>
+              </a:solidFill>
+              <a:ln w="19050">
+                <a:noFill/>
+              </a:ln>
+            </p:spPr>
+            <p:style>
+              <a:lnRef idx="2">
+                <a:schemeClr val="accent1">
+                  <a:shade val="50000"/>
+                </a:schemeClr>
+              </a:lnRef>
+              <a:fillRef idx="1">
+                <a:schemeClr val="accent1"/>
+              </a:fillRef>
+              <a:effectRef idx="0">
+                <a:schemeClr val="accent1"/>
+              </a:effectRef>
+              <a:fontRef idx="minor">
+                <a:schemeClr val="lt1"/>
+              </a:fontRef>
+            </p:style>
+            <p:txBody>
+              <a:bodyPr rtlCol="0" anchor="ctr"/>
+              <a:lstStyle/>
+              <a:p>
+                <a:pPr algn="ctr"/>
+                <a:endParaRPr lang="de-DE" sz="1600" b="1" dirty="0">
+                  <a:solidFill>
+                    <a:srgbClr val="002060"/>
+                  </a:solidFill>
+                </a:endParaRPr>
+              </a:p>
+            </p:txBody>
+          </p:sp>
+          <p:sp>
+            <p:nvSpPr>
+              <p:cNvPr id="105" name="Abgerundetes Rechteck 104"/>
+              <p:cNvSpPr/>
+              <p:nvPr/>
+            </p:nvSpPr>
+            <p:spPr>
+              <a:xfrm>
+                <a:off x="9104300" y="490650"/>
+                <a:ext cx="1033200" cy="578153"/>
+              </a:xfrm>
+              <a:prstGeom prst="roundRect">
+                <a:avLst/>
+              </a:prstGeom>
+              <a:solidFill>
+                <a:schemeClr val="bg1"/>
+              </a:solidFill>
+              <a:ln w="19050">
+                <a:noFill/>
+              </a:ln>
+            </p:spPr>
+            <p:style>
+              <a:lnRef idx="2">
+                <a:schemeClr val="accent1">
+                  <a:shade val="50000"/>
+                </a:schemeClr>
+              </a:lnRef>
+              <a:fillRef idx="1">
+                <a:schemeClr val="accent1"/>
+              </a:fillRef>
+              <a:effectRef idx="0">
+                <a:schemeClr val="accent1"/>
+              </a:effectRef>
+              <a:fontRef idx="minor">
+                <a:schemeClr val="lt1"/>
+              </a:fontRef>
+            </p:style>
+            <p:txBody>
+              <a:bodyPr rtlCol="0" anchor="ctr"/>
+              <a:lstStyle/>
+              <a:p>
+                <a:pPr algn="ctr"/>
+                <a:endParaRPr lang="de-DE" sz="1600" b="1" dirty="0">
+                  <a:solidFill>
+                    <a:srgbClr val="002060"/>
+                  </a:solidFill>
+                </a:endParaRPr>
+              </a:p>
+            </p:txBody>
+          </p:sp>
+        </p:grpSp>
+        <p:sp>
+          <p:nvSpPr>
+            <p:cNvPr id="103" name="Abgerundetes Rechteck 102"/>
+            <p:cNvSpPr/>
+            <p:nvPr/>
+          </p:nvSpPr>
+          <p:spPr>
+            <a:xfrm>
+              <a:off x="9104300" y="490650"/>
+              <a:ext cx="2062940" cy="578153"/>
+            </a:xfrm>
+            <a:prstGeom prst="roundRect">
+              <a:avLst/>
+            </a:prstGeom>
+            <a:solidFill>
+              <a:schemeClr val="bg1"/>
+            </a:solidFill>
+            <a:ln w="19050">
+              <a:solidFill>
+                <a:schemeClr val="tx1"/>
+              </a:solidFill>
+            </a:ln>
+          </p:spPr>
+          <p:style>
+            <a:lnRef idx="2">
+              <a:schemeClr val="accent1">
+                <a:shade val="50000"/>
+              </a:schemeClr>
+            </a:lnRef>
+            <a:fillRef idx="1">
+              <a:schemeClr val="accent1"/>
+            </a:fillRef>
+            <a:effectRef idx="0">
+              <a:schemeClr val="accent1"/>
+            </a:effectRef>
+            <a:fontRef idx="minor">
+              <a:schemeClr val="lt1"/>
+            </a:fontRef>
+          </p:style>
+          <p:txBody>
+            <a:bodyPr rtlCol="0" anchor="ctr"/>
+            <a:lstStyle/>
+            <a:p>
+              <a:pPr algn="ctr"/>
+              <a:r>
+                <a:rPr lang="de-DE" sz="1600" b="1" dirty="0" err="1">
+                  <a:solidFill>
+                    <a:srgbClr val="002060"/>
+                  </a:solidFill>
+                </a:rPr>
+                <a:t>ADCMeasurement</a:t>
+              </a:r>
+              <a:endParaRPr lang="de-DE" sz="1600" b="1" dirty="0">
+                <a:solidFill>
+                  <a:srgbClr val="002060"/>
+                </a:solidFill>
+              </a:endParaRPr>
+            </a:p>
+          </p:txBody>
+        </p:sp>
+      </p:grpSp>
+      <p:cxnSp>
+        <p:nvCxnSpPr>
+          <p:cNvPr id="107" name="Gewinkelte Verbindung 106"/>
+          <p:cNvCxnSpPr>
+            <a:stCxn id="126" idx="3"/>
+            <a:endCxn id="88" idx="2"/>
+          </p:cNvCxnSpPr>
+          <p:nvPr/>
+        </p:nvCxnSpPr>
+        <p:spPr>
+          <a:xfrm flipV="1">
+            <a:off x="7127470" y="1068803"/>
+            <a:ext cx="3697005" cy="1895233"/>
+          </a:xfrm>
+          <a:prstGeom prst="bentConnector2">
+            <a:avLst/>
+          </a:prstGeom>
+          <a:ln w="19050">
+            <a:solidFill>
+              <a:schemeClr val="tx1"/>
+            </a:solidFill>
+            <a:tailEnd type="triangle" w="med" len="sm"/>
+          </a:ln>
+        </p:spPr>
+        <p:style>
+          <a:lnRef idx="1">
+            <a:schemeClr val="accent1"/>
+          </a:lnRef>
+          <a:fillRef idx="0">
+            <a:schemeClr val="accent1"/>
+          </a:fillRef>
+          <a:effectRef idx="0">
+            <a:schemeClr val="accent1"/>
+          </a:effectRef>
+          <a:fontRef idx="minor">
+            <a:schemeClr val="tx1"/>
+          </a:fontRef>
+        </p:style>
+      </p:cxnSp>
+      <p:grpSp>
+        <p:nvGrpSpPr>
+          <p:cNvPr id="32" name="Gruppieren 31"/>
+          <p:cNvGrpSpPr/>
+          <p:nvPr/>
+        </p:nvGrpSpPr>
+        <p:grpSpPr>
+          <a:xfrm>
+            <a:off x="9278135" y="490650"/>
+            <a:ext cx="2062940" cy="578153"/>
+            <a:chOff x="9104300" y="490650"/>
+            <a:chExt cx="2062940" cy="578153"/>
+          </a:xfrm>
+        </p:grpSpPr>
+        <p:grpSp>
+          <p:nvGrpSpPr>
+            <p:cNvPr id="26" name="Gruppieren 25"/>
+            <p:cNvGrpSpPr/>
+            <p:nvPr/>
+          </p:nvGrpSpPr>
+          <p:grpSpPr>
+            <a:xfrm>
+              <a:off x="9104300" y="490650"/>
+              <a:ext cx="2062940" cy="578153"/>
+              <a:chOff x="9104300" y="490650"/>
+              <a:chExt cx="2062940" cy="578153"/>
+            </a:xfrm>
+          </p:grpSpPr>
+          <p:sp>
+            <p:nvSpPr>
+              <p:cNvPr id="88" name="Abgerundetes Rechteck 87"/>
+              <p:cNvSpPr/>
+              <p:nvPr/>
+            </p:nvSpPr>
+            <p:spPr>
+              <a:xfrm>
+                <a:off x="10134040" y="490650"/>
+                <a:ext cx="1033200" cy="578153"/>
+              </a:xfrm>
+              <a:prstGeom prst="roundRect">
+                <a:avLst/>
+              </a:prstGeom>
+              <a:solidFill>
+                <a:schemeClr val="bg1"/>
+              </a:solidFill>
+              <a:ln w="19050">
+                <a:noFill/>
+              </a:ln>
+            </p:spPr>
+            <p:style>
+              <a:lnRef idx="2">
+                <a:schemeClr val="accent1">
+                  <a:shade val="50000"/>
+                </a:schemeClr>
+              </a:lnRef>
+              <a:fillRef idx="1">
+                <a:schemeClr val="accent1"/>
+              </a:fillRef>
+              <a:effectRef idx="0">
+                <a:schemeClr val="accent1"/>
+              </a:effectRef>
+              <a:fontRef idx="minor">
+                <a:schemeClr val="lt1"/>
+              </a:fontRef>
+            </p:style>
+            <p:txBody>
+              <a:bodyPr rtlCol="0" anchor="ctr"/>
+              <a:lstStyle/>
+              <a:p>
+                <a:pPr algn="ctr"/>
+                <a:endParaRPr lang="de-DE" sz="1600" b="1" dirty="0">
+                  <a:solidFill>
+                    <a:srgbClr val="002060"/>
+                  </a:solidFill>
+                </a:endParaRPr>
+              </a:p>
+            </p:txBody>
+          </p:sp>
+          <p:sp>
+            <p:nvSpPr>
+              <p:cNvPr id="89" name="Abgerundetes Rechteck 88"/>
+              <p:cNvSpPr/>
+              <p:nvPr/>
+            </p:nvSpPr>
+            <p:spPr>
+              <a:xfrm>
+                <a:off x="9104300" y="490650"/>
+                <a:ext cx="1033200" cy="578153"/>
+              </a:xfrm>
+              <a:prstGeom prst="roundRect">
+                <a:avLst/>
+              </a:prstGeom>
+              <a:solidFill>
+                <a:schemeClr val="bg1"/>
+              </a:solidFill>
+              <a:ln w="19050">
+                <a:noFill/>
+              </a:ln>
+            </p:spPr>
+            <p:style>
+              <a:lnRef idx="2">
+                <a:schemeClr val="accent1">
+                  <a:shade val="50000"/>
+                </a:schemeClr>
+              </a:lnRef>
+              <a:fillRef idx="1">
+                <a:schemeClr val="accent1"/>
+              </a:fillRef>
+              <a:effectRef idx="0">
+                <a:schemeClr val="accent1"/>
+              </a:effectRef>
+              <a:fontRef idx="minor">
+                <a:schemeClr val="lt1"/>
+              </a:fontRef>
+            </p:style>
+            <p:txBody>
+              <a:bodyPr rtlCol="0" anchor="ctr"/>
+              <a:lstStyle/>
+              <a:p>
+                <a:pPr algn="ctr"/>
+                <a:endParaRPr lang="de-DE" sz="1600" b="1" dirty="0">
+                  <a:solidFill>
+                    <a:srgbClr val="002060"/>
+                  </a:solidFill>
+                </a:endParaRPr>
+              </a:p>
+            </p:txBody>
+          </p:sp>
+        </p:grpSp>
+        <p:sp>
+          <p:nvSpPr>
+            <p:cNvPr id="78" name="Abgerundetes Rechteck 77"/>
+            <p:cNvSpPr/>
+            <p:nvPr/>
+          </p:nvSpPr>
+          <p:spPr>
+            <a:xfrm>
+              <a:off x="9104300" y="490650"/>
+              <a:ext cx="2062940" cy="578153"/>
+            </a:xfrm>
+            <a:prstGeom prst="roundRect">
+              <a:avLst/>
+            </a:prstGeom>
+            <a:solidFill>
+              <a:schemeClr val="bg1"/>
+            </a:solidFill>
+            <a:ln w="19050">
+              <a:solidFill>
+                <a:schemeClr val="tx1"/>
+              </a:solidFill>
+            </a:ln>
+          </p:spPr>
+          <p:style>
+            <a:lnRef idx="2">
+              <a:schemeClr val="accent1">
+                <a:shade val="50000"/>
+              </a:schemeClr>
+            </a:lnRef>
+            <a:fillRef idx="1">
+              <a:schemeClr val="accent1"/>
+            </a:fillRef>
+            <a:effectRef idx="0">
+              <a:schemeClr val="accent1"/>
+            </a:effectRef>
+            <a:fontRef idx="minor">
+              <a:schemeClr val="lt1"/>
+            </a:fontRef>
+          </p:style>
+          <p:txBody>
+            <a:bodyPr rtlCol="0" anchor="ctr"/>
+            <a:lstStyle/>
+            <a:p>
+              <a:pPr algn="ctr"/>
+              <a:r>
+                <a:rPr lang="de-DE" sz="1600" b="1" dirty="0" err="1" smtClean="0">
+                  <a:solidFill>
+                    <a:srgbClr val="002060"/>
+                  </a:solidFill>
+                </a:rPr>
+                <a:t>CPhiIdentification</a:t>
+              </a:r>
+              <a:endParaRPr lang="de-DE" sz="1600" b="1" dirty="0">
+                <a:solidFill>
+                  <a:srgbClr val="002060"/>
+                </a:solidFill>
+              </a:endParaRPr>
+            </a:p>
+          </p:txBody>
+        </p:sp>
+      </p:grpSp>
+      <p:grpSp>
+        <p:nvGrpSpPr>
+          <p:cNvPr id="93" name="Gruppieren 92"/>
+          <p:cNvGrpSpPr/>
+          <p:nvPr/>
+        </p:nvGrpSpPr>
+        <p:grpSpPr>
+          <a:xfrm>
+            <a:off x="6469066" y="490650"/>
+            <a:ext cx="2062940" cy="578153"/>
+            <a:chOff x="9104300" y="490650"/>
+            <a:chExt cx="2062940" cy="578153"/>
+          </a:xfrm>
+        </p:grpSpPr>
+        <p:grpSp>
+          <p:nvGrpSpPr>
+            <p:cNvPr id="95" name="Gruppieren 94"/>
+            <p:cNvGrpSpPr/>
+            <p:nvPr/>
+          </p:nvGrpSpPr>
+          <p:grpSpPr>
+            <a:xfrm>
+              <a:off x="9104300" y="490650"/>
+              <a:ext cx="2062940" cy="578153"/>
+              <a:chOff x="9104300" y="490650"/>
+              <a:chExt cx="2062940" cy="578153"/>
+            </a:xfrm>
+          </p:grpSpPr>
+          <p:sp>
+            <p:nvSpPr>
+              <p:cNvPr id="99" name="Abgerundetes Rechteck 98"/>
+              <p:cNvSpPr/>
+              <p:nvPr/>
+            </p:nvSpPr>
+            <p:spPr>
+              <a:xfrm>
+                <a:off x="10134040" y="490650"/>
+                <a:ext cx="1033200" cy="578153"/>
+              </a:xfrm>
+              <a:prstGeom prst="roundRect">
+                <a:avLst/>
+              </a:prstGeom>
+              <a:solidFill>
+                <a:schemeClr val="bg1"/>
+              </a:solidFill>
+              <a:ln w="19050">
+                <a:noFill/>
+              </a:ln>
+            </p:spPr>
+            <p:style>
+              <a:lnRef idx="2">
+                <a:schemeClr val="accent1">
+                  <a:shade val="50000"/>
+                </a:schemeClr>
+              </a:lnRef>
+              <a:fillRef idx="1">
+                <a:schemeClr val="accent1"/>
+              </a:fillRef>
+              <a:effectRef idx="0">
+                <a:schemeClr val="accent1"/>
+              </a:effectRef>
+              <a:fontRef idx="minor">
+                <a:schemeClr val="lt1"/>
+              </a:fontRef>
+            </p:style>
+            <p:txBody>
+              <a:bodyPr rtlCol="0" anchor="ctr"/>
+              <a:lstStyle/>
+              <a:p>
+                <a:pPr algn="ctr"/>
+                <a:endParaRPr lang="de-DE" sz="1600" b="1" dirty="0">
+                  <a:solidFill>
+                    <a:srgbClr val="002060"/>
+                  </a:solidFill>
+                </a:endParaRPr>
+              </a:p>
+            </p:txBody>
+          </p:sp>
+          <p:sp>
+            <p:nvSpPr>
+              <p:cNvPr id="100" name="Abgerundetes Rechteck 99"/>
+              <p:cNvSpPr/>
+              <p:nvPr/>
+            </p:nvSpPr>
+            <p:spPr>
+              <a:xfrm>
+                <a:off x="9104300" y="490650"/>
+                <a:ext cx="1033200" cy="578153"/>
+              </a:xfrm>
+              <a:prstGeom prst="roundRect">
+                <a:avLst/>
+              </a:prstGeom>
+              <a:solidFill>
+                <a:schemeClr val="bg1"/>
+              </a:solidFill>
+              <a:ln w="19050">
+                <a:noFill/>
+              </a:ln>
+            </p:spPr>
+            <p:style>
+              <a:lnRef idx="2">
+                <a:schemeClr val="accent1">
+                  <a:shade val="50000"/>
+                </a:schemeClr>
+              </a:lnRef>
+              <a:fillRef idx="1">
+                <a:schemeClr val="accent1"/>
+              </a:fillRef>
+              <a:effectRef idx="0">
+                <a:schemeClr val="accent1"/>
+              </a:effectRef>
+              <a:fontRef idx="minor">
+                <a:schemeClr val="lt1"/>
+              </a:fontRef>
+            </p:style>
+            <p:txBody>
+              <a:bodyPr rtlCol="0" anchor="ctr"/>
+              <a:lstStyle/>
+              <a:p>
+                <a:pPr algn="ctr"/>
+                <a:endParaRPr lang="de-DE" sz="1600" b="1" dirty="0">
+                  <a:solidFill>
+                    <a:srgbClr val="002060"/>
+                  </a:solidFill>
+                </a:endParaRPr>
+              </a:p>
+            </p:txBody>
+          </p:sp>
+        </p:grpSp>
+        <p:sp>
+          <p:nvSpPr>
+            <p:cNvPr id="96" name="Abgerundetes Rechteck 95"/>
+            <p:cNvSpPr/>
+            <p:nvPr/>
+          </p:nvSpPr>
+          <p:spPr>
+            <a:xfrm>
+              <a:off x="9104300" y="490650"/>
+              <a:ext cx="2062940" cy="578153"/>
+            </a:xfrm>
+            <a:prstGeom prst="roundRect">
+              <a:avLst/>
+            </a:prstGeom>
+            <a:solidFill>
+              <a:schemeClr val="bg1"/>
+            </a:solidFill>
+            <a:ln w="19050">
+              <a:solidFill>
+                <a:schemeClr val="tx1"/>
+              </a:solidFill>
+            </a:ln>
+          </p:spPr>
+          <p:style>
+            <a:lnRef idx="2">
+              <a:schemeClr val="accent1">
+                <a:shade val="50000"/>
+              </a:schemeClr>
+            </a:lnRef>
+            <a:fillRef idx="1">
+              <a:schemeClr val="accent1"/>
+            </a:fillRef>
+            <a:effectRef idx="0">
+              <a:schemeClr val="accent1"/>
+            </a:effectRef>
+            <a:fontRef idx="minor">
+              <a:schemeClr val="lt1"/>
+            </a:fontRef>
+          </p:style>
+          <p:txBody>
+            <a:bodyPr rtlCol="0" anchor="ctr"/>
+            <a:lstStyle/>
+            <a:p>
+              <a:pPr algn="ctr"/>
+              <a:r>
+                <a:rPr lang="de-DE" sz="1600" b="1" dirty="0" err="1">
+                  <a:solidFill>
+                    <a:srgbClr val="002060"/>
+                  </a:solidFill>
+                </a:rPr>
+                <a:t>CPsiIdentification</a:t>
+              </a:r>
+              <a:endParaRPr lang="de-DE" sz="1600" b="1" dirty="0">
+                <a:solidFill>
+                  <a:srgbClr val="002060"/>
+                </a:solidFill>
+              </a:endParaRPr>
+            </a:p>
+          </p:txBody>
+        </p:sp>
+      </p:grpSp>
+      <p:grpSp>
+        <p:nvGrpSpPr>
+          <p:cNvPr id="108" name="Gruppieren 107"/>
+          <p:cNvGrpSpPr/>
+          <p:nvPr/>
+        </p:nvGrpSpPr>
+        <p:grpSpPr>
+          <a:xfrm>
+            <a:off x="850926" y="490650"/>
+            <a:ext cx="2062940" cy="578153"/>
+            <a:chOff x="9104300" y="490650"/>
+            <a:chExt cx="2062940" cy="578153"/>
+          </a:xfrm>
+        </p:grpSpPr>
+        <p:grpSp>
+          <p:nvGrpSpPr>
+            <p:cNvPr id="109" name="Gruppieren 108"/>
+            <p:cNvGrpSpPr/>
+            <p:nvPr/>
+          </p:nvGrpSpPr>
+          <p:grpSpPr>
+            <a:xfrm>
+              <a:off x="9104300" y="490650"/>
+              <a:ext cx="2062940" cy="578153"/>
+              <a:chOff x="9104300" y="490650"/>
+              <a:chExt cx="2062940" cy="578153"/>
+            </a:xfrm>
+          </p:grpSpPr>
+          <p:sp>
+            <p:nvSpPr>
+              <p:cNvPr id="112" name="Abgerundetes Rechteck 111"/>
+              <p:cNvSpPr/>
+              <p:nvPr/>
+            </p:nvSpPr>
+            <p:spPr>
+              <a:xfrm>
+                <a:off x="10134040" y="490650"/>
+                <a:ext cx="1033200" cy="578153"/>
+              </a:xfrm>
+              <a:prstGeom prst="roundRect">
+                <a:avLst/>
+              </a:prstGeom>
+              <a:solidFill>
+                <a:schemeClr val="bg1"/>
+              </a:solidFill>
+              <a:ln w="19050">
+                <a:noFill/>
+              </a:ln>
+            </p:spPr>
+            <p:style>
+              <a:lnRef idx="2">
+                <a:schemeClr val="accent1">
+                  <a:shade val="50000"/>
+                </a:schemeClr>
+              </a:lnRef>
+              <a:fillRef idx="1">
+                <a:schemeClr val="accent1"/>
+              </a:fillRef>
+              <a:effectRef idx="0">
+                <a:schemeClr val="accent1"/>
+              </a:effectRef>
+              <a:fontRef idx="minor">
+                <a:schemeClr val="lt1"/>
+              </a:fontRef>
+            </p:style>
+            <p:txBody>
+              <a:bodyPr rtlCol="0" anchor="ctr"/>
+              <a:lstStyle/>
+              <a:p>
+                <a:pPr algn="ctr"/>
+                <a:endParaRPr lang="de-DE" sz="1600" b="1" dirty="0">
+                  <a:solidFill>
+                    <a:srgbClr val="002060"/>
+                  </a:solidFill>
+                </a:endParaRPr>
+              </a:p>
+            </p:txBody>
+          </p:sp>
+          <p:sp>
+            <p:nvSpPr>
+              <p:cNvPr id="113" name="Abgerundetes Rechteck 112"/>
+              <p:cNvSpPr/>
+              <p:nvPr/>
+            </p:nvSpPr>
+            <p:spPr>
+              <a:xfrm>
+                <a:off x="9104300" y="490650"/>
+                <a:ext cx="1033200" cy="578153"/>
+              </a:xfrm>
+              <a:prstGeom prst="roundRect">
+                <a:avLst/>
+              </a:prstGeom>
+              <a:solidFill>
+                <a:schemeClr val="bg1"/>
+              </a:solidFill>
+              <a:ln w="19050">
+                <a:noFill/>
+              </a:ln>
+            </p:spPr>
+            <p:style>
+              <a:lnRef idx="2">
+                <a:schemeClr val="accent1">
+                  <a:shade val="50000"/>
+                </a:schemeClr>
+              </a:lnRef>
+              <a:fillRef idx="1">
+                <a:schemeClr val="accent1"/>
+              </a:fillRef>
+              <a:effectRef idx="0">
+                <a:schemeClr val="accent1"/>
+              </a:effectRef>
+              <a:fontRef idx="minor">
+                <a:schemeClr val="lt1"/>
+              </a:fontRef>
+            </p:style>
+            <p:txBody>
+              <a:bodyPr rtlCol="0" anchor="ctr"/>
+              <a:lstStyle/>
+              <a:p>
+                <a:pPr algn="ctr"/>
+                <a:endParaRPr lang="de-DE" sz="1600" b="1" dirty="0">
+                  <a:solidFill>
+                    <a:srgbClr val="002060"/>
+                  </a:solidFill>
+                </a:endParaRPr>
+              </a:p>
+            </p:txBody>
+          </p:sp>
+        </p:grpSp>
+        <p:sp>
+          <p:nvSpPr>
+            <p:cNvPr id="110" name="Abgerundetes Rechteck 109"/>
+            <p:cNvSpPr/>
+            <p:nvPr/>
+          </p:nvSpPr>
+          <p:spPr>
+            <a:xfrm>
+              <a:off x="9104300" y="490650"/>
+              <a:ext cx="2062940" cy="578153"/>
+            </a:xfrm>
+            <a:prstGeom prst="roundRect">
+              <a:avLst/>
+            </a:prstGeom>
+            <a:solidFill>
+              <a:schemeClr val="bg1"/>
+            </a:solidFill>
+            <a:ln w="19050">
+              <a:solidFill>
+                <a:schemeClr val="tx1"/>
+              </a:solidFill>
+            </a:ln>
+          </p:spPr>
+          <p:style>
+            <a:lnRef idx="2">
+              <a:schemeClr val="accent1">
+                <a:shade val="50000"/>
+              </a:schemeClr>
+            </a:lnRef>
+            <a:fillRef idx="1">
+              <a:schemeClr val="accent1"/>
+            </a:fillRef>
+            <a:effectRef idx="0">
+              <a:schemeClr val="accent1"/>
+            </a:effectRef>
+            <a:fontRef idx="minor">
+              <a:schemeClr val="lt1"/>
+            </a:fontRef>
+          </p:style>
+          <p:txBody>
+            <a:bodyPr rtlCol="0" anchor="ctr"/>
+            <a:lstStyle/>
+            <a:p>
+              <a:pPr algn="ctr"/>
+              <a:r>
+                <a:rPr lang="de-DE" sz="1600" b="1" dirty="0" err="1">
+                  <a:solidFill>
+                    <a:srgbClr val="002060"/>
+                  </a:solidFill>
+                </a:rPr>
+                <a:t>SensorMeasurement</a:t>
+              </a:r>
+              <a:endParaRPr lang="de-DE" sz="1600" b="1" dirty="0">
+                <a:solidFill>
+                  <a:srgbClr val="002060"/>
+                </a:solidFill>
+              </a:endParaRPr>
+            </a:p>
+          </p:txBody>
+        </p:sp>
+      </p:grpSp>
+      <p:cxnSp>
+        <p:nvCxnSpPr>
+          <p:cNvPr id="132" name="Gewinkelte Verbindung 131"/>
+          <p:cNvCxnSpPr>
+            <a:stCxn id="89" idx="2"/>
+            <a:endCxn id="127" idx="3"/>
+          </p:cNvCxnSpPr>
+          <p:nvPr/>
+        </p:nvCxnSpPr>
+        <p:spPr>
+          <a:xfrm rot="5400000">
+            <a:off x="7658630" y="537644"/>
+            <a:ext cx="1604947" cy="2667265"/>
+          </a:xfrm>
+          <a:prstGeom prst="bentConnector2">
+            <a:avLst/>
+          </a:prstGeom>
+          <a:ln w="19050">
+            <a:solidFill>
+              <a:schemeClr val="tx1"/>
+            </a:solidFill>
+            <a:tailEnd type="triangle" w="med" len="sm"/>
+          </a:ln>
+        </p:spPr>
+        <p:style>
+          <a:lnRef idx="1">
+            <a:schemeClr val="accent1"/>
+          </a:lnRef>
+          <a:fillRef idx="0">
+            <a:schemeClr val="accent1"/>
+          </a:fillRef>
+          <a:effectRef idx="0">
+            <a:schemeClr val="accent1"/>
+          </a:effectRef>
+          <a:fontRef idx="minor">
+            <a:schemeClr val="tx1"/>
+          </a:fontRef>
+        </p:style>
+      </p:cxnSp>
+      <p:cxnSp>
+        <p:nvCxnSpPr>
+          <p:cNvPr id="142" name="Gewinkelte Verbindung 141"/>
+          <p:cNvCxnSpPr>
+            <a:stCxn id="127" idx="0"/>
+            <a:endCxn id="99" idx="2"/>
+          </p:cNvCxnSpPr>
+          <p:nvPr/>
+        </p:nvCxnSpPr>
+        <p:spPr>
+          <a:xfrm rot="5400000" flipH="1" flipV="1">
+            <a:off x="6714065" y="1224809"/>
+            <a:ext cx="1457347" cy="1145336"/>
+          </a:xfrm>
+          <a:prstGeom prst="bentConnector3">
+            <a:avLst>
+              <a:gd name="adj1" fmla="val 36614"/>
+            </a:avLst>
+          </a:prstGeom>
+          <a:ln w="19050">
+            <a:solidFill>
+              <a:schemeClr val="tx1"/>
+            </a:solidFill>
+            <a:tailEnd type="triangle" w="med" len="sm"/>
+          </a:ln>
+        </p:spPr>
+        <p:style>
+          <a:lnRef idx="1">
+            <a:schemeClr val="accent1"/>
+          </a:lnRef>
+          <a:fillRef idx="0">
+            <a:schemeClr val="accent1"/>
+          </a:fillRef>
+          <a:effectRef idx="0">
+            <a:schemeClr val="accent1"/>
+          </a:effectRef>
+          <a:fontRef idx="minor">
+            <a:schemeClr val="tx1"/>
+          </a:fontRef>
+        </p:style>
+      </p:cxnSp>
+      <p:cxnSp>
+        <p:nvCxnSpPr>
+          <p:cNvPr id="146" name="Gewinkelte Verbindung 145"/>
+          <p:cNvCxnSpPr>
+            <a:stCxn id="100" idx="2"/>
+            <a:endCxn id="131" idx="0"/>
+          </p:cNvCxnSpPr>
+          <p:nvPr/>
+        </p:nvCxnSpPr>
+        <p:spPr>
+          <a:xfrm rot="5400000">
+            <a:off x="5941172" y="1481655"/>
+            <a:ext cx="1457347" cy="631642"/>
+          </a:xfrm>
+          <a:prstGeom prst="bentConnector3">
+            <a:avLst>
+              <a:gd name="adj1" fmla="val 38288"/>
+            </a:avLst>
+          </a:prstGeom>
+          <a:ln w="19050">
+            <a:solidFill>
+              <a:schemeClr val="tx1"/>
+            </a:solidFill>
+            <a:tailEnd type="triangle" w="med" len="sm"/>
+          </a:ln>
+        </p:spPr>
+        <p:style>
+          <a:lnRef idx="1">
+            <a:schemeClr val="accent1"/>
+          </a:lnRef>
+          <a:fillRef idx="0">
+            <a:schemeClr val="accent1"/>
+          </a:fillRef>
+          <a:effectRef idx="0">
+            <a:schemeClr val="accent1"/>
+          </a:effectRef>
+          <a:fontRef idx="minor">
+            <a:schemeClr val="tx1"/>
+          </a:fontRef>
+        </p:style>
+      </p:cxnSp>
+      <p:cxnSp>
+        <p:nvCxnSpPr>
+          <p:cNvPr id="149" name="Gewinkelte Verbindung 148"/>
+          <p:cNvCxnSpPr>
+            <a:stCxn id="130" idx="0"/>
+            <a:endCxn id="104" idx="2"/>
+          </p:cNvCxnSpPr>
+          <p:nvPr/>
+        </p:nvCxnSpPr>
+        <p:spPr>
+          <a:xfrm rot="16200000" flipV="1">
+            <a:off x="4793484" y="1481656"/>
+            <a:ext cx="1457347" cy="631641"/>
+          </a:xfrm>
+          <a:prstGeom prst="bentConnector3">
+            <a:avLst>
+              <a:gd name="adj1" fmla="val 62549"/>
+            </a:avLst>
+          </a:prstGeom>
+          <a:ln w="19050">
+            <a:solidFill>
+              <a:schemeClr val="tx1"/>
+            </a:solidFill>
+            <a:tailEnd type="triangle" w="med" len="sm"/>
+          </a:ln>
+        </p:spPr>
+        <p:style>
+          <a:lnRef idx="1">
+            <a:schemeClr val="accent1"/>
+          </a:lnRef>
+          <a:fillRef idx="0">
+            <a:schemeClr val="accent1"/>
+          </a:fillRef>
+          <a:effectRef idx="0">
+            <a:schemeClr val="accent1"/>
+          </a:effectRef>
+          <a:fontRef idx="minor">
+            <a:schemeClr val="tx1"/>
+          </a:fontRef>
+        </p:style>
+      </p:cxnSp>
+      <p:cxnSp>
+        <p:nvCxnSpPr>
+          <p:cNvPr id="150" name="Gewinkelte Verbindung 149"/>
+          <p:cNvCxnSpPr>
+            <a:stCxn id="105" idx="2"/>
+            <a:endCxn id="125" idx="0"/>
+          </p:cNvCxnSpPr>
+          <p:nvPr/>
+        </p:nvCxnSpPr>
+        <p:spPr>
+          <a:xfrm rot="16200000" flipH="1">
+            <a:off x="4020590" y="1224809"/>
+            <a:ext cx="1457347" cy="1145334"/>
+          </a:xfrm>
+          <a:prstGeom prst="bentConnector3">
+            <a:avLst>
+              <a:gd name="adj1" fmla="val 62549"/>
+            </a:avLst>
+          </a:prstGeom>
+          <a:ln w="19050">
+            <a:solidFill>
+              <a:schemeClr val="tx1"/>
+            </a:solidFill>
+            <a:tailEnd type="triangle" w="med" len="sm"/>
+          </a:ln>
+        </p:spPr>
+        <p:style>
+          <a:lnRef idx="1">
+            <a:schemeClr val="accent1"/>
+          </a:lnRef>
+          <a:fillRef idx="0">
+            <a:schemeClr val="accent1"/>
+          </a:fillRef>
+          <a:effectRef idx="0">
+            <a:schemeClr val="accent1"/>
+          </a:effectRef>
+          <a:fontRef idx="minor">
+            <a:schemeClr val="tx1"/>
+          </a:fontRef>
+        </p:style>
+      </p:cxnSp>
+      <p:cxnSp>
+        <p:nvCxnSpPr>
+          <p:cNvPr id="156" name="Gewinkelte Verbindung 155"/>
+          <p:cNvCxnSpPr>
+            <a:stCxn id="113" idx="2"/>
+            <a:endCxn id="122" idx="1"/>
+          </p:cNvCxnSpPr>
+          <p:nvPr/>
+        </p:nvCxnSpPr>
+        <p:spPr>
+          <a:xfrm rot="16200000" flipH="1">
+            <a:off x="2268412" y="167917"/>
+            <a:ext cx="1895233" cy="3697004"/>
+          </a:xfrm>
+          <a:prstGeom prst="bentConnector2">
+            <a:avLst/>
+          </a:prstGeom>
+          <a:ln w="19050">
+            <a:solidFill>
+              <a:schemeClr val="tx1"/>
+            </a:solidFill>
+            <a:tailEnd type="triangle" w="med" len="sm"/>
+          </a:ln>
+        </p:spPr>
+        <p:style>
+          <a:lnRef idx="1">
+            <a:schemeClr val="accent1"/>
+          </a:lnRef>
+          <a:fillRef idx="0">
+            <a:schemeClr val="accent1"/>
+          </a:fillRef>
+          <a:effectRef idx="0">
+            <a:schemeClr val="accent1"/>
+          </a:effectRef>
+          <a:fontRef idx="minor">
+            <a:schemeClr val="tx1"/>
+          </a:fontRef>
+        </p:style>
+      </p:cxnSp>
+      <p:grpSp>
+        <p:nvGrpSpPr>
+          <p:cNvPr id="291" name="Gruppieren 290"/>
+          <p:cNvGrpSpPr/>
+          <p:nvPr/>
+        </p:nvGrpSpPr>
+        <p:grpSpPr>
+          <a:xfrm>
+            <a:off x="274900" y="3908864"/>
+            <a:ext cx="5582713" cy="2469272"/>
+            <a:chOff x="140223" y="3840066"/>
+            <a:chExt cx="5582713" cy="2469272"/>
+          </a:xfrm>
+        </p:grpSpPr>
+        <p:sp>
+          <p:nvSpPr>
+            <p:cNvPr id="277" name="Abgerundetes Rechteck 276"/>
+            <p:cNvSpPr/>
+            <p:nvPr/>
+          </p:nvSpPr>
+          <p:spPr>
+            <a:xfrm>
+              <a:off x="140223" y="3846140"/>
+              <a:ext cx="2786400" cy="2463198"/>
+            </a:xfrm>
+            <a:prstGeom prst="roundRect">
+              <a:avLst/>
+            </a:prstGeom>
+            <a:solidFill>
+              <a:schemeClr val="bg1"/>
+            </a:solidFill>
+            <a:ln w="19050">
+              <a:noFill/>
+            </a:ln>
+          </p:spPr>
+          <p:style>
+            <a:lnRef idx="2">
+              <a:schemeClr val="accent1">
+                <a:shade val="50000"/>
+              </a:schemeClr>
+            </a:lnRef>
+            <a:fillRef idx="1">
+              <a:schemeClr val="accent1"/>
+            </a:fillRef>
+            <a:effectRef idx="0">
+              <a:schemeClr val="accent1"/>
+            </a:effectRef>
+            <a:fontRef idx="minor">
+              <a:schemeClr val="lt1"/>
+            </a:fontRef>
+          </p:style>
+          <p:txBody>
+            <a:bodyPr rtlCol="0" anchor="ctr"/>
+            <a:lstStyle/>
+            <a:p>
+              <a:pPr algn="ctr"/>
+              <a:endParaRPr lang="de-DE"/>
+            </a:p>
+          </p:txBody>
+        </p:sp>
+        <p:sp>
+          <p:nvSpPr>
+            <p:cNvPr id="278" name="Abgerundetes Rechteck 277"/>
+            <p:cNvSpPr/>
+            <p:nvPr/>
+          </p:nvSpPr>
+          <p:spPr>
+            <a:xfrm>
+              <a:off x="2924771" y="3840066"/>
+              <a:ext cx="2786400" cy="2463198"/>
+            </a:xfrm>
+            <a:prstGeom prst="roundRect">
+              <a:avLst/>
+            </a:prstGeom>
+            <a:solidFill>
+              <a:schemeClr val="bg1"/>
+            </a:solidFill>
+            <a:ln w="19050">
+              <a:noFill/>
+            </a:ln>
+          </p:spPr>
+          <p:style>
+            <a:lnRef idx="2">
+              <a:schemeClr val="accent1">
+                <a:shade val="50000"/>
+              </a:schemeClr>
+            </a:lnRef>
+            <a:fillRef idx="1">
+              <a:schemeClr val="accent1"/>
+            </a:fillRef>
+            <a:effectRef idx="0">
+              <a:schemeClr val="accent1"/>
+            </a:effectRef>
+            <a:fontRef idx="minor">
+              <a:schemeClr val="lt1"/>
+            </a:fontRef>
+          </p:style>
+          <p:txBody>
+            <a:bodyPr rtlCol="0" anchor="ctr"/>
+            <a:lstStyle/>
+            <a:p>
+              <a:pPr algn="ctr"/>
+              <a:endParaRPr lang="de-DE"/>
+            </a:p>
+          </p:txBody>
+        </p:sp>
+        <p:sp>
+          <p:nvSpPr>
+            <p:cNvPr id="116" name="Abgerundetes Rechteck 115"/>
+            <p:cNvSpPr/>
+            <p:nvPr/>
+          </p:nvSpPr>
+          <p:spPr>
+            <a:xfrm>
+              <a:off x="140223" y="3840066"/>
+              <a:ext cx="5570948" cy="2463198"/>
+            </a:xfrm>
+            <a:prstGeom prst="roundRect">
+              <a:avLst/>
+            </a:prstGeom>
+            <a:solidFill>
+              <a:schemeClr val="bg1"/>
+            </a:solidFill>
+            <a:ln w="19050">
+              <a:solidFill>
+                <a:schemeClr val="tx1"/>
+              </a:solidFill>
+            </a:ln>
+          </p:spPr>
+          <p:style>
+            <a:lnRef idx="2">
+              <a:schemeClr val="accent1">
+                <a:shade val="50000"/>
+              </a:schemeClr>
+            </a:lnRef>
+            <a:fillRef idx="1">
+              <a:schemeClr val="accent1"/>
+            </a:fillRef>
+            <a:effectRef idx="0">
+              <a:schemeClr val="accent1"/>
+            </a:effectRef>
+            <a:fontRef idx="minor">
+              <a:schemeClr val="lt1"/>
+            </a:fontRef>
+          </p:style>
+          <p:txBody>
+            <a:bodyPr rtlCol="0" anchor="ctr"/>
+            <a:lstStyle/>
+            <a:p>
+              <a:pPr algn="ctr"/>
+              <a:endParaRPr lang="de-DE"/>
+            </a:p>
+          </p:txBody>
+        </p:sp>
+        <p:cxnSp>
+          <p:nvCxnSpPr>
+            <p:cNvPr id="117" name="Gerader Verbinder 116"/>
+            <p:cNvCxnSpPr/>
+            <p:nvPr/>
+          </p:nvCxnSpPr>
+          <p:spPr>
+            <a:xfrm>
+              <a:off x="140223" y="4323393"/>
+              <a:ext cx="5582713" cy="0"/>
+            </a:xfrm>
+            <a:prstGeom prst="line">
+              <a:avLst/>
+            </a:prstGeom>
+            <a:ln w="19050">
+              <a:solidFill>
+                <a:schemeClr val="tx1"/>
+              </a:solidFill>
+            </a:ln>
+          </p:spPr>
+          <p:style>
+            <a:lnRef idx="1">
+              <a:schemeClr val="accent1"/>
+            </a:lnRef>
+            <a:fillRef idx="0">
+              <a:schemeClr val="accent1"/>
+            </a:fillRef>
+            <a:effectRef idx="0">
+              <a:schemeClr val="accent1"/>
+            </a:effectRef>
+            <a:fontRef idx="minor">
+              <a:schemeClr val="tx1"/>
+            </a:fontRef>
+          </p:style>
+        </p:cxnSp>
+        <p:sp>
+          <p:nvSpPr>
+            <p:cNvPr id="118" name="Textfeld 117"/>
+            <p:cNvSpPr txBox="1"/>
+            <p:nvPr/>
+          </p:nvSpPr>
+          <p:spPr>
+            <a:xfrm>
+              <a:off x="1921723" y="3912452"/>
+              <a:ext cx="2007944" cy="338555"/>
+            </a:xfrm>
+            <a:prstGeom prst="rect">
+              <a:avLst/>
+            </a:prstGeom>
+            <a:noFill/>
+          </p:spPr>
+          <p:txBody>
+            <a:bodyPr wrap="square" rtlCol="0" anchor="ctr">
+              <a:spAutoFit/>
+            </a:bodyPr>
+            <a:lstStyle/>
+            <a:p>
+              <a:pPr algn="ctr"/>
+              <a:r>
+                <a:rPr lang="de-DE" sz="1600" b="1" dirty="0" err="1" smtClean="0">
+                  <a:solidFill>
+                    <a:srgbClr val="002060"/>
+                  </a:solidFill>
+                </a:rPr>
+                <a:t>JumpTest</a:t>
+              </a:r>
+              <a:endParaRPr lang="de-DE" sz="1600" b="1" dirty="0">
+                <a:solidFill>
+                  <a:srgbClr val="002060"/>
+                </a:solidFill>
+              </a:endParaRPr>
+            </a:p>
+          </p:txBody>
+        </p:sp>
+        <p:cxnSp>
+          <p:nvCxnSpPr>
+            <p:cNvPr id="155" name="Gewinkelte Verbindung 154"/>
+            <p:cNvCxnSpPr>
+              <a:stCxn id="186" idx="3"/>
+              <a:endCxn id="180" idx="2"/>
+            </p:cNvCxnSpPr>
+            <p:nvPr/>
+          </p:nvCxnSpPr>
+          <p:spPr>
+            <a:xfrm flipV="1">
+              <a:off x="3601216" y="4892624"/>
+              <a:ext cx="1038502" cy="957499"/>
+            </a:xfrm>
+            <a:prstGeom prst="bentConnector2">
+              <a:avLst/>
+            </a:prstGeom>
+            <a:ln w="19050">
+              <a:solidFill>
+                <a:schemeClr val="tx1"/>
+              </a:solidFill>
+              <a:tailEnd type="triangle" w="med" len="sm"/>
+            </a:ln>
+          </p:spPr>
+          <p:style>
+            <a:lnRef idx="1">
+              <a:schemeClr val="accent1"/>
+            </a:lnRef>
+            <a:fillRef idx="0">
+              <a:schemeClr val="accent1"/>
+            </a:fillRef>
+            <a:effectRef idx="0">
+              <a:schemeClr val="accent1"/>
+            </a:effectRef>
+            <a:fontRef idx="minor">
+              <a:schemeClr val="tx1"/>
+            </a:fontRef>
+          </p:style>
+        </p:cxnSp>
+        <p:grpSp>
+          <p:nvGrpSpPr>
+            <p:cNvPr id="169" name="Gruppieren 168"/>
+            <p:cNvGrpSpPr/>
+            <p:nvPr/>
+          </p:nvGrpSpPr>
+          <p:grpSpPr>
+            <a:xfrm>
+              <a:off x="694486" y="4510642"/>
+              <a:ext cx="1057910" cy="381982"/>
+              <a:chOff x="9104300" y="490650"/>
+              <a:chExt cx="2062940" cy="578153"/>
+            </a:xfrm>
+          </p:grpSpPr>
+          <p:grpSp>
+            <p:nvGrpSpPr>
+              <p:cNvPr id="170" name="Gruppieren 169"/>
+              <p:cNvGrpSpPr/>
+              <p:nvPr/>
+            </p:nvGrpSpPr>
+            <p:grpSpPr>
+              <a:xfrm>
+                <a:off x="9104300" y="490650"/>
+                <a:ext cx="2062940" cy="578153"/>
+                <a:chOff x="9104300" y="490650"/>
+                <a:chExt cx="2062940" cy="578153"/>
+              </a:xfrm>
+            </p:grpSpPr>
+            <p:sp>
+              <p:nvSpPr>
+                <p:cNvPr id="174" name="Abgerundetes Rechteck 173"/>
+                <p:cNvSpPr/>
+                <p:nvPr/>
+              </p:nvSpPr>
+              <p:spPr>
+                <a:xfrm>
+                  <a:off x="10134040" y="490650"/>
+                  <a:ext cx="1033200" cy="578153"/>
+                </a:xfrm>
+                <a:prstGeom prst="roundRect">
+                  <a:avLst/>
+                </a:prstGeom>
+                <a:solidFill>
+                  <a:schemeClr val="bg1"/>
+                </a:solidFill>
+                <a:ln w="19050">
+                  <a:noFill/>
+                </a:ln>
+              </p:spPr>
+              <p:style>
+                <a:lnRef idx="2">
+                  <a:schemeClr val="accent1">
+                    <a:shade val="50000"/>
+                  </a:schemeClr>
+                </a:lnRef>
+                <a:fillRef idx="1">
+                  <a:schemeClr val="accent1"/>
+                </a:fillRef>
+                <a:effectRef idx="0">
+                  <a:schemeClr val="accent1"/>
+                </a:effectRef>
+                <a:fontRef idx="minor">
+                  <a:schemeClr val="lt1"/>
+                </a:fontRef>
+              </p:style>
+              <p:txBody>
+                <a:bodyPr rtlCol="0" anchor="ctr"/>
+                <a:lstStyle/>
+                <a:p>
+                  <a:pPr algn="ctr"/>
+                  <a:endParaRPr lang="de-DE" sz="1600" b="1" dirty="0">
+                    <a:solidFill>
+                      <a:srgbClr val="002060"/>
+                    </a:solidFill>
+                  </a:endParaRPr>
+                </a:p>
+              </p:txBody>
+            </p:sp>
+            <p:sp>
+              <p:nvSpPr>
+                <p:cNvPr id="177" name="Abgerundetes Rechteck 176"/>
+                <p:cNvSpPr/>
+                <p:nvPr/>
+              </p:nvSpPr>
+              <p:spPr>
+                <a:xfrm>
+                  <a:off x="9104300" y="490650"/>
+                  <a:ext cx="1033200" cy="578153"/>
+                </a:xfrm>
+                <a:prstGeom prst="roundRect">
+                  <a:avLst/>
+                </a:prstGeom>
+                <a:solidFill>
+                  <a:schemeClr val="bg1"/>
+                </a:solidFill>
+                <a:ln w="19050">
+                  <a:noFill/>
+                </a:ln>
+              </p:spPr>
+              <p:style>
+                <a:lnRef idx="2">
+                  <a:schemeClr val="accent1">
+                    <a:shade val="50000"/>
+                  </a:schemeClr>
+                </a:lnRef>
+                <a:fillRef idx="1">
+                  <a:schemeClr val="accent1"/>
+                </a:fillRef>
+                <a:effectRef idx="0">
+                  <a:schemeClr val="accent1"/>
+                </a:effectRef>
+                <a:fontRef idx="minor">
+                  <a:schemeClr val="lt1"/>
+                </a:fontRef>
+              </p:style>
+              <p:txBody>
+                <a:bodyPr rtlCol="0" anchor="ctr"/>
+                <a:lstStyle/>
+                <a:p>
+                  <a:pPr algn="ctr"/>
+                  <a:endParaRPr lang="de-DE" sz="1600" b="1" dirty="0">
+                    <a:solidFill>
+                      <a:srgbClr val="002060"/>
+                    </a:solidFill>
+                  </a:endParaRPr>
+                </a:p>
+              </p:txBody>
+            </p:sp>
+          </p:grpSp>
+          <p:sp>
+            <p:nvSpPr>
+              <p:cNvPr id="173" name="Abgerundetes Rechteck 172"/>
+              <p:cNvSpPr/>
+              <p:nvPr/>
+            </p:nvSpPr>
+            <p:spPr>
+              <a:xfrm>
+                <a:off x="9104300" y="490650"/>
+                <a:ext cx="2062940" cy="578153"/>
+              </a:xfrm>
+              <a:prstGeom prst="roundRect">
+                <a:avLst/>
+              </a:prstGeom>
+              <a:solidFill>
+                <a:schemeClr val="bg1"/>
+              </a:solidFill>
+              <a:ln w="19050">
+                <a:solidFill>
+                  <a:schemeClr val="tx1"/>
+                </a:solidFill>
+              </a:ln>
+            </p:spPr>
+            <p:style>
+              <a:lnRef idx="2">
+                <a:schemeClr val="accent1">
+                  <a:shade val="50000"/>
+                </a:schemeClr>
+              </a:lnRef>
+              <a:fillRef idx="1">
+                <a:schemeClr val="accent1"/>
+              </a:fillRef>
+              <a:effectRef idx="0">
+                <a:schemeClr val="accent1"/>
+              </a:effectRef>
+              <a:fontRef idx="minor">
+                <a:schemeClr val="lt1"/>
+              </a:fontRef>
+            </p:style>
+            <p:txBody>
+              <a:bodyPr rtlCol="0" anchor="ctr"/>
+              <a:lstStyle/>
+              <a:p>
+                <a:pPr algn="ctr"/>
+                <a:r>
+                  <a:rPr lang="de-DE" sz="1600" b="1" dirty="0" smtClean="0">
+                    <a:solidFill>
+                      <a:srgbClr val="002060"/>
+                    </a:solidFill>
+                  </a:rPr>
+                  <a:t>Waiting</a:t>
+                </a:r>
+                <a:endParaRPr lang="de-DE" sz="1600" b="1" dirty="0">
+                  <a:solidFill>
+                    <a:srgbClr val="002060"/>
+                  </a:solidFill>
+                </a:endParaRPr>
+              </a:p>
+            </p:txBody>
+          </p:sp>
+        </p:grpSp>
+        <p:grpSp>
+          <p:nvGrpSpPr>
+            <p:cNvPr id="178" name="Gruppieren 177"/>
+            <p:cNvGrpSpPr/>
+            <p:nvPr/>
+          </p:nvGrpSpPr>
+          <p:grpSpPr>
+            <a:xfrm>
+              <a:off x="4110763" y="4510642"/>
+              <a:ext cx="1057910" cy="381982"/>
+              <a:chOff x="9104300" y="490650"/>
+              <a:chExt cx="2062940" cy="578153"/>
+            </a:xfrm>
+          </p:grpSpPr>
+          <p:grpSp>
+            <p:nvGrpSpPr>
+              <p:cNvPr id="179" name="Gruppieren 178"/>
+              <p:cNvGrpSpPr/>
+              <p:nvPr/>
+            </p:nvGrpSpPr>
+            <p:grpSpPr>
+              <a:xfrm>
+                <a:off x="9104300" y="490650"/>
+                <a:ext cx="2062940" cy="578153"/>
+                <a:chOff x="9104300" y="490650"/>
+                <a:chExt cx="2062940" cy="578153"/>
+              </a:xfrm>
+            </p:grpSpPr>
+            <p:sp>
+              <p:nvSpPr>
+                <p:cNvPr id="181" name="Abgerundetes Rechteck 180"/>
+                <p:cNvSpPr/>
+                <p:nvPr/>
+              </p:nvSpPr>
+              <p:spPr>
+                <a:xfrm>
+                  <a:off x="10134040" y="490650"/>
+                  <a:ext cx="1033200" cy="578153"/>
+                </a:xfrm>
+                <a:prstGeom prst="roundRect">
+                  <a:avLst/>
+                </a:prstGeom>
+                <a:solidFill>
+                  <a:schemeClr val="bg1"/>
+                </a:solidFill>
+                <a:ln w="19050">
+                  <a:noFill/>
+                </a:ln>
+              </p:spPr>
+              <p:style>
+                <a:lnRef idx="2">
+                  <a:schemeClr val="accent1">
+                    <a:shade val="50000"/>
+                  </a:schemeClr>
+                </a:lnRef>
+                <a:fillRef idx="1">
+                  <a:schemeClr val="accent1"/>
+                </a:fillRef>
+                <a:effectRef idx="0">
+                  <a:schemeClr val="accent1"/>
+                </a:effectRef>
+                <a:fontRef idx="minor">
+                  <a:schemeClr val="lt1"/>
+                </a:fontRef>
+              </p:style>
+              <p:txBody>
+                <a:bodyPr rtlCol="0" anchor="ctr"/>
+                <a:lstStyle/>
+                <a:p>
+                  <a:pPr algn="ctr"/>
+                  <a:endParaRPr lang="de-DE" sz="1600" b="1" dirty="0">
+                    <a:solidFill>
+                      <a:srgbClr val="002060"/>
+                    </a:solidFill>
+                  </a:endParaRPr>
+                </a:p>
+              </p:txBody>
+            </p:sp>
+            <p:sp>
+              <p:nvSpPr>
+                <p:cNvPr id="182" name="Abgerundetes Rechteck 181"/>
+                <p:cNvSpPr/>
+                <p:nvPr/>
+              </p:nvSpPr>
+              <p:spPr>
+                <a:xfrm>
+                  <a:off x="9104300" y="490650"/>
+                  <a:ext cx="1033200" cy="578153"/>
+                </a:xfrm>
+                <a:prstGeom prst="roundRect">
+                  <a:avLst/>
+                </a:prstGeom>
+                <a:solidFill>
+                  <a:schemeClr val="bg1"/>
+                </a:solidFill>
+                <a:ln w="19050">
+                  <a:noFill/>
+                </a:ln>
+              </p:spPr>
+              <p:style>
+                <a:lnRef idx="2">
+                  <a:schemeClr val="accent1">
+                    <a:shade val="50000"/>
+                  </a:schemeClr>
+                </a:lnRef>
+                <a:fillRef idx="1">
+                  <a:schemeClr val="accent1"/>
+                </a:fillRef>
+                <a:effectRef idx="0">
+                  <a:schemeClr val="accent1"/>
+                </a:effectRef>
+                <a:fontRef idx="minor">
+                  <a:schemeClr val="lt1"/>
+                </a:fontRef>
+              </p:style>
+              <p:txBody>
+                <a:bodyPr rtlCol="0" anchor="ctr"/>
+                <a:lstStyle/>
+                <a:p>
+                  <a:pPr algn="ctr"/>
+                  <a:endParaRPr lang="de-DE" sz="1600" b="1" dirty="0">
+                    <a:solidFill>
+                      <a:srgbClr val="002060"/>
+                    </a:solidFill>
+                  </a:endParaRPr>
+                </a:p>
+              </p:txBody>
+            </p:sp>
+          </p:grpSp>
+          <p:sp>
+            <p:nvSpPr>
+              <p:cNvPr id="180" name="Abgerundetes Rechteck 179"/>
+              <p:cNvSpPr/>
+              <p:nvPr/>
+            </p:nvSpPr>
+            <p:spPr>
+              <a:xfrm>
+                <a:off x="9104300" y="490650"/>
+                <a:ext cx="2062940" cy="578153"/>
+              </a:xfrm>
+              <a:prstGeom prst="roundRect">
+                <a:avLst/>
+              </a:prstGeom>
+              <a:solidFill>
+                <a:schemeClr val="bg1"/>
+              </a:solidFill>
+              <a:ln w="19050">
+                <a:solidFill>
+                  <a:schemeClr val="tx1"/>
+                </a:solidFill>
+              </a:ln>
+            </p:spPr>
+            <p:style>
+              <a:lnRef idx="2">
+                <a:schemeClr val="accent1">
+                  <a:shade val="50000"/>
+                </a:schemeClr>
+              </a:lnRef>
+              <a:fillRef idx="1">
+                <a:schemeClr val="accent1"/>
+              </a:fillRef>
+              <a:effectRef idx="0">
+                <a:schemeClr val="accent1"/>
+              </a:effectRef>
+              <a:fontRef idx="minor">
+                <a:schemeClr val="lt1"/>
+              </a:fontRef>
+            </p:style>
+            <p:txBody>
+              <a:bodyPr rtlCol="0" anchor="ctr"/>
+              <a:lstStyle/>
+              <a:p>
+                <a:pPr algn="ctr"/>
+                <a:r>
+                  <a:rPr lang="de-DE" sz="1600" b="1" dirty="0" err="1" smtClean="0">
+                    <a:solidFill>
+                      <a:srgbClr val="002060"/>
+                    </a:solidFill>
+                  </a:rPr>
+                  <a:t>Braking</a:t>
+                </a:r>
+                <a:endParaRPr lang="de-DE" sz="1600" b="1" dirty="0">
+                  <a:solidFill>
+                    <a:srgbClr val="002060"/>
+                  </a:solidFill>
+                </a:endParaRPr>
+              </a:p>
+            </p:txBody>
+          </p:sp>
+        </p:grpSp>
+        <p:sp>
+          <p:nvSpPr>
+            <p:cNvPr id="186" name="Abgerundetes Rechteck 185"/>
+            <p:cNvSpPr/>
+            <p:nvPr/>
+          </p:nvSpPr>
+          <p:spPr>
+            <a:xfrm>
+              <a:off x="2261943" y="5659132"/>
+              <a:ext cx="1339273" cy="381982"/>
+            </a:xfrm>
+            <a:prstGeom prst="roundRect">
+              <a:avLst/>
+            </a:prstGeom>
+            <a:solidFill>
+              <a:schemeClr val="bg1"/>
+            </a:solidFill>
+            <a:ln w="19050">
+              <a:solidFill>
+                <a:schemeClr val="tx1"/>
+              </a:solidFill>
+            </a:ln>
+          </p:spPr>
+          <p:style>
+            <a:lnRef idx="2">
+              <a:schemeClr val="accent1">
+                <a:shade val="50000"/>
+              </a:schemeClr>
+            </a:lnRef>
+            <a:fillRef idx="1">
+              <a:schemeClr val="accent1"/>
+            </a:fillRef>
+            <a:effectRef idx="0">
+              <a:schemeClr val="accent1"/>
+            </a:effectRef>
+            <a:fontRef idx="minor">
+              <a:schemeClr val="lt1"/>
+            </a:fontRef>
+          </p:style>
+          <p:txBody>
+            <a:bodyPr rtlCol="0" anchor="ctr"/>
+            <a:lstStyle/>
+            <a:p>
+              <a:pPr algn="ctr"/>
+              <a:r>
+                <a:rPr lang="de-DE" sz="1600" b="1" dirty="0" err="1" smtClean="0">
+                  <a:solidFill>
+                    <a:srgbClr val="002060"/>
+                  </a:solidFill>
+                </a:rPr>
+                <a:t>Accelerating</a:t>
+              </a:r>
+              <a:endParaRPr lang="de-DE" sz="1600" b="1" dirty="0">
+                <a:solidFill>
+                  <a:srgbClr val="002060"/>
+                </a:solidFill>
+              </a:endParaRPr>
+            </a:p>
+          </p:txBody>
+        </p:sp>
+        <p:cxnSp>
+          <p:nvCxnSpPr>
+            <p:cNvPr id="189" name="Gewinkelte Verbindung 188"/>
+            <p:cNvCxnSpPr>
+              <a:stCxn id="186" idx="0"/>
+              <a:endCxn id="173" idx="3"/>
+            </p:cNvCxnSpPr>
+            <p:nvPr/>
+          </p:nvCxnSpPr>
+          <p:spPr>
+            <a:xfrm rot="16200000" flipV="1">
+              <a:off x="1863239" y="4590791"/>
+              <a:ext cx="957499" cy="1179184"/>
+            </a:xfrm>
+            <a:prstGeom prst="bentConnector2">
+              <a:avLst/>
+            </a:prstGeom>
+            <a:ln w="19050">
+              <a:solidFill>
+                <a:schemeClr val="tx1"/>
+              </a:solidFill>
+              <a:tailEnd type="triangle" w="med" len="sm"/>
+            </a:ln>
+          </p:spPr>
+          <p:style>
+            <a:lnRef idx="1">
+              <a:schemeClr val="accent1"/>
+            </a:lnRef>
+            <a:fillRef idx="0">
+              <a:schemeClr val="accent1"/>
+            </a:fillRef>
+            <a:effectRef idx="0">
+              <a:schemeClr val="accent1"/>
+            </a:effectRef>
+            <a:fontRef idx="minor">
+              <a:schemeClr val="tx1"/>
+            </a:fontRef>
+          </p:style>
+        </p:cxnSp>
+        <p:cxnSp>
+          <p:nvCxnSpPr>
+            <p:cNvPr id="192" name="Gewinkelte Verbindung 191"/>
+            <p:cNvCxnSpPr>
+              <a:stCxn id="173" idx="2"/>
+              <a:endCxn id="186" idx="1"/>
+            </p:cNvCxnSpPr>
+            <p:nvPr/>
+          </p:nvCxnSpPr>
+          <p:spPr>
+            <a:xfrm rot="16200000" flipH="1">
+              <a:off x="1263943" y="4852122"/>
+              <a:ext cx="957499" cy="1038502"/>
+            </a:xfrm>
+            <a:prstGeom prst="bentConnector2">
+              <a:avLst/>
+            </a:prstGeom>
+            <a:ln w="19050">
+              <a:solidFill>
+                <a:schemeClr val="tx1"/>
+              </a:solidFill>
+              <a:tailEnd type="triangle" w="med" len="sm"/>
+            </a:ln>
+          </p:spPr>
+          <p:style>
+            <a:lnRef idx="1">
+              <a:schemeClr val="accent1"/>
+            </a:lnRef>
+            <a:fillRef idx="0">
+              <a:schemeClr val="accent1"/>
+            </a:fillRef>
+            <a:effectRef idx="0">
+              <a:schemeClr val="accent1"/>
+            </a:effectRef>
+            <a:fontRef idx="minor">
+              <a:schemeClr val="tx1"/>
+            </a:fontRef>
+          </p:style>
+        </p:cxnSp>
+      </p:grpSp>
+      <p:cxnSp>
+        <p:nvCxnSpPr>
+          <p:cNvPr id="274" name="Gewinkelte Verbindung 273"/>
+          <p:cNvCxnSpPr>
+            <a:stCxn id="125" idx="1"/>
+            <a:endCxn id="112" idx="2"/>
+          </p:cNvCxnSpPr>
+          <p:nvPr/>
+        </p:nvCxnSpPr>
+        <p:spPr>
+          <a:xfrm rot="10800000">
+            <a:off x="2397266" y="1068804"/>
+            <a:ext cx="2667264" cy="1604947"/>
+          </a:xfrm>
+          <a:prstGeom prst="bentConnector2">
+            <a:avLst/>
+          </a:prstGeom>
+          <a:ln w="19050">
+            <a:solidFill>
+              <a:schemeClr val="tx1"/>
+            </a:solidFill>
+            <a:tailEnd type="triangle" w="med" len="sm"/>
+          </a:ln>
+        </p:spPr>
+        <p:style>
+          <a:lnRef idx="1">
+            <a:schemeClr val="accent1"/>
+          </a:lnRef>
+          <a:fillRef idx="0">
+            <a:schemeClr val="accent1"/>
+          </a:fillRef>
+          <a:effectRef idx="0">
+            <a:schemeClr val="accent1"/>
+          </a:effectRef>
+          <a:fontRef idx="minor">
+            <a:schemeClr val="tx1"/>
+          </a:fontRef>
+        </p:style>
+      </p:cxnSp>
+      <p:cxnSp>
+        <p:nvCxnSpPr>
+          <p:cNvPr id="281" name="Gewinkelte Verbindung 280"/>
+          <p:cNvCxnSpPr>
+            <a:stCxn id="122" idx="2"/>
+            <a:endCxn id="277" idx="0"/>
+          </p:cNvCxnSpPr>
+          <p:nvPr/>
+        </p:nvCxnSpPr>
+        <p:spPr>
+          <a:xfrm rot="5400000">
+            <a:off x="3093364" y="1686372"/>
+            <a:ext cx="803302" cy="3653830"/>
+          </a:xfrm>
+          <a:prstGeom prst="bentConnector3">
+            <a:avLst>
+              <a:gd name="adj1" fmla="val 50000"/>
+            </a:avLst>
+          </a:prstGeom>
+          <a:ln w="19050">
+            <a:solidFill>
+              <a:schemeClr val="tx1"/>
+            </a:solidFill>
+            <a:tailEnd type="triangle" w="med" len="sm"/>
+          </a:ln>
+        </p:spPr>
+        <p:style>
+          <a:lnRef idx="1">
+            <a:schemeClr val="accent1"/>
+          </a:lnRef>
+          <a:fillRef idx="0">
+            <a:schemeClr val="accent1"/>
+          </a:fillRef>
+          <a:effectRef idx="0">
+            <a:schemeClr val="accent1"/>
+          </a:effectRef>
+          <a:fontRef idx="minor">
+            <a:schemeClr val="tx1"/>
+          </a:fontRef>
+        </p:style>
+      </p:cxnSp>
+      <p:cxnSp>
+        <p:nvCxnSpPr>
+          <p:cNvPr id="284" name="Gewinkelte Verbindung 283"/>
+          <p:cNvCxnSpPr>
+            <a:stCxn id="278" idx="0"/>
+            <a:endCxn id="128" idx="2"/>
+          </p:cNvCxnSpPr>
+          <p:nvPr/>
+        </p:nvCxnSpPr>
+        <p:spPr>
+          <a:xfrm rot="5400000" flipH="1" flipV="1">
+            <a:off x="4746698" y="2817586"/>
+            <a:ext cx="797228" cy="1385329"/>
+          </a:xfrm>
+          <a:prstGeom prst="bentConnector3">
+            <a:avLst>
+              <a:gd name="adj1" fmla="val 50000"/>
+            </a:avLst>
+          </a:prstGeom>
+          <a:ln w="19050">
+            <a:solidFill>
+              <a:schemeClr val="tx1"/>
+            </a:solidFill>
+            <a:tailEnd type="triangle" w="med" len="sm"/>
+          </a:ln>
+        </p:spPr>
+        <p:style>
+          <a:lnRef idx="1">
+            <a:schemeClr val="accent1"/>
+          </a:lnRef>
+          <a:fillRef idx="0">
+            <a:schemeClr val="accent1"/>
+          </a:fillRef>
+          <a:effectRef idx="0">
+            <a:schemeClr val="accent1"/>
+          </a:effectRef>
+          <a:fontRef idx="minor">
+            <a:schemeClr val="tx1"/>
+          </a:fontRef>
+        </p:style>
+      </p:cxnSp>
+    </p:spTree>
+    <p:extLst>
+      <p:ext uri="{BB962C8B-B14F-4D97-AF65-F5344CB8AC3E}">
+        <p14:creationId xmlns:p14="http://schemas.microsoft.com/office/powerpoint/2010/main" val="3555777588"/>
+      </p:ext>
+    </p:extLst>
+  </p:cSld>
+  <p:clrMapOvr>
+    <a:masterClrMapping/>
+  </p:clrMapOvr>
+</p:sld>
+</file>
+
+<file path=ppt/slides/slide5.xml><?xml version="1.0" encoding="utf-8"?>
+<p:sld xmlns:a="http://schemas.openxmlformats.org/drawingml/2006/main" xmlns:r="http://schemas.openxmlformats.org/officeDocument/2006/relationships" xmlns:p="http://schemas.openxmlformats.org/presentationml/2006/main">
+  <p:cSld>
+    <p:spTree>
+      <p:nvGrpSpPr>
+        <p:cNvPr id="1" name=""/>
+        <p:cNvGrpSpPr/>
+        <p:nvPr/>
+      </p:nvGrpSpPr>
+      <p:grpSpPr>
+        <a:xfrm>
+          <a:off x="0" y="0"/>
+          <a:ext cx="0" cy="0"/>
+          <a:chOff x="0" y="0"/>
+          <a:chExt cx="0" cy="0"/>
+        </a:xfrm>
+      </p:grpSpPr>
+      <p:sp>
+        <p:nvSpPr>
           <p:cNvPr id="10" name="Rechteck 9"/>
           <p:cNvSpPr/>
           <p:nvPr/>
@@ -11841,7 +14275,7 @@
 </p:sld>
 </file>
 
-<file path=ppt/slides/slide5.xml><?xml version="1.0" encoding="utf-8"?>
+<file path=ppt/slides/slide6.xml><?xml version="1.0" encoding="utf-8"?>
 <p:sld xmlns:a="http://schemas.openxmlformats.org/drawingml/2006/main" xmlns:r="http://schemas.openxmlformats.org/officeDocument/2006/relationships" xmlns:p="http://schemas.openxmlformats.org/presentationml/2006/main">
   <p:cSld>
     <p:spTree>
